--- a/content/22-lecture-web-services.pptx
+++ b/content/22-lecture-web-services.pptx
@@ -5,7 +5,7 @@
     <p:sldMasterId id="2147484224" r:id="rId5"/>
   </p:sldMasterIdLst>
   <p:notesMasterIdLst>
-    <p:notesMasterId r:id="rId30"/>
+    <p:notesMasterId r:id="rId31"/>
   </p:notesMasterIdLst>
   <p:sldIdLst>
     <p:sldId id="256" r:id="rId6"/>
@@ -28,10 +28,11 @@
     <p:sldId id="277" r:id="rId23"/>
     <p:sldId id="278" r:id="rId24"/>
     <p:sldId id="279" r:id="rId25"/>
-    <p:sldId id="280" r:id="rId26"/>
-    <p:sldId id="281" r:id="rId27"/>
-    <p:sldId id="282" r:id="rId28"/>
-    <p:sldId id="283" r:id="rId29"/>
+    <p:sldId id="284" r:id="rId26"/>
+    <p:sldId id="280" r:id="rId27"/>
+    <p:sldId id="281" r:id="rId28"/>
+    <p:sldId id="282" r:id="rId29"/>
+    <p:sldId id="285" r:id="rId30"/>
   </p:sldIdLst>
   <p:sldSz cx="9144000" cy="6858000" type="screen4x3"/>
   <p:notesSz cx="6858000" cy="9144000"/>
@@ -918,10 +919,9 @@
         <a:lstStyle/>
         <a:p>
           <a:r>
-            <a:rPr lang="en-US" dirty="0" smtClean="0"/>
+            <a:rPr lang="en-US" dirty="0"/>
             <a:t>HTTP</a:t>
           </a:r>
-          <a:endParaRPr lang="en-US" dirty="0"/>
         </a:p>
       </dgm:t>
     </dgm:pt>
@@ -955,7 +955,7 @@
         <a:lstStyle/>
         <a:p>
           <a:r>
-            <a:rPr lang="en-US" dirty="0" smtClean="0"/>
+            <a:rPr lang="en-US" dirty="0"/>
             <a:t>Browser</a:t>
           </a:r>
         </a:p>
@@ -991,10 +991,9 @@
         <a:lstStyle/>
         <a:p>
           <a:r>
-            <a:rPr lang="en-US" dirty="0" smtClean="0"/>
+            <a:rPr lang="en-US" dirty="0"/>
             <a:t>Web Server</a:t>
           </a:r>
-          <a:endParaRPr lang="en-US" dirty="0"/>
         </a:p>
       </dgm:t>
     </dgm:pt>
@@ -1028,10 +1027,9 @@
         <a:lstStyle/>
         <a:p>
           <a:r>
-            <a:rPr lang="en-US" dirty="0" smtClean="0"/>
+            <a:rPr lang="en-US" dirty="0"/>
             <a:t>URL / URI</a:t>
           </a:r>
-          <a:endParaRPr lang="en-US" dirty="0"/>
         </a:p>
       </dgm:t>
     </dgm:pt>
@@ -1065,14 +1063,14 @@
         <a:lstStyle/>
         <a:p>
           <a:r>
-            <a:rPr lang="en-US" dirty="0" smtClean="0"/>
+            <a:rPr lang="en-US" dirty="0"/>
             <a:t>Platform</a:t>
           </a:r>
           <a:br>
-            <a:rPr lang="en-US" dirty="0" smtClean="0"/>
+            <a:rPr lang="en-US" dirty="0"/>
           </a:br>
           <a:r>
-            <a:rPr lang="en-US" dirty="0" smtClean="0"/>
+            <a:rPr lang="en-US" dirty="0"/>
             <a:t>ASP /PHP /JSP</a:t>
           </a:r>
         </a:p>
@@ -1108,7 +1106,7 @@
         <a:lstStyle/>
         <a:p>
           <a:r>
-            <a:rPr lang="en-US" dirty="0" smtClean="0"/>
+            <a:rPr lang="en-US" dirty="0"/>
             <a:t>Micro-formats</a:t>
           </a:r>
         </a:p>
@@ -1144,10 +1142,9 @@
         <a:lstStyle/>
         <a:p>
           <a:r>
-            <a:rPr lang="en-US" dirty="0" smtClean="0"/>
+            <a:rPr lang="en-US" dirty="0"/>
             <a:t>HTML / XHTML</a:t>
           </a:r>
-          <a:endParaRPr lang="en-US" dirty="0"/>
         </a:p>
       </dgm:t>
     </dgm:pt>
@@ -1181,10 +1178,9 @@
         <a:lstStyle/>
         <a:p>
           <a:r>
-            <a:rPr lang="en-US" dirty="0" smtClean="0"/>
+            <a:rPr lang="en-US" dirty="0"/>
             <a:t>Web Building Blocks</a:t>
           </a:r>
-          <a:endParaRPr lang="en-US" dirty="0"/>
         </a:p>
       </dgm:t>
     </dgm:pt>
@@ -1218,10 +1214,9 @@
         <a:lstStyle/>
         <a:p>
           <a:r>
-            <a:rPr lang="en-US" smtClean="0"/>
+            <a:rPr lang="en-US"/>
             <a:t>AJAX</a:t>
           </a:r>
-          <a:endParaRPr lang="en-US"/>
         </a:p>
       </dgm:t>
     </dgm:pt>
@@ -1257,24 +1252,10 @@
         </dgm:presLayoutVars>
       </dgm:prSet>
       <dgm:spPr/>
-      <dgm:t>
-        <a:bodyPr/>
-        <a:lstStyle/>
-        <a:p>
-          <a:endParaRPr lang="en-US"/>
-        </a:p>
-      </dgm:t>
     </dgm:pt>
     <dgm:pt modelId="{12592950-FC6B-47B4-AD8B-74E01D002F65}" type="pres">
       <dgm:prSet presAssocID="{544B8E41-3E0A-45BF-8AF2-A2EC2957FB86}" presName="centerShape" presStyleLbl="node0" presStyleIdx="0" presStyleCnt="1" custScaleX="129735" custScaleY="125411"/>
       <dgm:spPr/>
-      <dgm:t>
-        <a:bodyPr/>
-        <a:lstStyle/>
-        <a:p>
-          <a:endParaRPr lang="en-US"/>
-        </a:p>
-      </dgm:t>
     </dgm:pt>
     <dgm:pt modelId="{9701F7CB-212E-4671-B8FA-A25E061EAC71}" type="pres">
       <dgm:prSet presAssocID="{ACE89B21-D1A3-4506-A7D7-B619E66BD8B2}" presName="node" presStyleLbl="node1" presStyleIdx="0" presStyleCnt="8">
@@ -1283,13 +1264,6 @@
         </dgm:presLayoutVars>
       </dgm:prSet>
       <dgm:spPr/>
-      <dgm:t>
-        <a:bodyPr/>
-        <a:lstStyle/>
-        <a:p>
-          <a:endParaRPr lang="en-US"/>
-        </a:p>
-      </dgm:t>
     </dgm:pt>
     <dgm:pt modelId="{51721DDE-1F41-41DB-BDE8-516DEDC106B5}" type="pres">
       <dgm:prSet presAssocID="{ACE89B21-D1A3-4506-A7D7-B619E66BD8B2}" presName="dummy" presStyleCnt="0"/>
@@ -1298,13 +1272,6 @@
     <dgm:pt modelId="{D4FF067D-1C1A-41C5-9FD0-BC387E0F3A85}" type="pres">
       <dgm:prSet presAssocID="{7970AEC5-1CA3-493C-9774-BB9C730AE5DE}" presName="sibTrans" presStyleLbl="sibTrans2D1" presStyleIdx="0" presStyleCnt="8"/>
       <dgm:spPr/>
-      <dgm:t>
-        <a:bodyPr/>
-        <a:lstStyle/>
-        <a:p>
-          <a:endParaRPr lang="en-US"/>
-        </a:p>
-      </dgm:t>
     </dgm:pt>
     <dgm:pt modelId="{5BE46F6D-3013-4190-AA59-FFF3CD3F41E9}" type="pres">
       <dgm:prSet presAssocID="{75B9CD6D-47BD-418B-8708-4FA228A81DB2}" presName="node" presStyleLbl="node1" presStyleIdx="1" presStyleCnt="8">
@@ -1313,13 +1280,6 @@
         </dgm:presLayoutVars>
       </dgm:prSet>
       <dgm:spPr/>
-      <dgm:t>
-        <a:bodyPr/>
-        <a:lstStyle/>
-        <a:p>
-          <a:endParaRPr lang="en-US"/>
-        </a:p>
-      </dgm:t>
     </dgm:pt>
     <dgm:pt modelId="{2142A14B-4181-4E29-88D9-5EBF7B972301}" type="pres">
       <dgm:prSet presAssocID="{75B9CD6D-47BD-418B-8708-4FA228A81DB2}" presName="dummy" presStyleCnt="0"/>
@@ -1328,13 +1288,6 @@
     <dgm:pt modelId="{6663B0B9-F050-4201-A2FF-4868EE5E122F}" type="pres">
       <dgm:prSet presAssocID="{D111911C-0904-42C6-9980-4ED402BB0E49}" presName="sibTrans" presStyleLbl="sibTrans2D1" presStyleIdx="1" presStyleCnt="8"/>
       <dgm:spPr/>
-      <dgm:t>
-        <a:bodyPr/>
-        <a:lstStyle/>
-        <a:p>
-          <a:endParaRPr lang="en-US"/>
-        </a:p>
-      </dgm:t>
     </dgm:pt>
     <dgm:pt modelId="{A553A3CF-5048-45C1-BF80-F45E02E56486}" type="pres">
       <dgm:prSet presAssocID="{B7B7AECC-8913-4198-801D-59EA21008358}" presName="node" presStyleLbl="node1" presStyleIdx="2" presStyleCnt="8">
@@ -1343,13 +1296,6 @@
         </dgm:presLayoutVars>
       </dgm:prSet>
       <dgm:spPr/>
-      <dgm:t>
-        <a:bodyPr/>
-        <a:lstStyle/>
-        <a:p>
-          <a:endParaRPr lang="en-US"/>
-        </a:p>
-      </dgm:t>
     </dgm:pt>
     <dgm:pt modelId="{1B9E34A6-0F75-4729-AFFA-5B4E10B26812}" type="pres">
       <dgm:prSet presAssocID="{B7B7AECC-8913-4198-801D-59EA21008358}" presName="dummy" presStyleCnt="0"/>
@@ -1358,13 +1304,6 @@
     <dgm:pt modelId="{8DA5D5F3-5960-41EA-9A2B-40E7B58551B4}" type="pres">
       <dgm:prSet presAssocID="{D64DF1D3-8DB4-415F-86CA-3762F18BBE9F}" presName="sibTrans" presStyleLbl="sibTrans2D1" presStyleIdx="2" presStyleCnt="8"/>
       <dgm:spPr/>
-      <dgm:t>
-        <a:bodyPr/>
-        <a:lstStyle/>
-        <a:p>
-          <a:endParaRPr lang="en-US"/>
-        </a:p>
-      </dgm:t>
     </dgm:pt>
     <dgm:pt modelId="{206DDB58-332A-4A7A-BE23-41576C43F0EC}" type="pres">
       <dgm:prSet presAssocID="{51C50E89-FD17-44DE-AF1C-11BF1D9E1842}" presName="node" presStyleLbl="node1" presStyleIdx="3" presStyleCnt="8">
@@ -1373,13 +1312,6 @@
         </dgm:presLayoutVars>
       </dgm:prSet>
       <dgm:spPr/>
-      <dgm:t>
-        <a:bodyPr/>
-        <a:lstStyle/>
-        <a:p>
-          <a:endParaRPr lang="en-US"/>
-        </a:p>
-      </dgm:t>
     </dgm:pt>
     <dgm:pt modelId="{70262703-5608-4C63-B25C-53584FACB60B}" type="pres">
       <dgm:prSet presAssocID="{51C50E89-FD17-44DE-AF1C-11BF1D9E1842}" presName="dummy" presStyleCnt="0"/>
@@ -1388,13 +1320,6 @@
     <dgm:pt modelId="{857B7DC7-DE73-404A-89DF-30A3792C86BB}" type="pres">
       <dgm:prSet presAssocID="{B79F3DDC-B57F-402F-B94A-1D7C19059F01}" presName="sibTrans" presStyleLbl="sibTrans2D1" presStyleIdx="3" presStyleCnt="8"/>
       <dgm:spPr/>
-      <dgm:t>
-        <a:bodyPr/>
-        <a:lstStyle/>
-        <a:p>
-          <a:endParaRPr lang="en-US"/>
-        </a:p>
-      </dgm:t>
     </dgm:pt>
     <dgm:pt modelId="{6853A5F9-B798-415C-ABFD-8F139BC87279}" type="pres">
       <dgm:prSet presAssocID="{9F27923A-CF42-4BC9-8E70-8078C73C0F34}" presName="node" presStyleLbl="node1" presStyleIdx="4" presStyleCnt="8">
@@ -1403,13 +1328,6 @@
         </dgm:presLayoutVars>
       </dgm:prSet>
       <dgm:spPr/>
-      <dgm:t>
-        <a:bodyPr/>
-        <a:lstStyle/>
-        <a:p>
-          <a:endParaRPr lang="en-US"/>
-        </a:p>
-      </dgm:t>
     </dgm:pt>
     <dgm:pt modelId="{F1BB1302-DBFD-4F07-93A3-63F8F4D1A8CD}" type="pres">
       <dgm:prSet presAssocID="{9F27923A-CF42-4BC9-8E70-8078C73C0F34}" presName="dummy" presStyleCnt="0"/>
@@ -1418,13 +1336,6 @@
     <dgm:pt modelId="{44404AB2-E971-400C-B1BD-871DED67CF53}" type="pres">
       <dgm:prSet presAssocID="{36033919-2A4B-4E6E-A1E6-5A0470A02F61}" presName="sibTrans" presStyleLbl="sibTrans2D1" presStyleIdx="4" presStyleCnt="8"/>
       <dgm:spPr/>
-      <dgm:t>
-        <a:bodyPr/>
-        <a:lstStyle/>
-        <a:p>
-          <a:endParaRPr lang="en-US"/>
-        </a:p>
-      </dgm:t>
     </dgm:pt>
     <dgm:pt modelId="{42B900F3-3B85-4396-B9BA-63EAFB8666A6}" type="pres">
       <dgm:prSet presAssocID="{5E2E325A-7F5E-4337-98D6-7BB55C13AFEC}" presName="node" presStyleLbl="node1" presStyleIdx="5" presStyleCnt="8">
@@ -1433,13 +1344,6 @@
         </dgm:presLayoutVars>
       </dgm:prSet>
       <dgm:spPr/>
-      <dgm:t>
-        <a:bodyPr/>
-        <a:lstStyle/>
-        <a:p>
-          <a:endParaRPr lang="en-US"/>
-        </a:p>
-      </dgm:t>
     </dgm:pt>
     <dgm:pt modelId="{05B66B8F-5926-4700-9273-E59709A23CF6}" type="pres">
       <dgm:prSet presAssocID="{5E2E325A-7F5E-4337-98D6-7BB55C13AFEC}" presName="dummy" presStyleCnt="0"/>
@@ -1448,13 +1352,6 @@
     <dgm:pt modelId="{3310DBA9-0371-437A-A195-4572E1BFB527}" type="pres">
       <dgm:prSet presAssocID="{8579FEF3-DED7-4CAE-B9C1-A1EA9D5EEB80}" presName="sibTrans" presStyleLbl="sibTrans2D1" presStyleIdx="5" presStyleCnt="8"/>
       <dgm:spPr/>
-      <dgm:t>
-        <a:bodyPr/>
-        <a:lstStyle/>
-        <a:p>
-          <a:endParaRPr lang="en-US"/>
-        </a:p>
-      </dgm:t>
     </dgm:pt>
     <dgm:pt modelId="{03EF0AA5-0E6D-4E36-94E7-03240FF560AA}" type="pres">
       <dgm:prSet presAssocID="{299321E5-8503-491D-9296-427929119444}" presName="node" presStyleLbl="node1" presStyleIdx="6" presStyleCnt="8">
@@ -1463,13 +1360,6 @@
         </dgm:presLayoutVars>
       </dgm:prSet>
       <dgm:spPr/>
-      <dgm:t>
-        <a:bodyPr/>
-        <a:lstStyle/>
-        <a:p>
-          <a:endParaRPr lang="en-US"/>
-        </a:p>
-      </dgm:t>
     </dgm:pt>
     <dgm:pt modelId="{6F366DE9-47B8-4DA7-A7D1-030294DF54FF}" type="pres">
       <dgm:prSet presAssocID="{299321E5-8503-491D-9296-427929119444}" presName="dummy" presStyleCnt="0"/>
@@ -1478,13 +1368,6 @@
     <dgm:pt modelId="{FB01F97F-9FE9-40F9-A44F-B107601B7500}" type="pres">
       <dgm:prSet presAssocID="{0BAAC4D5-CC6E-4325-8F48-3DEF85EF8A9E}" presName="sibTrans" presStyleLbl="sibTrans2D1" presStyleIdx="6" presStyleCnt="8"/>
       <dgm:spPr/>
-      <dgm:t>
-        <a:bodyPr/>
-        <a:lstStyle/>
-        <a:p>
-          <a:endParaRPr lang="en-US"/>
-        </a:p>
-      </dgm:t>
     </dgm:pt>
     <dgm:pt modelId="{4053ED88-6F73-4609-833A-1D18949585FB}" type="pres">
       <dgm:prSet presAssocID="{61604A2D-FD82-4475-9309-96630361B6D4}" presName="node" presStyleLbl="node1" presStyleIdx="7" presStyleCnt="8">
@@ -1493,13 +1376,6 @@
         </dgm:presLayoutVars>
       </dgm:prSet>
       <dgm:spPr/>
-      <dgm:t>
-        <a:bodyPr/>
-        <a:lstStyle/>
-        <a:p>
-          <a:endParaRPr lang="en-US"/>
-        </a:p>
-      </dgm:t>
     </dgm:pt>
     <dgm:pt modelId="{ECCEB904-B996-46C9-8F6C-28B3424947EA}" type="pres">
       <dgm:prSet presAssocID="{61604A2D-FD82-4475-9309-96630361B6D4}" presName="dummy" presStyleCnt="0"/>
@@ -1508,42 +1384,35 @@
     <dgm:pt modelId="{1B914DC2-9873-4D81-B562-705E383995D9}" type="pres">
       <dgm:prSet presAssocID="{0376D363-9BA6-4F1F-AF9E-4066256EEDED}" presName="sibTrans" presStyleLbl="sibTrans2D1" presStyleIdx="7" presStyleCnt="8"/>
       <dgm:spPr/>
-      <dgm:t>
-        <a:bodyPr/>
-        <a:lstStyle/>
-        <a:p>
-          <a:endParaRPr lang="en-US"/>
-        </a:p>
-      </dgm:t>
     </dgm:pt>
   </dgm:ptLst>
   <dgm:cxnLst>
-    <dgm:cxn modelId="{DC5E6746-3104-4BA0-B824-C052EEE68CB4}" type="presOf" srcId="{8579FEF3-DED7-4CAE-B9C1-A1EA9D5EEB80}" destId="{3310DBA9-0371-437A-A195-4572E1BFB527}" srcOrd="0" destOrd="0" presId="urn:microsoft.com/office/officeart/2005/8/layout/radial6"/>
-    <dgm:cxn modelId="{245C994E-1F0D-4299-8A01-0300C98F5CF6}" type="presOf" srcId="{9F27923A-CF42-4BC9-8E70-8078C73C0F34}" destId="{6853A5F9-B798-415C-ABFD-8F139BC87279}" srcOrd="0" destOrd="0" presId="urn:microsoft.com/office/officeart/2005/8/layout/radial6"/>
+    <dgm:cxn modelId="{16224C05-45C0-44C8-881F-3F2558CDD373}" type="presOf" srcId="{5E2E325A-7F5E-4337-98D6-7BB55C13AFEC}" destId="{42B900F3-3B85-4396-B9BA-63EAFB8666A6}" srcOrd="0" destOrd="0" presId="urn:microsoft.com/office/officeart/2005/8/layout/radial6"/>
+    <dgm:cxn modelId="{A940CB09-B8D9-4B8F-9B33-B13D2F4B1E4A}" srcId="{544B8E41-3E0A-45BF-8AF2-A2EC2957FB86}" destId="{5E2E325A-7F5E-4337-98D6-7BB55C13AFEC}" srcOrd="5" destOrd="0" parTransId="{4EB8B0A0-28A7-4A25-B67C-7EA781EF237C}" sibTransId="{8579FEF3-DED7-4CAE-B9C1-A1EA9D5EEB80}"/>
     <dgm:cxn modelId="{0504BA0F-C2F0-4B72-8496-FD582D71DEF6}" srcId="{544B8E41-3E0A-45BF-8AF2-A2EC2957FB86}" destId="{75B9CD6D-47BD-418B-8708-4FA228A81DB2}" srcOrd="1" destOrd="0" parTransId="{430F5061-2328-447A-BB5A-89A1CED80FC1}" sibTransId="{D111911C-0904-42C6-9980-4ED402BB0E49}"/>
     <dgm:cxn modelId="{2C3C6024-C3BD-4557-B7F7-326009F88BD2}" type="presOf" srcId="{1429E73D-9D6A-4755-81CD-678F5309E756}" destId="{2E7C135C-8DB0-4236-AD17-C433039B0030}" srcOrd="0" destOrd="0" presId="urn:microsoft.com/office/officeart/2005/8/layout/radial6"/>
+    <dgm:cxn modelId="{AC3D4833-C1ED-42F8-A247-CE3BB1B01203}" type="presOf" srcId="{0376D363-9BA6-4F1F-AF9E-4066256EEDED}" destId="{1B914DC2-9873-4D81-B562-705E383995D9}" srcOrd="0" destOrd="0" presId="urn:microsoft.com/office/officeart/2005/8/layout/radial6"/>
+    <dgm:cxn modelId="{11EDA034-9242-4BF3-B4C8-09E6FA75ACB3}" type="presOf" srcId="{299321E5-8503-491D-9296-427929119444}" destId="{03EF0AA5-0E6D-4E36-94E7-03240FF560AA}" srcOrd="0" destOrd="0" presId="urn:microsoft.com/office/officeart/2005/8/layout/radial6"/>
+    <dgm:cxn modelId="{51E54736-990B-42C7-9FC4-B20F91CAB543}" srcId="{544B8E41-3E0A-45BF-8AF2-A2EC2957FB86}" destId="{ACE89B21-D1A3-4506-A7D7-B619E66BD8B2}" srcOrd="0" destOrd="0" parTransId="{A3D534AD-3045-4A46-85D8-DE823C1D3B66}" sibTransId="{7970AEC5-1CA3-493C-9774-BB9C730AE5DE}"/>
+    <dgm:cxn modelId="{903C1E3E-3386-4247-8246-30AFC63B71D2}" type="presOf" srcId="{36033919-2A4B-4E6E-A1E6-5A0470A02F61}" destId="{44404AB2-E971-400C-B1BD-871DED67CF53}" srcOrd="0" destOrd="0" presId="urn:microsoft.com/office/officeart/2005/8/layout/radial6"/>
+    <dgm:cxn modelId="{523E6A40-7A0D-4209-A2DA-123529F3B24C}" srcId="{544B8E41-3E0A-45BF-8AF2-A2EC2957FB86}" destId="{51C50E89-FD17-44DE-AF1C-11BF1D9E1842}" srcOrd="3" destOrd="0" parTransId="{7136CD78-4110-4804-BBB5-CC94324D976C}" sibTransId="{B79F3DDC-B57F-402F-B94A-1D7C19059F01}"/>
+    <dgm:cxn modelId="{8D4E2665-F0B2-445F-94E7-20F4982F8061}" type="presOf" srcId="{75B9CD6D-47BD-418B-8708-4FA228A81DB2}" destId="{5BE46F6D-3013-4190-AA59-FFF3CD3F41E9}" srcOrd="0" destOrd="0" presId="urn:microsoft.com/office/officeart/2005/8/layout/radial6"/>
+    <dgm:cxn modelId="{DC5E6746-3104-4BA0-B824-C052EEE68CB4}" type="presOf" srcId="{8579FEF3-DED7-4CAE-B9C1-A1EA9D5EEB80}" destId="{3310DBA9-0371-437A-A195-4572E1BFB527}" srcOrd="0" destOrd="0" presId="urn:microsoft.com/office/officeart/2005/8/layout/radial6"/>
+    <dgm:cxn modelId="{9BA25D6E-6AFC-4AA2-8E95-880615175A15}" type="presOf" srcId="{D111911C-0904-42C6-9980-4ED402BB0E49}" destId="{6663B0B9-F050-4201-A2FF-4868EE5E122F}" srcOrd="0" destOrd="0" presId="urn:microsoft.com/office/officeart/2005/8/layout/radial6"/>
+    <dgm:cxn modelId="{245C994E-1F0D-4299-8A01-0300C98F5CF6}" type="presOf" srcId="{9F27923A-CF42-4BC9-8E70-8078C73C0F34}" destId="{6853A5F9-B798-415C-ABFD-8F139BC87279}" srcOrd="0" destOrd="0" presId="urn:microsoft.com/office/officeart/2005/8/layout/radial6"/>
+    <dgm:cxn modelId="{92B2C678-6E4F-4508-9C0F-9F87C76AA30B}" type="presOf" srcId="{ACE89B21-D1A3-4506-A7D7-B619E66BD8B2}" destId="{9701F7CB-212E-4671-B8FA-A25E061EAC71}" srcOrd="0" destOrd="0" presId="urn:microsoft.com/office/officeart/2005/8/layout/radial6"/>
+    <dgm:cxn modelId="{3E99CF7C-F2C5-4001-AA1F-0F9B57BDB0B1}" type="presOf" srcId="{B79F3DDC-B57F-402F-B94A-1D7C19059F01}" destId="{857B7DC7-DE73-404A-89DF-30A3792C86BB}" srcOrd="0" destOrd="0" presId="urn:microsoft.com/office/officeart/2005/8/layout/radial6"/>
+    <dgm:cxn modelId="{DF5B0793-6672-4462-9242-01CAB983DE11}" srcId="{544B8E41-3E0A-45BF-8AF2-A2EC2957FB86}" destId="{299321E5-8503-491D-9296-427929119444}" srcOrd="6" destOrd="0" parTransId="{30E799EA-9B15-4B2B-831C-FBF058BCA699}" sibTransId="{0BAAC4D5-CC6E-4325-8F48-3DEF85EF8A9E}"/>
+    <dgm:cxn modelId="{005631A0-0CF0-4756-BA35-89F85C1A7886}" srcId="{544B8E41-3E0A-45BF-8AF2-A2EC2957FB86}" destId="{61604A2D-FD82-4475-9309-96630361B6D4}" srcOrd="7" destOrd="0" parTransId="{2FDA91B3-B9CF-46AE-8E2E-FF3498769037}" sibTransId="{0376D363-9BA6-4F1F-AF9E-4066256EEDED}"/>
+    <dgm:cxn modelId="{E971D4A9-3F21-4969-86D6-ECEC1C31D266}" type="presOf" srcId="{544B8E41-3E0A-45BF-8AF2-A2EC2957FB86}" destId="{12592950-FC6B-47B4-AD8B-74E01D002F65}" srcOrd="0" destOrd="0" presId="urn:microsoft.com/office/officeart/2005/8/layout/radial6"/>
+    <dgm:cxn modelId="{ADF50FB1-2EAE-4CE9-B564-F80E5E5C26C4}" type="presOf" srcId="{B7B7AECC-8913-4198-801D-59EA21008358}" destId="{A553A3CF-5048-45C1-BF80-F45E02E56486}" srcOrd="0" destOrd="0" presId="urn:microsoft.com/office/officeart/2005/8/layout/radial6"/>
+    <dgm:cxn modelId="{C6F94AB4-8142-4050-B30B-99BD4D85B167}" type="presOf" srcId="{D64DF1D3-8DB4-415F-86CA-3762F18BBE9F}" destId="{8DA5D5F3-5960-41EA-9A2B-40E7B58551B4}" srcOrd="0" destOrd="0" presId="urn:microsoft.com/office/officeart/2005/8/layout/radial6"/>
+    <dgm:cxn modelId="{AA5BD5BB-CD74-4DBB-A02C-0AB7031424A8}" type="presOf" srcId="{51C50E89-FD17-44DE-AF1C-11BF1D9E1842}" destId="{206DDB58-332A-4A7A-BE23-41576C43F0EC}" srcOrd="0" destOrd="0" presId="urn:microsoft.com/office/officeart/2005/8/layout/radial6"/>
+    <dgm:cxn modelId="{0AF7E0BD-CD4F-4DD7-8158-5C7B2252D378}" srcId="{544B8E41-3E0A-45BF-8AF2-A2EC2957FB86}" destId="{9F27923A-CF42-4BC9-8E70-8078C73C0F34}" srcOrd="4" destOrd="0" parTransId="{D930C818-9BBB-45BC-8DAC-6BEF34DB6019}" sibTransId="{36033919-2A4B-4E6E-A1E6-5A0470A02F61}"/>
+    <dgm:cxn modelId="{3FC293C6-6AFA-4411-857A-2820AC88EDD6}" type="presOf" srcId="{61604A2D-FD82-4475-9309-96630361B6D4}" destId="{4053ED88-6F73-4609-833A-1D18949585FB}" srcOrd="0" destOrd="0" presId="urn:microsoft.com/office/officeart/2005/8/layout/radial6"/>
+    <dgm:cxn modelId="{379CCCC6-17CB-40EF-9615-BDF768D1A79C}" srcId="{544B8E41-3E0A-45BF-8AF2-A2EC2957FB86}" destId="{B7B7AECC-8913-4198-801D-59EA21008358}" srcOrd="2" destOrd="0" parTransId="{40A0B2E2-4B36-4E4F-8967-A31D86DDD377}" sibTransId="{D64DF1D3-8DB4-415F-86CA-3762F18BBE9F}"/>
     <dgm:cxn modelId="{04E8A2D2-A4D3-4751-92DB-CDE46A598D60}" type="presOf" srcId="{0BAAC4D5-CC6E-4325-8F48-3DEF85EF8A9E}" destId="{FB01F97F-9FE9-40F9-A44F-B107601B7500}" srcOrd="0" destOrd="0" presId="urn:microsoft.com/office/officeart/2005/8/layout/radial6"/>
-    <dgm:cxn modelId="{903C1E3E-3386-4247-8246-30AFC63B71D2}" type="presOf" srcId="{36033919-2A4B-4E6E-A1E6-5A0470A02F61}" destId="{44404AB2-E971-400C-B1BD-871DED67CF53}" srcOrd="0" destOrd="0" presId="urn:microsoft.com/office/officeart/2005/8/layout/radial6"/>
-    <dgm:cxn modelId="{3E99CF7C-F2C5-4001-AA1F-0F9B57BDB0B1}" type="presOf" srcId="{B79F3DDC-B57F-402F-B94A-1D7C19059F01}" destId="{857B7DC7-DE73-404A-89DF-30A3792C86BB}" srcOrd="0" destOrd="0" presId="urn:microsoft.com/office/officeart/2005/8/layout/radial6"/>
-    <dgm:cxn modelId="{ADF50FB1-2EAE-4CE9-B564-F80E5E5C26C4}" type="presOf" srcId="{B7B7AECC-8913-4198-801D-59EA21008358}" destId="{A553A3CF-5048-45C1-BF80-F45E02E56486}" srcOrd="0" destOrd="0" presId="urn:microsoft.com/office/officeart/2005/8/layout/radial6"/>
-    <dgm:cxn modelId="{DF5B0793-6672-4462-9242-01CAB983DE11}" srcId="{544B8E41-3E0A-45BF-8AF2-A2EC2957FB86}" destId="{299321E5-8503-491D-9296-427929119444}" srcOrd="6" destOrd="0" parTransId="{30E799EA-9B15-4B2B-831C-FBF058BCA699}" sibTransId="{0BAAC4D5-CC6E-4325-8F48-3DEF85EF8A9E}"/>
-    <dgm:cxn modelId="{9BA25D6E-6AFC-4AA2-8E95-880615175A15}" type="presOf" srcId="{D111911C-0904-42C6-9980-4ED402BB0E49}" destId="{6663B0B9-F050-4201-A2FF-4868EE5E122F}" srcOrd="0" destOrd="0" presId="urn:microsoft.com/office/officeart/2005/8/layout/radial6"/>
-    <dgm:cxn modelId="{AA5BD5BB-CD74-4DBB-A02C-0AB7031424A8}" type="presOf" srcId="{51C50E89-FD17-44DE-AF1C-11BF1D9E1842}" destId="{206DDB58-332A-4A7A-BE23-41576C43F0EC}" srcOrd="0" destOrd="0" presId="urn:microsoft.com/office/officeart/2005/8/layout/radial6"/>
-    <dgm:cxn modelId="{92B2C678-6E4F-4508-9C0F-9F87C76AA30B}" type="presOf" srcId="{ACE89B21-D1A3-4506-A7D7-B619E66BD8B2}" destId="{9701F7CB-212E-4671-B8FA-A25E061EAC71}" srcOrd="0" destOrd="0" presId="urn:microsoft.com/office/officeart/2005/8/layout/radial6"/>
-    <dgm:cxn modelId="{AC3D4833-C1ED-42F8-A247-CE3BB1B01203}" type="presOf" srcId="{0376D363-9BA6-4F1F-AF9E-4066256EEDED}" destId="{1B914DC2-9873-4D81-B562-705E383995D9}" srcOrd="0" destOrd="0" presId="urn:microsoft.com/office/officeart/2005/8/layout/radial6"/>
-    <dgm:cxn modelId="{3FC293C6-6AFA-4411-857A-2820AC88EDD6}" type="presOf" srcId="{61604A2D-FD82-4475-9309-96630361B6D4}" destId="{4053ED88-6F73-4609-833A-1D18949585FB}" srcOrd="0" destOrd="0" presId="urn:microsoft.com/office/officeart/2005/8/layout/radial6"/>
-    <dgm:cxn modelId="{16224C05-45C0-44C8-881F-3F2558CDD373}" type="presOf" srcId="{5E2E325A-7F5E-4337-98D6-7BB55C13AFEC}" destId="{42B900F3-3B85-4396-B9BA-63EAFB8666A6}" srcOrd="0" destOrd="0" presId="urn:microsoft.com/office/officeart/2005/8/layout/radial6"/>
-    <dgm:cxn modelId="{11EDA034-9242-4BF3-B4C8-09E6FA75ACB3}" type="presOf" srcId="{299321E5-8503-491D-9296-427929119444}" destId="{03EF0AA5-0E6D-4E36-94E7-03240FF560AA}" srcOrd="0" destOrd="0" presId="urn:microsoft.com/office/officeart/2005/8/layout/radial6"/>
-    <dgm:cxn modelId="{005631A0-0CF0-4756-BA35-89F85C1A7886}" srcId="{544B8E41-3E0A-45BF-8AF2-A2EC2957FB86}" destId="{61604A2D-FD82-4475-9309-96630361B6D4}" srcOrd="7" destOrd="0" parTransId="{2FDA91B3-B9CF-46AE-8E2E-FF3498769037}" sibTransId="{0376D363-9BA6-4F1F-AF9E-4066256EEDED}"/>
-    <dgm:cxn modelId="{51E54736-990B-42C7-9FC4-B20F91CAB543}" srcId="{544B8E41-3E0A-45BF-8AF2-A2EC2957FB86}" destId="{ACE89B21-D1A3-4506-A7D7-B619E66BD8B2}" srcOrd="0" destOrd="0" parTransId="{A3D534AD-3045-4A46-85D8-DE823C1D3B66}" sibTransId="{7970AEC5-1CA3-493C-9774-BB9C730AE5DE}"/>
-    <dgm:cxn modelId="{C6F94AB4-8142-4050-B30B-99BD4D85B167}" type="presOf" srcId="{D64DF1D3-8DB4-415F-86CA-3762F18BBE9F}" destId="{8DA5D5F3-5960-41EA-9A2B-40E7B58551B4}" srcOrd="0" destOrd="0" presId="urn:microsoft.com/office/officeart/2005/8/layout/radial6"/>
     <dgm:cxn modelId="{72C291F9-1362-430A-AFED-498F8F29BE83}" type="presOf" srcId="{7970AEC5-1CA3-493C-9774-BB9C730AE5DE}" destId="{D4FF067D-1C1A-41C5-9FD0-BC387E0F3A85}" srcOrd="0" destOrd="0" presId="urn:microsoft.com/office/officeart/2005/8/layout/radial6"/>
-    <dgm:cxn modelId="{523E6A40-7A0D-4209-A2DA-123529F3B24C}" srcId="{544B8E41-3E0A-45BF-8AF2-A2EC2957FB86}" destId="{51C50E89-FD17-44DE-AF1C-11BF1D9E1842}" srcOrd="3" destOrd="0" parTransId="{7136CD78-4110-4804-BBB5-CC94324D976C}" sibTransId="{B79F3DDC-B57F-402F-B94A-1D7C19059F01}"/>
-    <dgm:cxn modelId="{A940CB09-B8D9-4B8F-9B33-B13D2F4B1E4A}" srcId="{544B8E41-3E0A-45BF-8AF2-A2EC2957FB86}" destId="{5E2E325A-7F5E-4337-98D6-7BB55C13AFEC}" srcOrd="5" destOrd="0" parTransId="{4EB8B0A0-28A7-4A25-B67C-7EA781EF237C}" sibTransId="{8579FEF3-DED7-4CAE-B9C1-A1EA9D5EEB80}"/>
-    <dgm:cxn modelId="{379CCCC6-17CB-40EF-9615-BDF768D1A79C}" srcId="{544B8E41-3E0A-45BF-8AF2-A2EC2957FB86}" destId="{B7B7AECC-8913-4198-801D-59EA21008358}" srcOrd="2" destOrd="0" parTransId="{40A0B2E2-4B36-4E4F-8967-A31D86DDD377}" sibTransId="{D64DF1D3-8DB4-415F-86CA-3762F18BBE9F}"/>
-    <dgm:cxn modelId="{E971D4A9-3F21-4969-86D6-ECEC1C31D266}" type="presOf" srcId="{544B8E41-3E0A-45BF-8AF2-A2EC2957FB86}" destId="{12592950-FC6B-47B4-AD8B-74E01D002F65}" srcOrd="0" destOrd="0" presId="urn:microsoft.com/office/officeart/2005/8/layout/radial6"/>
-    <dgm:cxn modelId="{8D4E2665-F0B2-445F-94E7-20F4982F8061}" type="presOf" srcId="{75B9CD6D-47BD-418B-8708-4FA228A81DB2}" destId="{5BE46F6D-3013-4190-AA59-FFF3CD3F41E9}" srcOrd="0" destOrd="0" presId="urn:microsoft.com/office/officeart/2005/8/layout/radial6"/>
-    <dgm:cxn modelId="{0AF7E0BD-CD4F-4DD7-8158-5C7B2252D378}" srcId="{544B8E41-3E0A-45BF-8AF2-A2EC2957FB86}" destId="{9F27923A-CF42-4BC9-8E70-8078C73C0F34}" srcOrd="4" destOrd="0" parTransId="{D930C818-9BBB-45BC-8DAC-6BEF34DB6019}" sibTransId="{36033919-2A4B-4E6E-A1E6-5A0470A02F61}"/>
     <dgm:cxn modelId="{F7A97BFB-D7D6-475F-9392-B7403BEE69BD}" srcId="{1429E73D-9D6A-4755-81CD-678F5309E756}" destId="{544B8E41-3E0A-45BF-8AF2-A2EC2957FB86}" srcOrd="0" destOrd="0" parTransId="{EB59D3B0-7D94-4BED-83DD-62F1D7527D05}" sibTransId="{7D57C87D-B23E-4277-8F50-88949D6D7195}"/>
     <dgm:cxn modelId="{995D31B2-5341-4E1C-801B-0FB52607409B}" type="presParOf" srcId="{2E7C135C-8DB0-4236-AD17-C433039B0030}" destId="{12592950-FC6B-47B4-AD8B-74E01D002F65}" srcOrd="0" destOrd="0" presId="urn:microsoft.com/office/officeart/2005/8/layout/radial6"/>
     <dgm:cxn modelId="{E338A87F-E04B-45FB-8F6A-87C684F2147E}" type="presParOf" srcId="{2E7C135C-8DB0-4236-AD17-C433039B0030}" destId="{9701F7CB-212E-4671-B8FA-A25E061EAC71}" srcOrd="1" destOrd="0" presId="urn:microsoft.com/office/officeart/2005/8/layout/radial6"/>
@@ -2011,7 +1880,7 @@
         </a:bodyPr>
         <a:lstStyle/>
         <a:p>
-          <a:pPr lvl="0" algn="ctr" defTabSz="1466850">
+          <a:pPr marL="0" lvl="0" indent="0" algn="ctr" defTabSz="1466850">
             <a:lnSpc>
               <a:spcPct val="90000"/>
             </a:lnSpc>
@@ -2021,12 +1890,12 @@
             <a:spcAft>
               <a:spcPct val="35000"/>
             </a:spcAft>
+            <a:buNone/>
           </a:pPr>
           <a:r>
-            <a:rPr lang="en-US" sz="3300" kern="1200" dirty="0" smtClean="0"/>
+            <a:rPr lang="en-US" sz="3300" kern="1200" dirty="0"/>
             <a:t>Web Building Blocks</a:t>
           </a:r>
-          <a:endParaRPr lang="en-US" sz="3300" kern="1200" dirty="0"/>
         </a:p>
       </dsp:txBody>
       <dsp:txXfrm>
@@ -2088,7 +1957,7 @@
         </a:bodyPr>
         <a:lstStyle/>
         <a:p>
-          <a:pPr lvl="0" algn="ctr" defTabSz="666750">
+          <a:pPr marL="0" lvl="0" indent="0" algn="ctr" defTabSz="666750">
             <a:lnSpc>
               <a:spcPct val="90000"/>
             </a:lnSpc>
@@ -2098,12 +1967,12 @@
             <a:spcAft>
               <a:spcPct val="35000"/>
             </a:spcAft>
+            <a:buNone/>
           </a:pPr>
           <a:r>
-            <a:rPr lang="en-US" sz="1500" kern="1200" dirty="0" smtClean="0"/>
+            <a:rPr lang="en-US" sz="1500" kern="1200" dirty="0"/>
             <a:t>HTTP</a:t>
           </a:r>
-          <a:endParaRPr lang="en-US" sz="1500" kern="1200" dirty="0"/>
         </a:p>
       </dsp:txBody>
       <dsp:txXfrm>
@@ -2165,7 +2034,7 @@
         </a:bodyPr>
         <a:lstStyle/>
         <a:p>
-          <a:pPr lvl="0" algn="ctr" defTabSz="666750">
+          <a:pPr marL="0" lvl="0" indent="0" algn="ctr" defTabSz="666750">
             <a:lnSpc>
               <a:spcPct val="90000"/>
             </a:lnSpc>
@@ -2175,12 +2044,12 @@
             <a:spcAft>
               <a:spcPct val="35000"/>
             </a:spcAft>
+            <a:buNone/>
           </a:pPr>
           <a:r>
-            <a:rPr lang="en-US" sz="1500" kern="1200" dirty="0" smtClean="0"/>
+            <a:rPr lang="en-US" sz="1500" kern="1200" dirty="0"/>
             <a:t>HTML / XHTML</a:t>
           </a:r>
-          <a:endParaRPr lang="en-US" sz="1500" kern="1200" dirty="0"/>
         </a:p>
       </dsp:txBody>
       <dsp:txXfrm>
@@ -2242,7 +2111,7 @@
         </a:bodyPr>
         <a:lstStyle/>
         <a:p>
-          <a:pPr lvl="0" algn="ctr" defTabSz="666750">
+          <a:pPr marL="0" lvl="0" indent="0" algn="ctr" defTabSz="666750">
             <a:lnSpc>
               <a:spcPct val="90000"/>
             </a:lnSpc>
@@ -2252,9 +2121,10 @@
             <a:spcAft>
               <a:spcPct val="35000"/>
             </a:spcAft>
+            <a:buNone/>
           </a:pPr>
           <a:r>
-            <a:rPr lang="en-US" sz="1500" kern="1200" dirty="0" smtClean="0"/>
+            <a:rPr lang="en-US" sz="1500" kern="1200" dirty="0"/>
             <a:t>Browser</a:t>
           </a:r>
         </a:p>
@@ -2318,7 +2188,7 @@
         </a:bodyPr>
         <a:lstStyle/>
         <a:p>
-          <a:pPr lvl="0" algn="ctr" defTabSz="666750">
+          <a:pPr marL="0" lvl="0" indent="0" algn="ctr" defTabSz="666750">
             <a:lnSpc>
               <a:spcPct val="90000"/>
             </a:lnSpc>
@@ -2328,12 +2198,12 @@
             <a:spcAft>
               <a:spcPct val="35000"/>
             </a:spcAft>
+            <a:buNone/>
           </a:pPr>
           <a:r>
-            <a:rPr lang="en-US" sz="1500" kern="1200" dirty="0" smtClean="0"/>
+            <a:rPr lang="en-US" sz="1500" kern="1200" dirty="0"/>
             <a:t>Web Server</a:t>
           </a:r>
-          <a:endParaRPr lang="en-US" sz="1500" kern="1200" dirty="0"/>
         </a:p>
       </dsp:txBody>
       <dsp:txXfrm>
@@ -2395,7 +2265,7 @@
         </a:bodyPr>
         <a:lstStyle/>
         <a:p>
-          <a:pPr lvl="0" algn="ctr" defTabSz="666750">
+          <a:pPr marL="0" lvl="0" indent="0" algn="ctr" defTabSz="666750">
             <a:lnSpc>
               <a:spcPct val="90000"/>
             </a:lnSpc>
@@ -2405,12 +2275,12 @@
             <a:spcAft>
               <a:spcPct val="35000"/>
             </a:spcAft>
+            <a:buNone/>
           </a:pPr>
           <a:r>
-            <a:rPr lang="en-US" sz="1500" kern="1200" dirty="0" smtClean="0"/>
+            <a:rPr lang="en-US" sz="1500" kern="1200" dirty="0"/>
             <a:t>URL / URI</a:t>
           </a:r>
-          <a:endParaRPr lang="en-US" sz="1500" kern="1200" dirty="0"/>
         </a:p>
       </dsp:txBody>
       <dsp:txXfrm>
@@ -2472,7 +2342,7 @@
         </a:bodyPr>
         <a:lstStyle/>
         <a:p>
-          <a:pPr lvl="0" algn="ctr" defTabSz="666750">
+          <a:pPr marL="0" lvl="0" indent="0" algn="ctr" defTabSz="666750">
             <a:lnSpc>
               <a:spcPct val="90000"/>
             </a:lnSpc>
@@ -2482,16 +2352,17 @@
             <a:spcAft>
               <a:spcPct val="35000"/>
             </a:spcAft>
+            <a:buNone/>
           </a:pPr>
           <a:r>
-            <a:rPr lang="en-US" sz="1500" kern="1200" dirty="0" smtClean="0"/>
+            <a:rPr lang="en-US" sz="1500" kern="1200" dirty="0"/>
             <a:t>Platform</a:t>
           </a:r>
           <a:br>
-            <a:rPr lang="en-US" sz="1500" kern="1200" dirty="0" smtClean="0"/>
+            <a:rPr lang="en-US" sz="1500" kern="1200" dirty="0"/>
           </a:br>
           <a:r>
-            <a:rPr lang="en-US" sz="1500" kern="1200" dirty="0" smtClean="0"/>
+            <a:rPr lang="en-US" sz="1500" kern="1200" dirty="0"/>
             <a:t>ASP /PHP /JSP</a:t>
           </a:r>
         </a:p>
@@ -2555,7 +2426,7 @@
         </a:bodyPr>
         <a:lstStyle/>
         <a:p>
-          <a:pPr lvl="0" algn="ctr" defTabSz="666750">
+          <a:pPr marL="0" lvl="0" indent="0" algn="ctr" defTabSz="666750">
             <a:lnSpc>
               <a:spcPct val="90000"/>
             </a:lnSpc>
@@ -2565,12 +2436,12 @@
             <a:spcAft>
               <a:spcPct val="35000"/>
             </a:spcAft>
+            <a:buNone/>
           </a:pPr>
           <a:r>
-            <a:rPr lang="en-US" sz="1500" kern="1200" smtClean="0"/>
+            <a:rPr lang="en-US" sz="1500" kern="1200"/>
             <a:t>AJAX</a:t>
           </a:r>
-          <a:endParaRPr lang="en-US" sz="1500" kern="1200"/>
         </a:p>
       </dsp:txBody>
       <dsp:txXfrm>
@@ -2632,7 +2503,7 @@
         </a:bodyPr>
         <a:lstStyle/>
         <a:p>
-          <a:pPr lvl="0" algn="ctr" defTabSz="666750">
+          <a:pPr marL="0" lvl="0" indent="0" algn="ctr" defTabSz="666750">
             <a:lnSpc>
               <a:spcPct val="90000"/>
             </a:lnSpc>
@@ -2642,9 +2513,10 @@
             <a:spcAft>
               <a:spcPct val="35000"/>
             </a:spcAft>
+            <a:buNone/>
           </a:pPr>
           <a:r>
-            <a:rPr lang="en-US" sz="1500" kern="1200" dirty="0" smtClean="0"/>
+            <a:rPr lang="en-US" sz="1500" kern="1200" dirty="0"/>
             <a:t>Micro-formats</a:t>
           </a:r>
         </a:p>
@@ -4182,7 +4054,7 @@
             <a:fld id="{9BCACACC-4968-4604-9473-70BE5EF6D4C2}" type="datetimeFigureOut">
               <a:rPr lang="en-US" smtClean="0"/>
               <a:pPr/>
-              <a:t>11/18/2014</a:t>
+              <a:t>11/6/2018</a:t>
             </a:fld>
             <a:endParaRPr lang="en-US"/>
           </a:p>
@@ -4248,38 +4120,37 @@
           <a:p>
             <a:pPr lvl="0"/>
             <a:r>
-              <a:rPr lang="en-US" smtClean="0"/>
+              <a:rPr lang="en-US"/>
               <a:t>Click to edit Master text styles</a:t>
             </a:r>
           </a:p>
           <a:p>
             <a:pPr lvl="1"/>
             <a:r>
-              <a:rPr lang="en-US" smtClean="0"/>
+              <a:rPr lang="en-US"/>
               <a:t>Second level</a:t>
             </a:r>
           </a:p>
           <a:p>
             <a:pPr lvl="2"/>
             <a:r>
-              <a:rPr lang="en-US" smtClean="0"/>
+              <a:rPr lang="en-US"/>
               <a:t>Third level</a:t>
             </a:r>
           </a:p>
           <a:p>
             <a:pPr lvl="3"/>
             <a:r>
-              <a:rPr lang="en-US" smtClean="0"/>
+              <a:rPr lang="en-US"/>
               <a:t>Fourth level</a:t>
             </a:r>
           </a:p>
           <a:p>
             <a:pPr lvl="4"/>
             <a:r>
-              <a:rPr lang="en-US" smtClean="0"/>
+              <a:rPr lang="en-US"/>
               <a:t>Fifth level</a:t>
             </a:r>
-            <a:endParaRPr lang="en-US"/>
           </a:p>
         </p:txBody>
       </p:sp>
@@ -5284,7 +5155,7 @@
             <a:fld id="{A18D14DE-E488-4898-9DAD-6800464C8727}" type="slidenum">
               <a:rPr lang="en-US" smtClean="0"/>
               <a:pPr/>
-              <a:t>21</a:t>
+              <a:t>22</a:t>
             </a:fld>
             <a:endParaRPr lang="en-US"/>
           </a:p>
@@ -5369,7 +5240,7 @@
             <a:fld id="{A18D14DE-E488-4898-9DAD-6800464C8727}" type="slidenum">
               <a:rPr lang="en-US" smtClean="0"/>
               <a:pPr/>
-              <a:t>22</a:t>
+              <a:t>23</a:t>
             </a:fld>
             <a:endParaRPr lang="en-US"/>
           </a:p>
@@ -5541,7 +5412,7 @@
             <a:fld id="{A18D14DE-E488-4898-9DAD-6800464C8727}" type="slidenum">
               <a:rPr lang="en-US" smtClean="0"/>
               <a:pPr/>
-              <a:t>23</a:t>
+              <a:t>24</a:t>
             </a:fld>
             <a:endParaRPr lang="en-US"/>
           </a:p>
@@ -5551,91 +5422,6 @@
     <p:extLst>
       <p:ext uri="{BB962C8B-B14F-4D97-AF65-F5344CB8AC3E}">
         <p14:creationId xmlns:p14="http://schemas.microsoft.com/office/powerpoint/2010/main" val="2436330502"/>
-      </p:ext>
-    </p:extLst>
-  </p:cSld>
-  <p:clrMapOvr>
-    <a:masterClrMapping/>
-  </p:clrMapOvr>
-</p:notes>
-</file>
-
-<file path=ppt/notesSlides/notesSlide21.xml><?xml version="1.0" encoding="utf-8"?>
-<p:notes xmlns:a="http://schemas.openxmlformats.org/drawingml/2006/main" xmlns:r="http://schemas.openxmlformats.org/officeDocument/2006/relationships" xmlns:p="http://schemas.openxmlformats.org/presentationml/2006/main">
-  <p:cSld>
-    <p:spTree>
-      <p:nvGrpSpPr>
-        <p:cNvPr id="1" name=""/>
-        <p:cNvGrpSpPr/>
-        <p:nvPr/>
-      </p:nvGrpSpPr>
-      <p:grpSpPr>
-        <a:xfrm>
-          <a:off x="0" y="0"/>
-          <a:ext cx="0" cy="0"/>
-          <a:chOff x="0" y="0"/>
-          <a:chExt cx="0" cy="0"/>
-        </a:xfrm>
-      </p:grpSpPr>
-      <p:sp>
-        <p:nvSpPr>
-          <p:cNvPr id="2" name="Slide Image Placeholder 1"/>
-          <p:cNvSpPr>
-            <a:spLocks noGrp="1" noRot="1" noChangeAspect="1"/>
-          </p:cNvSpPr>
-          <p:nvPr>
-            <p:ph type="sldImg"/>
-          </p:nvPr>
-        </p:nvSpPr>
-        <p:spPr/>
-      </p:sp>
-      <p:sp>
-        <p:nvSpPr>
-          <p:cNvPr id="3" name="Notes Placeholder 2"/>
-          <p:cNvSpPr>
-            <a:spLocks noGrp="1"/>
-          </p:cNvSpPr>
-          <p:nvPr>
-            <p:ph type="body" idx="1"/>
-          </p:nvPr>
-        </p:nvSpPr>
-        <p:spPr/>
-        <p:txBody>
-          <a:bodyPr/>
-          <a:lstStyle/>
-          <a:p>
-            <a:endParaRPr lang="en-US"/>
-          </a:p>
-        </p:txBody>
-      </p:sp>
-      <p:sp>
-        <p:nvSpPr>
-          <p:cNvPr id="4" name="Slide Number Placeholder 3"/>
-          <p:cNvSpPr>
-            <a:spLocks noGrp="1"/>
-          </p:cNvSpPr>
-          <p:nvPr>
-            <p:ph type="sldNum" sz="quarter" idx="10"/>
-          </p:nvPr>
-        </p:nvSpPr>
-        <p:spPr/>
-        <p:txBody>
-          <a:bodyPr/>
-          <a:lstStyle/>
-          <a:p>
-            <a:fld id="{A18D14DE-E488-4898-9DAD-6800464C8727}" type="slidenum">
-              <a:rPr lang="en-US" smtClean="0"/>
-              <a:pPr/>
-              <a:t>24</a:t>
-            </a:fld>
-            <a:endParaRPr lang="en-US"/>
-          </a:p>
-        </p:txBody>
-      </p:sp>
-    </p:spTree>
-    <p:extLst>
-      <p:ext uri="{BB962C8B-B14F-4D97-AF65-F5344CB8AC3E}">
-        <p14:creationId xmlns:p14="http://schemas.microsoft.com/office/powerpoint/2010/main" val="1630147676"/>
       </p:ext>
     </p:extLst>
   </p:cSld>
@@ -6284,7 +6070,7 @@
           </a:lstStyle>
           <a:p>
             <a:r>
-              <a:rPr lang="en-US" smtClean="0"/>
+              <a:rPr lang="en-US"/>
               <a:t>Click to edit Master title style</a:t>
             </a:r>
             <a:endParaRPr lang="en-US" dirty="0"/>
@@ -6404,7 +6190,7 @@
           </a:lstStyle>
           <a:p>
             <a:r>
-              <a:rPr lang="en-US" smtClean="0"/>
+              <a:rPr lang="en-US"/>
               <a:t>Click to edit Master subtitle style</a:t>
             </a:r>
             <a:endParaRPr lang="en-US" dirty="0"/>
@@ -6428,7 +6214,7 @@
           <a:p>
             <a:fld id="{9770D154-5BA9-44EC-88A1-307E81A09727}" type="datetime1">
               <a:rPr lang="en-US" smtClean="0"/>
-              <a:t>11/18/2014</a:t>
+              <a:t>11/6/2018</a:t>
             </a:fld>
             <a:endParaRPr lang="en-US"/>
           </a:p>
@@ -6451,7 +6237,7 @@
           <a:p>
             <a:pPr algn="ctr"/>
             <a:r>
-              <a:rPr lang="en-US" smtClean="0"/>
+              <a:rPr lang="en-US"/>
               <a:t>IST346: Info Tech Management &amp; Administration</a:t>
             </a:r>
             <a:endParaRPr lang="en-US" dirty="0"/>
@@ -6522,13 +6308,6 @@
   <p:clrMapOvr>
     <a:masterClrMapping/>
   </p:clrMapOvr>
-  <p:timing>
-    <p:tnLst>
-      <p:par>
-        <p:cTn id="1" dur="indefinite" restart="never" nodeType="tmRoot"/>
-      </p:par>
-    </p:tnLst>
-  </p:timing>
 </p:sldLayout>
 </file>
 
@@ -6570,10 +6349,9 @@
           <a:lstStyle/>
           <a:p>
             <a:r>
-              <a:rPr lang="en-US" smtClean="0"/>
+              <a:rPr lang="en-US"/>
               <a:t>Click to edit Master title style</a:t>
             </a:r>
-            <a:endParaRPr lang="en-US"/>
           </a:p>
         </p:txBody>
       </p:sp>
@@ -6599,38 +6377,37 @@
           <a:p>
             <a:pPr lvl="0"/>
             <a:r>
-              <a:rPr lang="en-US" smtClean="0"/>
+              <a:rPr lang="en-US"/>
               <a:t>Click to edit Master text styles</a:t>
             </a:r>
           </a:p>
           <a:p>
             <a:pPr lvl="1"/>
             <a:r>
-              <a:rPr lang="en-US" smtClean="0"/>
+              <a:rPr lang="en-US"/>
               <a:t>Second level</a:t>
             </a:r>
           </a:p>
           <a:p>
             <a:pPr lvl="2"/>
             <a:r>
-              <a:rPr lang="en-US" smtClean="0"/>
+              <a:rPr lang="en-US"/>
               <a:t>Third level</a:t>
             </a:r>
           </a:p>
           <a:p>
             <a:pPr lvl="3"/>
             <a:r>
-              <a:rPr lang="en-US" smtClean="0"/>
+              <a:rPr lang="en-US"/>
               <a:t>Fourth level</a:t>
             </a:r>
           </a:p>
           <a:p>
             <a:pPr lvl="4"/>
             <a:r>
-              <a:rPr lang="en-US" smtClean="0"/>
+              <a:rPr lang="en-US"/>
               <a:t>Fifth level</a:t>
             </a:r>
-            <a:endParaRPr lang="en-US"/>
           </a:p>
         </p:txBody>
       </p:sp>
@@ -6651,7 +6428,7 @@
           <a:p>
             <a:fld id="{48FBC0DB-CF7C-4BE8-AE6E-67F2E369CD87}" type="datetime1">
               <a:rPr lang="en-US" smtClean="0"/>
-              <a:t>11/18/2014</a:t>
+              <a:t>11/6/2018</a:t>
             </a:fld>
             <a:endParaRPr lang="en-US"/>
           </a:p>
@@ -6674,7 +6451,7 @@
           <a:p>
             <a:pPr algn="ctr"/>
             <a:r>
-              <a:rPr lang="en-US" smtClean="0"/>
+              <a:rPr lang="en-US"/>
               <a:t>IST346: Info Tech Management &amp; Administration</a:t>
             </a:r>
             <a:endParaRPr lang="en-US" dirty="0"/>
@@ -6751,7 +6528,7 @@
           <a:lstStyle/>
           <a:p>
             <a:r>
-              <a:rPr lang="en-US" smtClean="0"/>
+              <a:rPr lang="en-US"/>
               <a:t>Click to edit Master title style</a:t>
             </a:r>
             <a:endParaRPr lang="en-US" dirty="0"/>
@@ -6780,35 +6557,35 @@
           <a:p>
             <a:pPr lvl="0"/>
             <a:r>
-              <a:rPr lang="en-US" smtClean="0"/>
+              <a:rPr lang="en-US"/>
               <a:t>Click to edit Master text styles</a:t>
             </a:r>
           </a:p>
           <a:p>
             <a:pPr lvl="1"/>
             <a:r>
-              <a:rPr lang="en-US" smtClean="0"/>
+              <a:rPr lang="en-US"/>
               <a:t>Second level</a:t>
             </a:r>
           </a:p>
           <a:p>
             <a:pPr lvl="2"/>
             <a:r>
-              <a:rPr lang="en-US" smtClean="0"/>
+              <a:rPr lang="en-US"/>
               <a:t>Third level</a:t>
             </a:r>
           </a:p>
           <a:p>
             <a:pPr lvl="3"/>
             <a:r>
-              <a:rPr lang="en-US" smtClean="0"/>
+              <a:rPr lang="en-US"/>
               <a:t>Fourth level</a:t>
             </a:r>
           </a:p>
           <a:p>
             <a:pPr lvl="4"/>
             <a:r>
-              <a:rPr lang="en-US" smtClean="0"/>
+              <a:rPr lang="en-US"/>
               <a:t>Fifth level</a:t>
             </a:r>
             <a:endParaRPr lang="en-US" dirty="0"/>
@@ -6832,7 +6609,7 @@
           <a:p>
             <a:fld id="{F095818C-DA2D-49F2-A5FA-92E72FBAD994}" type="datetime1">
               <a:rPr lang="en-US" smtClean="0"/>
-              <a:t>11/18/2014</a:t>
+              <a:t>11/6/2018</a:t>
             </a:fld>
             <a:endParaRPr lang="en-US"/>
           </a:p>
@@ -6854,7 +6631,7 @@
           <a:lstStyle/>
           <a:p>
             <a:r>
-              <a:rPr lang="en-US" smtClean="0"/>
+              <a:rPr lang="en-US"/>
               <a:t>IST346: Info Tech Management &amp; Administration</a:t>
             </a:r>
             <a:endParaRPr lang="en-US" dirty="0"/>
@@ -6927,38 +6704,37 @@
           <a:p>
             <a:pPr lvl="0"/>
             <a:r>
-              <a:rPr lang="en-US" smtClean="0"/>
+              <a:rPr lang="en-US"/>
               <a:t>Click to edit Master text styles</a:t>
             </a:r>
           </a:p>
           <a:p>
             <a:pPr lvl="1"/>
             <a:r>
-              <a:rPr lang="en-US" smtClean="0"/>
+              <a:rPr lang="en-US"/>
               <a:t>Second level</a:t>
             </a:r>
           </a:p>
           <a:p>
             <a:pPr lvl="2"/>
             <a:r>
-              <a:rPr lang="en-US" smtClean="0"/>
+              <a:rPr lang="en-US"/>
               <a:t>Third level</a:t>
             </a:r>
           </a:p>
           <a:p>
             <a:pPr lvl="3"/>
             <a:r>
-              <a:rPr lang="en-US" smtClean="0"/>
+              <a:rPr lang="en-US"/>
               <a:t>Fourth level</a:t>
             </a:r>
           </a:p>
           <a:p>
             <a:pPr lvl="4"/>
             <a:r>
-              <a:rPr lang="en-US" smtClean="0"/>
+              <a:rPr lang="en-US"/>
               <a:t>Fifth level</a:t>
             </a:r>
-            <a:endParaRPr lang="en-US"/>
           </a:p>
         </p:txBody>
       </p:sp>
@@ -6979,7 +6755,7 @@
           <a:p>
             <a:fld id="{6DAC6E6E-8E85-43A3-8EC5-FB8163E10294}" type="datetime1">
               <a:rPr lang="en-US" smtClean="0"/>
-              <a:t>11/18/2014</a:t>
+              <a:t>11/6/2018</a:t>
             </a:fld>
             <a:endParaRPr lang="en-US" dirty="0"/>
           </a:p>
@@ -7001,7 +6777,7 @@
           <a:lstStyle/>
           <a:p>
             <a:r>
-              <a:rPr lang="en-US" smtClean="0"/>
+              <a:rPr lang="en-US"/>
               <a:t>IST346: Info Tech Management &amp; Administration</a:t>
             </a:r>
             <a:endParaRPr lang="en-US" dirty="0"/>
@@ -7048,10 +6824,9 @@
           <a:lstStyle/>
           <a:p>
             <a:r>
-              <a:rPr lang="en-US" smtClean="0"/>
+              <a:rPr lang="en-US"/>
               <a:t>Click to edit Master title style</a:t>
             </a:r>
-            <a:endParaRPr lang="en-US"/>
           </a:p>
         </p:txBody>
       </p:sp>
@@ -7060,13 +6835,6 @@
   <p:clrMapOvr>
     <a:masterClrMapping/>
   </p:clrMapOvr>
-  <p:timing>
-    <p:tnLst>
-      <p:par>
-        <p:cTn id="1" dur="indefinite" restart="never" nodeType="tmRoot"/>
-      </p:par>
-    </p:tnLst>
-  </p:timing>
 </p:sldLayout>
 </file>
 
@@ -7126,7 +6894,7 @@
           </a:lstStyle>
           <a:p>
             <a:r>
-              <a:rPr lang="en-US" smtClean="0"/>
+              <a:rPr lang="en-US"/>
               <a:t>Click to edit Master title style</a:t>
             </a:r>
             <a:endParaRPr lang="en-US" dirty="0"/>
@@ -7246,7 +7014,7 @@
           <a:p>
             <a:pPr lvl="0"/>
             <a:r>
-              <a:rPr lang="en-US" smtClean="0"/>
+              <a:rPr lang="en-US"/>
               <a:t>Click to edit Master text styles</a:t>
             </a:r>
           </a:p>
@@ -7269,7 +7037,7 @@
           <a:p>
             <a:fld id="{2FC5D8ED-C64D-46CC-90B5-5C38B4A10DAC}" type="datetime1">
               <a:rPr lang="en-US" smtClean="0"/>
-              <a:t>11/18/2014</a:t>
+              <a:t>11/6/2018</a:t>
             </a:fld>
             <a:endParaRPr lang="en-US"/>
           </a:p>
@@ -7295,10 +7063,9 @@
           </a:lstStyle>
           <a:p>
             <a:r>
-              <a:rPr lang="en-US" dirty="0" smtClean="0"/>
+              <a:rPr lang="en-US" dirty="0"/>
               <a:t>IST346: Info Tech Management &amp; Administration</a:t>
             </a:r>
-            <a:endParaRPr lang="en-US" dirty="0"/>
           </a:p>
         </p:txBody>
       </p:sp>
@@ -7366,13 +7133,6 @@
   <p:clrMapOvr>
     <a:overrideClrMapping bg1="dk1" tx1="lt1" bg2="dk2" tx2="lt2" accent1="accent1" accent2="accent2" accent3="accent3" accent4="accent4" accent5="accent5" accent6="accent6" hlink="hlink" folHlink="folHlink"/>
   </p:clrMapOvr>
-  <p:timing>
-    <p:tnLst>
-      <p:par>
-        <p:cTn id="1" dur="indefinite" restart="never" nodeType="tmRoot"/>
-      </p:par>
-    </p:tnLst>
-  </p:timing>
 </p:sldLayout>
 </file>
 
@@ -7414,10 +7174,9 @@
           <a:lstStyle/>
           <a:p>
             <a:r>
-              <a:rPr lang="en-US" smtClean="0"/>
+              <a:rPr lang="en-US"/>
               <a:t>Click to edit Master title style</a:t>
             </a:r>
-            <a:endParaRPr lang="en-US"/>
           </a:p>
         </p:txBody>
       </p:sp>
@@ -7471,35 +7230,35 @@
           <a:p>
             <a:pPr lvl="0"/>
             <a:r>
-              <a:rPr lang="en-US" smtClean="0"/>
+              <a:rPr lang="en-US"/>
               <a:t>Click to edit Master text styles</a:t>
             </a:r>
           </a:p>
           <a:p>
             <a:pPr lvl="1"/>
             <a:r>
-              <a:rPr lang="en-US" smtClean="0"/>
+              <a:rPr lang="en-US"/>
               <a:t>Second level</a:t>
             </a:r>
           </a:p>
           <a:p>
             <a:pPr lvl="2"/>
             <a:r>
-              <a:rPr lang="en-US" smtClean="0"/>
+              <a:rPr lang="en-US"/>
               <a:t>Third level</a:t>
             </a:r>
           </a:p>
           <a:p>
             <a:pPr lvl="3"/>
             <a:r>
-              <a:rPr lang="en-US" smtClean="0"/>
+              <a:rPr lang="en-US"/>
               <a:t>Fourth level</a:t>
             </a:r>
           </a:p>
           <a:p>
             <a:pPr lvl="4"/>
             <a:r>
-              <a:rPr lang="en-US" smtClean="0"/>
+              <a:rPr lang="en-US"/>
               <a:t>Fifth level</a:t>
             </a:r>
             <a:endParaRPr lang="en-US" dirty="0"/>
@@ -7556,35 +7315,35 @@
           <a:p>
             <a:pPr lvl="0"/>
             <a:r>
-              <a:rPr lang="en-US" smtClean="0"/>
+              <a:rPr lang="en-US"/>
               <a:t>Click to edit Master text styles</a:t>
             </a:r>
           </a:p>
           <a:p>
             <a:pPr lvl="1"/>
             <a:r>
-              <a:rPr lang="en-US" smtClean="0"/>
+              <a:rPr lang="en-US"/>
               <a:t>Second level</a:t>
             </a:r>
           </a:p>
           <a:p>
             <a:pPr lvl="2"/>
             <a:r>
-              <a:rPr lang="en-US" smtClean="0"/>
+              <a:rPr lang="en-US"/>
               <a:t>Third level</a:t>
             </a:r>
           </a:p>
           <a:p>
             <a:pPr lvl="3"/>
             <a:r>
-              <a:rPr lang="en-US" smtClean="0"/>
+              <a:rPr lang="en-US"/>
               <a:t>Fourth level</a:t>
             </a:r>
           </a:p>
           <a:p>
             <a:pPr lvl="4"/>
             <a:r>
-              <a:rPr lang="en-US" smtClean="0"/>
+              <a:rPr lang="en-US"/>
               <a:t>Fifth level</a:t>
             </a:r>
             <a:endParaRPr lang="en-US" dirty="0"/>
@@ -7608,7 +7367,7 @@
           <a:p>
             <a:fld id="{01FEDB80-F505-43E0-903F-8E89127120D0}" type="datetime1">
               <a:rPr lang="en-US" smtClean="0"/>
-              <a:t>11/18/2014</a:t>
+              <a:t>11/6/2018</a:t>
             </a:fld>
             <a:endParaRPr lang="en-US" dirty="0"/>
           </a:p>
@@ -7630,7 +7389,7 @@
           <a:lstStyle/>
           <a:p>
             <a:r>
-              <a:rPr lang="en-US" smtClean="0"/>
+              <a:rPr lang="en-US"/>
               <a:t>IST346: Info Tech Management &amp; Administration</a:t>
             </a:r>
             <a:endParaRPr lang="en-US" dirty="0"/>
@@ -7670,13 +7429,6 @@
   <p:clrMapOvr>
     <a:masterClrMapping/>
   </p:clrMapOvr>
-  <p:timing>
-    <p:tnLst>
-      <p:par>
-        <p:cTn id="1" dur="indefinite" restart="never" nodeType="tmRoot"/>
-      </p:par>
-    </p:tnLst>
-  </p:timing>
 </p:sldLayout>
 </file>
 
@@ -7722,7 +7474,7 @@
           </a:lstStyle>
           <a:p>
             <a:r>
-              <a:rPr lang="en-US" smtClean="0"/>
+              <a:rPr lang="en-US"/>
               <a:t>Click to edit Master title style</a:t>
             </a:r>
             <a:endParaRPr lang="en-US" dirty="0"/>
@@ -7811,7 +7563,7 @@
           <a:p>
             <a:pPr lvl="0"/>
             <a:r>
-              <a:rPr lang="en-US" smtClean="0"/>
+              <a:rPr lang="en-US"/>
               <a:t>Click to edit Master text styles</a:t>
             </a:r>
           </a:p>
@@ -7867,35 +7619,35 @@
           <a:p>
             <a:pPr lvl="0"/>
             <a:r>
-              <a:rPr lang="en-US" smtClean="0"/>
+              <a:rPr lang="en-US"/>
               <a:t>Click to edit Master text styles</a:t>
             </a:r>
           </a:p>
           <a:p>
             <a:pPr lvl="1"/>
             <a:r>
-              <a:rPr lang="en-US" smtClean="0"/>
+              <a:rPr lang="en-US"/>
               <a:t>Second level</a:t>
             </a:r>
           </a:p>
           <a:p>
             <a:pPr lvl="2"/>
             <a:r>
-              <a:rPr lang="en-US" smtClean="0"/>
+              <a:rPr lang="en-US"/>
               <a:t>Third level</a:t>
             </a:r>
           </a:p>
           <a:p>
             <a:pPr lvl="3"/>
             <a:r>
-              <a:rPr lang="en-US" smtClean="0"/>
+              <a:rPr lang="en-US"/>
               <a:t>Fourth level</a:t>
             </a:r>
           </a:p>
           <a:p>
             <a:pPr lvl="4"/>
             <a:r>
-              <a:rPr lang="en-US" smtClean="0"/>
+              <a:rPr lang="en-US"/>
               <a:t>Fifth level</a:t>
             </a:r>
             <a:endParaRPr lang="en-US" dirty="0"/>
@@ -7987,7 +7739,7 @@
           <a:p>
             <a:pPr lvl="0"/>
             <a:r>
-              <a:rPr lang="en-US" smtClean="0"/>
+              <a:rPr lang="en-US"/>
               <a:t>Click to edit Master text styles</a:t>
             </a:r>
           </a:p>
@@ -8043,35 +7795,35 @@
           <a:p>
             <a:pPr lvl="0"/>
             <a:r>
-              <a:rPr lang="en-US" smtClean="0"/>
+              <a:rPr lang="en-US"/>
               <a:t>Click to edit Master text styles</a:t>
             </a:r>
           </a:p>
           <a:p>
             <a:pPr lvl="1"/>
             <a:r>
-              <a:rPr lang="en-US" smtClean="0"/>
+              <a:rPr lang="en-US"/>
               <a:t>Second level</a:t>
             </a:r>
           </a:p>
           <a:p>
             <a:pPr lvl="2"/>
             <a:r>
-              <a:rPr lang="en-US" smtClean="0"/>
+              <a:rPr lang="en-US"/>
               <a:t>Third level</a:t>
             </a:r>
           </a:p>
           <a:p>
             <a:pPr lvl="3"/>
             <a:r>
-              <a:rPr lang="en-US" smtClean="0"/>
+              <a:rPr lang="en-US"/>
               <a:t>Fourth level</a:t>
             </a:r>
           </a:p>
           <a:p>
             <a:pPr lvl="4"/>
             <a:r>
-              <a:rPr lang="en-US" smtClean="0"/>
+              <a:rPr lang="en-US"/>
               <a:t>Fifth level</a:t>
             </a:r>
             <a:endParaRPr lang="en-US" dirty="0"/>
@@ -8095,7 +7847,7 @@
           <a:p>
             <a:fld id="{062112B6-A2FD-4989-97DF-5ED5D4876001}" type="datetime1">
               <a:rPr lang="en-US" smtClean="0"/>
-              <a:t>11/18/2014</a:t>
+              <a:t>11/6/2018</a:t>
             </a:fld>
             <a:endParaRPr lang="en-US"/>
           </a:p>
@@ -8118,7 +7870,7 @@
           <a:p>
             <a:pPr algn="ctr"/>
             <a:r>
-              <a:rPr lang="en-US" smtClean="0"/>
+              <a:rPr lang="en-US"/>
               <a:t>IST346: Info Tech Management &amp; Administration</a:t>
             </a:r>
             <a:endParaRPr lang="en-US" dirty="0"/>
@@ -8230,10 +7982,9 @@
           <a:lstStyle/>
           <a:p>
             <a:r>
-              <a:rPr lang="en-US" smtClean="0"/>
+              <a:rPr lang="en-US"/>
               <a:t>Click to edit Master title style</a:t>
             </a:r>
-            <a:endParaRPr lang="en-US"/>
           </a:p>
         </p:txBody>
       </p:sp>
@@ -8254,7 +8005,7 @@
           <a:p>
             <a:fld id="{8C5F9FAA-DC78-46EE-8B36-A8B9D682F010}" type="datetime1">
               <a:rPr lang="en-US" smtClean="0"/>
-              <a:t>11/18/2014</a:t>
+              <a:t>11/6/2018</a:t>
             </a:fld>
             <a:endParaRPr lang="en-US"/>
           </a:p>
@@ -8277,7 +8028,7 @@
           <a:p>
             <a:pPr algn="ctr"/>
             <a:r>
-              <a:rPr lang="en-US" smtClean="0"/>
+              <a:rPr lang="en-US"/>
               <a:t>IST346: Info Tech Management &amp; Administration</a:t>
             </a:r>
             <a:endParaRPr lang="en-US" dirty="0"/>
@@ -8350,7 +8101,7 @@
           <a:p>
             <a:fld id="{CEA28E5F-A020-4F57-92A0-CA5882B16980}" type="datetime1">
               <a:rPr lang="en-US" smtClean="0"/>
-              <a:t>11/18/2014</a:t>
+              <a:t>11/6/2018</a:t>
             </a:fld>
             <a:endParaRPr lang="en-US"/>
           </a:p>
@@ -8372,7 +8123,7 @@
           <a:lstStyle/>
           <a:p>
             <a:r>
-              <a:rPr lang="en-US" smtClean="0"/>
+              <a:rPr lang="en-US"/>
               <a:t>IST346: Info Tech Management &amp; Administration</a:t>
             </a:r>
             <a:endParaRPr lang="en-US" dirty="0"/>
@@ -8455,7 +8206,7 @@
           </a:lstStyle>
           <a:p>
             <a:r>
-              <a:rPr lang="en-US" smtClean="0"/>
+              <a:rPr lang="en-US"/>
               <a:t>Click to edit Master title style</a:t>
             </a:r>
             <a:endParaRPr lang="en-US" dirty="0"/>
@@ -8512,35 +8263,35 @@
           <a:p>
             <a:pPr lvl="0"/>
             <a:r>
-              <a:rPr lang="en-US" smtClean="0"/>
+              <a:rPr lang="en-US"/>
               <a:t>Click to edit Master text styles</a:t>
             </a:r>
           </a:p>
           <a:p>
             <a:pPr lvl="1"/>
             <a:r>
-              <a:rPr lang="en-US" smtClean="0"/>
+              <a:rPr lang="en-US"/>
               <a:t>Second level</a:t>
             </a:r>
           </a:p>
           <a:p>
             <a:pPr lvl="2"/>
             <a:r>
-              <a:rPr lang="en-US" smtClean="0"/>
+              <a:rPr lang="en-US"/>
               <a:t>Third level</a:t>
             </a:r>
           </a:p>
           <a:p>
             <a:pPr lvl="3"/>
             <a:r>
-              <a:rPr lang="en-US" smtClean="0"/>
+              <a:rPr lang="en-US"/>
               <a:t>Fourth level</a:t>
             </a:r>
           </a:p>
           <a:p>
             <a:pPr lvl="4"/>
             <a:r>
-              <a:rPr lang="en-US" smtClean="0"/>
+              <a:rPr lang="en-US"/>
               <a:t>Fifth level</a:t>
             </a:r>
             <a:endParaRPr lang="en-US" dirty="0"/>
@@ -8606,7 +8357,7 @@
           <a:p>
             <a:pPr lvl="0"/>
             <a:r>
-              <a:rPr lang="en-US" smtClean="0"/>
+              <a:rPr lang="en-US"/>
               <a:t>Click to edit Master text styles</a:t>
             </a:r>
           </a:p>
@@ -8629,7 +8380,7 @@
           <a:p>
             <a:fld id="{11D5F81A-6227-436E-88B2-7E40E127A74F}" type="datetime1">
               <a:rPr lang="en-US" smtClean="0"/>
-              <a:t>11/18/2014</a:t>
+              <a:t>11/6/2018</a:t>
             </a:fld>
             <a:endParaRPr lang="en-US"/>
           </a:p>
@@ -8651,7 +8402,7 @@
           <a:lstStyle/>
           <a:p>
             <a:r>
-              <a:rPr lang="en-US" smtClean="0"/>
+              <a:rPr lang="en-US"/>
               <a:t>IST346: Info Tech Management &amp; Administration</a:t>
             </a:r>
             <a:endParaRPr lang="en-US" dirty="0"/>
@@ -8769,7 +8520,7 @@
           </a:lstStyle>
           <a:p>
             <a:r>
-              <a:rPr lang="en-US" smtClean="0"/>
+              <a:rPr lang="en-US"/>
               <a:t>Click to edit Master title style</a:t>
             </a:r>
             <a:endParaRPr lang="en-US" dirty="0"/>
@@ -8850,7 +8601,7 @@
           </a:lstStyle>
           <a:p>
             <a:r>
-              <a:rPr lang="en-US" smtClean="0"/>
+              <a:rPr lang="en-US"/>
               <a:t>Click icon to add picture</a:t>
             </a:r>
             <a:endParaRPr lang="en-US" dirty="0"/>
@@ -8916,7 +8667,7 @@
           <a:p>
             <a:pPr lvl="0"/>
             <a:r>
-              <a:rPr lang="en-US" smtClean="0"/>
+              <a:rPr lang="en-US"/>
               <a:t>Click to edit Master text styles</a:t>
             </a:r>
           </a:p>
@@ -8939,7 +8690,7 @@
           <a:p>
             <a:fld id="{A5207308-CD38-4C00-9DCD-30547ADE14B6}" type="datetime1">
               <a:rPr lang="en-US" smtClean="0"/>
-              <a:t>11/18/2014</a:t>
+              <a:t>11/6/2018</a:t>
             </a:fld>
             <a:endParaRPr lang="en-US"/>
           </a:p>
@@ -8961,7 +8712,7 @@
           <a:lstStyle/>
           <a:p>
             <a:r>
-              <a:rPr lang="en-US" smtClean="0"/>
+              <a:rPr lang="en-US"/>
               <a:t>IST346: Info Tech Management &amp; Administration</a:t>
             </a:r>
             <a:endParaRPr lang="en-US" dirty="0"/>
@@ -9094,7 +8845,7 @@
           <a:lstStyle/>
           <a:p>
             <a:r>
-              <a:rPr lang="en-US" smtClean="0"/>
+              <a:rPr lang="en-US"/>
               <a:t>Click to edit Master title style</a:t>
             </a:r>
             <a:endParaRPr lang="en-US" dirty="0"/>
@@ -9128,35 +8879,35 @@
           <a:p>
             <a:pPr lvl="0"/>
             <a:r>
-              <a:rPr lang="en-US" smtClean="0"/>
+              <a:rPr lang="en-US"/>
               <a:t>Click to edit Master text styles</a:t>
             </a:r>
           </a:p>
           <a:p>
             <a:pPr lvl="1"/>
             <a:r>
-              <a:rPr lang="en-US" smtClean="0"/>
+              <a:rPr lang="en-US"/>
               <a:t>Second level</a:t>
             </a:r>
           </a:p>
           <a:p>
             <a:pPr lvl="2"/>
             <a:r>
-              <a:rPr lang="en-US" smtClean="0"/>
+              <a:rPr lang="en-US"/>
               <a:t>Third level</a:t>
             </a:r>
           </a:p>
           <a:p>
             <a:pPr lvl="3"/>
             <a:r>
-              <a:rPr lang="en-US" smtClean="0"/>
+              <a:rPr lang="en-US"/>
               <a:t>Fourth level</a:t>
             </a:r>
           </a:p>
           <a:p>
             <a:pPr lvl="4"/>
             <a:r>
-              <a:rPr lang="en-US" smtClean="0"/>
+              <a:rPr lang="en-US"/>
               <a:t>Fifth level</a:t>
             </a:r>
             <a:endParaRPr lang="en-US" dirty="0"/>
@@ -9242,7 +8993,7 @@
           <a:p>
             <a:fld id="{F88015F7-EBD7-42CE-A2BD-37966D6CB582}" type="datetime1">
               <a:rPr lang="en-US" smtClean="0"/>
-              <a:t>11/18/2014</a:t>
+              <a:t>11/6/2018</a:t>
             </a:fld>
             <a:endParaRPr lang="en-US" dirty="0"/>
           </a:p>
@@ -9280,7 +9031,7 @@
           </a:lstStyle>
           <a:p>
             <a:r>
-              <a:rPr lang="en-US" smtClean="0"/>
+              <a:rPr lang="en-US"/>
               <a:t>IST346: Info Tech Management &amp; Administration</a:t>
             </a:r>
             <a:endParaRPr lang="en-US" dirty="0"/>
@@ -9343,13 +9094,6 @@
     <p:sldLayoutId id="2147484234" r:id="rId10"/>
     <p:sldLayoutId id="2147484235" r:id="rId11"/>
   </p:sldLayoutIdLst>
-  <p:timing>
-    <p:tnLst>
-      <p:par>
-        <p:cTn id="1" dur="indefinite" restart="never" nodeType="tmRoot"/>
-      </p:par>
-    </p:tnLst>
-  </p:timing>
   <p:hf hdr="0"/>
   <p:txStyles>
     <p:titleStyle>
@@ -9675,10 +9419,9 @@
           <a:lstStyle/>
           <a:p>
             <a:r>
-              <a:rPr lang="en-US" dirty="0" smtClean="0"/>
+              <a:rPr lang="en-US" dirty="0"/>
               <a:t>IST346:</a:t>
             </a:r>
-            <a:endParaRPr lang="en-US" dirty="0"/>
           </a:p>
         </p:txBody>
       </p:sp>
@@ -9703,7 +9446,7 @@
           <a:lstStyle/>
           <a:p>
             <a:r>
-              <a:rPr lang="en-US" b="1" dirty="0" smtClean="0"/>
+              <a:rPr lang="en-US" b="1" dirty="0"/>
               <a:t>Web Services</a:t>
             </a:r>
           </a:p>
@@ -9726,7 +9469,7 @@
           <a:p>
             <a:fld id="{0725C609-42C7-40AE-A8A7-1F8885D90C6D}" type="datetime1">
               <a:rPr lang="en-US" smtClean="0"/>
-              <a:t>11/18/2014</a:t>
+              <a:t>11/6/2018</a:t>
             </a:fld>
             <a:endParaRPr lang="en-US" dirty="0"/>
           </a:p>
@@ -9748,10 +9491,9 @@
           <a:lstStyle/>
           <a:p>
             <a:r>
-              <a:rPr lang="en-US" dirty="0" smtClean="0"/>
+              <a:rPr lang="en-US" dirty="0"/>
               <a:t>IST346: Info Tech Management &amp; Administration</a:t>
             </a:r>
-            <a:endParaRPr lang="en-US" dirty="0"/>
           </a:p>
         </p:txBody>
       </p:sp>
@@ -9847,13 +9589,6 @@
   <p:clrMapOvr>
     <a:masterClrMapping/>
   </p:clrMapOvr>
-  <p:timing>
-    <p:tnLst>
-      <p:par>
-        <p:cTn id="1" dur="indefinite" restart="never" nodeType="tmRoot"/>
-      </p:par>
-    </p:tnLst>
-  </p:timing>
 </p:sld>
 </file>
 
@@ -9892,10 +9627,9 @@
           <a:lstStyle/>
           <a:p>
             <a:r>
-              <a:rPr lang="en-US" dirty="0" smtClean="0"/>
+              <a:rPr lang="en-US" dirty="0"/>
               <a:t>Web Service Architectures</a:t>
             </a:r>
-            <a:endParaRPr lang="en-US" dirty="0"/>
           </a:p>
         </p:txBody>
       </p:sp>
@@ -9936,10 +9670,9 @@
           <a:p>
             <a:pPr algn="ctr"/>
             <a:r>
-              <a:rPr lang="en-US" dirty="0" smtClean="0"/>
+              <a:rPr lang="en-US" dirty="0"/>
               <a:t>Static</a:t>
             </a:r>
-            <a:endParaRPr lang="en-US" dirty="0"/>
           </a:p>
         </p:txBody>
       </p:sp>
@@ -9980,10 +9713,9 @@
           <a:p>
             <a:pPr algn="ctr"/>
             <a:r>
-              <a:rPr lang="en-US" dirty="0" smtClean="0"/>
+              <a:rPr lang="en-US" dirty="0"/>
               <a:t>Dynamic CGI / Platform</a:t>
             </a:r>
-            <a:endParaRPr lang="en-US" dirty="0"/>
           </a:p>
         </p:txBody>
       </p:sp>
@@ -10024,24 +9756,23 @@
           <a:p>
             <a:pPr algn="ctr"/>
             <a:r>
-              <a:rPr lang="en-US" dirty="0" smtClean="0"/>
+              <a:rPr lang="en-US" dirty="0"/>
               <a:t>Dynamic</a:t>
             </a:r>
             <a:br>
-              <a:rPr lang="en-US" dirty="0" smtClean="0"/>
+              <a:rPr lang="en-US" dirty="0"/>
             </a:br>
             <a:r>
-              <a:rPr lang="en-US" dirty="0" smtClean="0"/>
+              <a:rPr lang="en-US" dirty="0"/>
               <a:t>Database-</a:t>
             </a:r>
             <a:br>
-              <a:rPr lang="en-US" dirty="0" smtClean="0"/>
+              <a:rPr lang="en-US" dirty="0"/>
             </a:br>
             <a:r>
-              <a:rPr lang="en-US" dirty="0" smtClean="0"/>
+              <a:rPr lang="en-US" dirty="0"/>
               <a:t>Driven</a:t>
             </a:r>
-            <a:endParaRPr lang="en-US" dirty="0"/>
           </a:p>
         </p:txBody>
       </p:sp>
@@ -10075,7 +9806,7 @@
           <a:lstStyle/>
           <a:p>
             <a:r>
-              <a:rPr lang="en-US" sz="1600" dirty="0" smtClean="0">
+              <a:rPr lang="en-US" sz="1600" dirty="0">
                 <a:solidFill>
                   <a:schemeClr val="tx1"/>
                 </a:solidFill>
@@ -10115,7 +9846,7 @@
           <a:lstStyle/>
           <a:p>
             <a:r>
-              <a:rPr lang="en-US" sz="1600" dirty="0" smtClean="0">
+              <a:rPr lang="en-US" sz="1600" dirty="0">
                 <a:solidFill>
                   <a:schemeClr val="tx1"/>
                 </a:solidFill>
@@ -10155,7 +9886,7 @@
           <a:lstStyle/>
           <a:p>
             <a:r>
-              <a:rPr lang="en-US" sz="1600" dirty="0" smtClean="0">
+              <a:rPr lang="en-US" sz="1600" dirty="0">
                 <a:solidFill>
                   <a:schemeClr val="tx1"/>
                 </a:solidFill>
@@ -10195,7 +9926,7 @@
           <a:lstStyle/>
           <a:p>
             <a:r>
-              <a:rPr lang="en-US" sz="1600" dirty="0" smtClean="0">
+              <a:rPr lang="en-US" sz="1600" dirty="0">
                 <a:solidFill>
                   <a:schemeClr val="tx1"/>
                 </a:solidFill>
@@ -10235,7 +9966,7 @@
           <a:lstStyle/>
           <a:p>
             <a:r>
-              <a:rPr lang="en-US" sz="1600" dirty="0" smtClean="0">
+              <a:rPr lang="en-US" sz="1600" dirty="0">
                 <a:solidFill>
                   <a:schemeClr val="tx1"/>
                 </a:solidFill>
@@ -10275,7 +10006,7 @@
           <a:lstStyle/>
           <a:p>
             <a:r>
-              <a:rPr lang="en-US" sz="1600" dirty="0" smtClean="0">
+              <a:rPr lang="en-US" sz="1600" dirty="0">
                 <a:solidFill>
                   <a:schemeClr val="tx1"/>
                 </a:solidFill>
@@ -10446,10 +10177,9 @@
           <a:lstStyle/>
           <a:p>
             <a:r>
-              <a:rPr lang="en-US" dirty="0" smtClean="0"/>
+              <a:rPr lang="en-US" dirty="0"/>
               <a:t>TYPE</a:t>
             </a:r>
-            <a:endParaRPr lang="en-US" dirty="0"/>
           </a:p>
         </p:txBody>
       </p:sp>
@@ -10476,10 +10206,9 @@
           <a:lstStyle/>
           <a:p>
             <a:r>
-              <a:rPr lang="en-US" dirty="0" smtClean="0"/>
+              <a:rPr lang="en-US" dirty="0"/>
               <a:t>Server Interactions</a:t>
             </a:r>
-            <a:endParaRPr lang="en-US" dirty="0"/>
           </a:p>
         </p:txBody>
       </p:sp>
@@ -11002,7 +10731,7 @@
           <a:p>
             <a:fld id="{587F6EE9-09F3-4FB4-954A-13CC148714EF}" type="datetime1">
               <a:rPr lang="en-US" smtClean="0"/>
-              <a:t>11/18/2014</a:t>
+              <a:t>11/6/2018</a:t>
             </a:fld>
             <a:endParaRPr lang="en-US"/>
           </a:p>
@@ -11025,7 +10754,7 @@
           <a:p>
             <a:pPr algn="ctr"/>
             <a:r>
-              <a:rPr lang="en-US" smtClean="0"/>
+              <a:rPr lang="en-US"/>
               <a:t>IST346: Info Tech Management &amp; Administration</a:t>
             </a:r>
             <a:endParaRPr lang="en-US" dirty="0"/>
@@ -11150,10 +10879,9 @@
           <a:lstStyle/>
           <a:p>
             <a:r>
-              <a:rPr lang="en-US" dirty="0" smtClean="0"/>
+              <a:rPr lang="en-US" dirty="0"/>
               <a:t>Web Scalability –Vertical (Scale Up)</a:t>
             </a:r>
-            <a:endParaRPr lang="en-US" dirty="0"/>
           </a:p>
         </p:txBody>
       </p:sp>
@@ -11194,10 +10922,9 @@
           <a:p>
             <a:pPr algn="ctr"/>
             <a:r>
-              <a:rPr lang="en-US" dirty="0" smtClean="0"/>
+              <a:rPr lang="en-US" dirty="0"/>
               <a:t>Clients</a:t>
             </a:r>
-            <a:endParaRPr lang="en-US" dirty="0"/>
           </a:p>
         </p:txBody>
       </p:sp>
@@ -11231,7 +10958,7 @@
           <a:lstStyle/>
           <a:p>
             <a:r>
-              <a:rPr lang="en-US" sz="1600" dirty="0" smtClean="0">
+              <a:rPr lang="en-US" sz="1600" dirty="0">
                 <a:solidFill>
                   <a:schemeClr val="tx1"/>
                 </a:solidFill>
@@ -11271,7 +10998,7 @@
           <a:lstStyle/>
           <a:p>
             <a:r>
-              <a:rPr lang="en-US" sz="1600" dirty="0" smtClean="0">
+              <a:rPr lang="en-US" sz="1600" dirty="0">
                 <a:solidFill>
                   <a:schemeClr val="tx1"/>
                 </a:solidFill>
@@ -11518,10 +11245,9 @@
           <a:lstStyle/>
           <a:p>
             <a:r>
-              <a:rPr lang="en-US" dirty="0" smtClean="0"/>
+              <a:rPr lang="en-US" dirty="0"/>
               <a:t>Web Server</a:t>
             </a:r>
-            <a:endParaRPr lang="en-US" dirty="0"/>
           </a:p>
         </p:txBody>
       </p:sp>
@@ -11548,10 +11274,9 @@
           <a:lstStyle/>
           <a:p>
             <a:r>
-              <a:rPr lang="en-US" dirty="0" smtClean="0"/>
+              <a:rPr lang="en-US" dirty="0"/>
               <a:t>DB Server</a:t>
             </a:r>
-            <a:endParaRPr lang="en-US" dirty="0"/>
           </a:p>
         </p:txBody>
       </p:sp>
@@ -11585,7 +11310,7 @@
           <a:lstStyle/>
           <a:p>
             <a:r>
-              <a:rPr lang="en-US" sz="1600" dirty="0" smtClean="0">
+              <a:rPr lang="en-US" sz="1600" dirty="0">
                 <a:solidFill>
                   <a:schemeClr val="tx1"/>
                 </a:solidFill>
@@ -11625,7 +11350,7 @@
           <a:lstStyle/>
           <a:p>
             <a:r>
-              <a:rPr lang="en-US" sz="1600" dirty="0" smtClean="0">
+              <a:rPr lang="en-US" sz="1600" dirty="0">
                 <a:solidFill>
                   <a:schemeClr val="tx1"/>
                 </a:solidFill>
@@ -11652,7 +11377,7 @@
           <a:p>
             <a:fld id="{C7BE44BD-9866-484F-97C3-A10BFC0F717A}" type="datetime1">
               <a:rPr lang="en-US" smtClean="0"/>
-              <a:t>11/18/2014</a:t>
+              <a:t>11/6/2018</a:t>
             </a:fld>
             <a:endParaRPr lang="en-US"/>
           </a:p>
@@ -11675,7 +11400,7 @@
           <a:p>
             <a:pPr algn="ctr"/>
             <a:r>
-              <a:rPr lang="en-US" smtClean="0"/>
+              <a:rPr lang="en-US"/>
               <a:t>IST346: Info Tech Management &amp; Administration</a:t>
             </a:r>
             <a:endParaRPr lang="en-US" dirty="0"/>
@@ -11754,10 +11479,9 @@
           <a:lstStyle/>
           <a:p>
             <a:r>
-              <a:rPr lang="en-US" dirty="0" smtClean="0"/>
+              <a:rPr lang="en-US" dirty="0"/>
               <a:t>Web Scalability – Horizontal (Scale Out)</a:t>
             </a:r>
-            <a:endParaRPr lang="en-US" dirty="0"/>
           </a:p>
         </p:txBody>
       </p:sp>
@@ -11804,18 +11528,13 @@
           <a:p>
             <a:pPr algn="ctr"/>
             <a:r>
-              <a:rPr lang="en-US" dirty="0" smtClean="0">
+              <a:rPr lang="en-US" dirty="0">
                 <a:solidFill>
                   <a:schemeClr val="tx1"/>
                 </a:solidFill>
               </a:rPr>
               <a:t>Load-Balancer *</a:t>
             </a:r>
-            <a:endParaRPr lang="en-US" dirty="0">
-              <a:solidFill>
-                <a:schemeClr val="tx1"/>
-              </a:solidFill>
-            </a:endParaRPr>
           </a:p>
         </p:txBody>
       </p:sp>
@@ -12136,10 +11855,9 @@
           <a:p>
             <a:pPr algn="ctr"/>
             <a:r>
-              <a:rPr lang="en-US" dirty="0" smtClean="0"/>
+              <a:rPr lang="en-US" dirty="0"/>
               <a:t>Clients</a:t>
             </a:r>
-            <a:endParaRPr lang="en-US" dirty="0"/>
           </a:p>
         </p:txBody>
       </p:sp>
@@ -12173,7 +11891,7 @@
           <a:lstStyle/>
           <a:p>
             <a:r>
-              <a:rPr lang="en-US" sz="1600" dirty="0" smtClean="0">
+              <a:rPr lang="en-US" sz="1600" dirty="0">
                 <a:solidFill>
                   <a:schemeClr val="tx1"/>
                 </a:solidFill>
@@ -12486,10 +12204,9 @@
           <a:lstStyle/>
           <a:p>
             <a:r>
-              <a:rPr lang="en-US" dirty="0" smtClean="0"/>
+              <a:rPr lang="en-US" dirty="0"/>
               <a:t>Server 1</a:t>
             </a:r>
-            <a:endParaRPr lang="en-US" dirty="0"/>
           </a:p>
         </p:txBody>
       </p:sp>
@@ -12516,10 +12233,9 @@
           <a:lstStyle/>
           <a:p>
             <a:r>
-              <a:rPr lang="en-US" dirty="0" smtClean="0"/>
+              <a:rPr lang="en-US" dirty="0"/>
               <a:t>Server 2</a:t>
             </a:r>
-            <a:endParaRPr lang="en-US" dirty="0"/>
           </a:p>
         </p:txBody>
       </p:sp>
@@ -12553,7 +12269,7 @@
           <a:lstStyle/>
           <a:p>
             <a:r>
-              <a:rPr lang="en-US" sz="1600" dirty="0" smtClean="0">
+              <a:rPr lang="en-US" sz="1600" dirty="0">
                 <a:solidFill>
                   <a:schemeClr val="tx1"/>
                 </a:solidFill>
@@ -12593,7 +12309,7 @@
           <a:lstStyle/>
           <a:p>
             <a:r>
-              <a:rPr lang="en-US" sz="1600" dirty="0" smtClean="0">
+              <a:rPr lang="en-US" sz="1600" dirty="0">
                 <a:solidFill>
                   <a:schemeClr val="tx1"/>
                 </a:solidFill>
@@ -12633,7 +12349,7 @@
           <a:lstStyle/>
           <a:p>
             <a:r>
-              <a:rPr lang="en-US" sz="1600" dirty="0" smtClean="0">
+              <a:rPr lang="en-US" sz="1600" dirty="0">
                 <a:solidFill>
                   <a:schemeClr val="tx1"/>
                 </a:solidFill>
@@ -12666,10 +12382,9 @@
           <a:lstStyle/>
           <a:p>
             <a:r>
-              <a:rPr lang="en-US" dirty="0" smtClean="0"/>
+              <a:rPr lang="en-US" dirty="0"/>
               <a:t>* Round-Robin DNS, reverse  Proxy, hardware load balancer</a:t>
             </a:r>
-            <a:endParaRPr lang="en-US" dirty="0"/>
           </a:p>
         </p:txBody>
       </p:sp>
@@ -12703,7 +12418,7 @@
           <a:lstStyle/>
           <a:p>
             <a:r>
-              <a:rPr lang="en-US" sz="1600" dirty="0" smtClean="0">
+              <a:rPr lang="en-US" sz="1600" dirty="0">
                 <a:solidFill>
                   <a:schemeClr val="tx1"/>
                 </a:solidFill>
@@ -12743,7 +12458,7 @@
           <a:lstStyle/>
           <a:p>
             <a:r>
-              <a:rPr lang="en-US" sz="1600" dirty="0" smtClean="0">
+              <a:rPr lang="en-US" sz="1600" dirty="0">
                 <a:solidFill>
                   <a:schemeClr val="tx1"/>
                 </a:solidFill>
@@ -12822,17 +12537,16 @@
           <a:lstStyle/>
           <a:p>
             <a:r>
-              <a:rPr lang="en-US" dirty="0" smtClean="0"/>
+              <a:rPr lang="en-US" dirty="0"/>
               <a:t>Data</a:t>
             </a:r>
             <a:br>
-              <a:rPr lang="en-US" dirty="0" smtClean="0"/>
+              <a:rPr lang="en-US" dirty="0"/>
             </a:br>
             <a:r>
-              <a:rPr lang="en-US" dirty="0" smtClean="0"/>
+              <a:rPr lang="en-US" dirty="0"/>
               <a:t>Replication</a:t>
             </a:r>
-            <a:endParaRPr lang="en-US" dirty="0"/>
           </a:p>
         </p:txBody>
       </p:sp>
@@ -12853,7 +12567,7 @@
           <a:p>
             <a:fld id="{9F7548F8-DB7E-4FDE-B3D2-30962E6664C0}" type="datetime1">
               <a:rPr lang="en-US" smtClean="0"/>
-              <a:t>11/18/2014</a:t>
+              <a:t>11/6/2018</a:t>
             </a:fld>
             <a:endParaRPr lang="en-US"/>
           </a:p>
@@ -12876,7 +12590,7 @@
           <a:p>
             <a:pPr algn="ctr"/>
             <a:r>
-              <a:rPr lang="en-US" smtClean="0"/>
+              <a:rPr lang="en-US"/>
               <a:t>IST346: Info Tech Management &amp; Administration</a:t>
             </a:r>
             <a:endParaRPr lang="en-US" dirty="0"/>
@@ -12955,10 +12669,9 @@
           <a:lstStyle/>
           <a:p>
             <a:r>
-              <a:rPr lang="en-US" dirty="0" smtClean="0"/>
+              <a:rPr lang="en-US" dirty="0"/>
               <a:t>Web Scalability –Up and Out</a:t>
             </a:r>
-            <a:endParaRPr lang="en-US" dirty="0"/>
           </a:p>
         </p:txBody>
       </p:sp>
@@ -13045,10 +12758,9 @@
           <a:p>
             <a:pPr algn="ctr"/>
             <a:r>
-              <a:rPr lang="en-US" dirty="0" smtClean="0"/>
+              <a:rPr lang="en-US" dirty="0"/>
               <a:t>Clients</a:t>
             </a:r>
-            <a:endParaRPr lang="en-US" dirty="0"/>
           </a:p>
         </p:txBody>
       </p:sp>
@@ -13082,7 +12794,7 @@
           <a:lstStyle/>
           <a:p>
             <a:r>
-              <a:rPr lang="en-US" sz="1600" dirty="0" smtClean="0">
+              <a:rPr lang="en-US" sz="1600" dirty="0">
                 <a:solidFill>
                   <a:schemeClr val="tx1"/>
                 </a:solidFill>
@@ -13122,7 +12834,7 @@
           <a:lstStyle/>
           <a:p>
             <a:r>
-              <a:rPr lang="en-US" sz="1600" dirty="0" smtClean="0">
+              <a:rPr lang="en-US" sz="1600" dirty="0">
                 <a:solidFill>
                   <a:schemeClr val="tx1"/>
                 </a:solidFill>
@@ -13369,10 +13081,9 @@
           <a:lstStyle/>
           <a:p>
             <a:r>
-              <a:rPr lang="en-US" dirty="0" smtClean="0"/>
+              <a:rPr lang="en-US" dirty="0"/>
               <a:t>Web Server 1</a:t>
             </a:r>
-            <a:endParaRPr lang="en-US" dirty="0"/>
           </a:p>
         </p:txBody>
       </p:sp>
@@ -13399,10 +13110,9 @@
           <a:lstStyle/>
           <a:p>
             <a:r>
-              <a:rPr lang="en-US" dirty="0" smtClean="0"/>
+              <a:rPr lang="en-US" dirty="0"/>
               <a:t>Db Server 1</a:t>
             </a:r>
-            <a:endParaRPr lang="en-US" dirty="0"/>
           </a:p>
         </p:txBody>
       </p:sp>
@@ -13689,10 +13399,9 @@
           <a:lstStyle/>
           <a:p>
             <a:r>
-              <a:rPr lang="en-US" dirty="0" smtClean="0"/>
+              <a:rPr lang="en-US" dirty="0"/>
               <a:t>Web Server 4</a:t>
             </a:r>
-            <a:endParaRPr lang="en-US" dirty="0"/>
           </a:p>
         </p:txBody>
       </p:sp>
@@ -13719,10 +13428,9 @@
           <a:lstStyle/>
           <a:p>
             <a:r>
-              <a:rPr lang="en-US" dirty="0" smtClean="0"/>
+              <a:rPr lang="en-US" dirty="0"/>
               <a:t>Db Server 2</a:t>
             </a:r>
-            <a:endParaRPr lang="en-US" dirty="0"/>
           </a:p>
         </p:txBody>
       </p:sp>
@@ -13929,10 +13637,9 @@
           <a:lstStyle/>
           <a:p>
             <a:r>
-              <a:rPr lang="en-US" dirty="0" smtClean="0"/>
+              <a:rPr lang="en-US" dirty="0"/>
               <a:t>Web Server 2</a:t>
             </a:r>
-            <a:endParaRPr lang="en-US" dirty="0"/>
           </a:p>
         </p:txBody>
       </p:sp>
@@ -14139,10 +13846,9 @@
           <a:lstStyle/>
           <a:p>
             <a:r>
-              <a:rPr lang="en-US" dirty="0" smtClean="0"/>
+              <a:rPr lang="en-US" dirty="0"/>
               <a:t>Web Server 3</a:t>
             </a:r>
-            <a:endParaRPr lang="en-US" dirty="0"/>
           </a:p>
         </p:txBody>
       </p:sp>
@@ -14215,17 +13921,16 @@
           <a:lstStyle/>
           <a:p>
             <a:r>
-              <a:rPr lang="en-US" dirty="0" smtClean="0"/>
+              <a:rPr lang="en-US" dirty="0"/>
               <a:t>Data</a:t>
             </a:r>
             <a:br>
-              <a:rPr lang="en-US" dirty="0" smtClean="0"/>
+              <a:rPr lang="en-US" dirty="0"/>
             </a:br>
             <a:r>
-              <a:rPr lang="en-US" dirty="0" smtClean="0"/>
+              <a:rPr lang="en-US" dirty="0"/>
               <a:t>Replication</a:t>
             </a:r>
-            <a:endParaRPr lang="en-US" dirty="0"/>
           </a:p>
         </p:txBody>
       </p:sp>
@@ -14272,18 +13977,13 @@
           <a:p>
             <a:pPr algn="ctr"/>
             <a:r>
-              <a:rPr lang="en-US" dirty="0" smtClean="0">
+              <a:rPr lang="en-US" dirty="0">
                 <a:solidFill>
                   <a:schemeClr val="tx1"/>
                 </a:solidFill>
               </a:rPr>
               <a:t>Load-Balancer *</a:t>
             </a:r>
-            <a:endParaRPr lang="en-US" dirty="0">
-              <a:solidFill>
-                <a:schemeClr val="tx1"/>
-              </a:solidFill>
-            </a:endParaRPr>
           </a:p>
         </p:txBody>
       </p:sp>
@@ -14648,7 +14348,7 @@
           <a:p>
             <a:fld id="{E87457A4-2F88-4ABD-85DD-69E6ABA90D0B}" type="datetime1">
               <a:rPr lang="en-US" smtClean="0"/>
-              <a:t>11/18/2014</a:t>
+              <a:t>11/6/2018</a:t>
             </a:fld>
             <a:endParaRPr lang="en-US"/>
           </a:p>
@@ -14671,7 +14371,7 @@
           <a:p>
             <a:pPr algn="ctr"/>
             <a:r>
-              <a:rPr lang="en-US" smtClean="0"/>
+              <a:rPr lang="en-US"/>
               <a:t>IST346: Info Tech Management &amp; Administration</a:t>
             </a:r>
             <a:endParaRPr lang="en-US" dirty="0"/>
@@ -14748,10 +14448,9 @@
           <a:lstStyle/>
           <a:p>
             <a:r>
-              <a:rPr lang="en-US" dirty="0" smtClean="0"/>
+              <a:rPr lang="en-US" dirty="0"/>
               <a:t>Scaling</a:t>
             </a:r>
-            <a:endParaRPr lang="en-US" dirty="0"/>
           </a:p>
         </p:txBody>
       </p:sp>
@@ -14771,34 +14470,33 @@
           <a:lstStyle/>
           <a:p>
             <a:r>
-              <a:rPr lang="en-US" dirty="0" smtClean="0"/>
+              <a:rPr lang="en-US" dirty="0"/>
               <a:t>Don’t underestimate the importance of scalability</a:t>
             </a:r>
           </a:p>
           <a:p>
             <a:r>
-              <a:rPr lang="en-US" dirty="0" smtClean="0"/>
+              <a:rPr lang="en-US" dirty="0"/>
               <a:t>Scaling up is easier, but limiting.</a:t>
             </a:r>
           </a:p>
           <a:p>
             <a:r>
-              <a:rPr lang="en-US" dirty="0" smtClean="0"/>
+              <a:rPr lang="en-US" dirty="0"/>
               <a:t>You might not need to scale right away…</a:t>
             </a:r>
           </a:p>
           <a:p>
             <a:r>
-              <a:rPr lang="en-US" dirty="0" smtClean="0"/>
+              <a:rPr lang="en-US" dirty="0"/>
               <a:t>But you should always consider it when deploying a service. </a:t>
             </a:r>
           </a:p>
           <a:p>
             <a:r>
-              <a:rPr lang="en-US" dirty="0" smtClean="0"/>
+              <a:rPr lang="en-US" dirty="0"/>
               <a:t>Factor it into the equation from the beginning. </a:t>
             </a:r>
-            <a:endParaRPr lang="en-US" dirty="0"/>
           </a:p>
         </p:txBody>
       </p:sp>
@@ -14819,7 +14517,7 @@
           <a:p>
             <a:fld id="{C7017F87-E02B-46AC-84AC-D4A86BB7BC53}" type="datetime1">
               <a:rPr lang="en-US" smtClean="0"/>
-              <a:t>11/18/2014</a:t>
+              <a:t>11/6/2018</a:t>
             </a:fld>
             <a:endParaRPr lang="en-US" dirty="0"/>
           </a:p>
@@ -14841,7 +14539,7 @@
           <a:lstStyle/>
           <a:p>
             <a:r>
-              <a:rPr lang="en-US" smtClean="0"/>
+              <a:rPr lang="en-US"/>
               <a:t>IST346: Info Tech Management &amp; Administration</a:t>
             </a:r>
             <a:endParaRPr lang="en-US" dirty="0"/>
@@ -14882,13 +14580,6 @@
   <p:clrMapOvr>
     <a:masterClrMapping/>
   </p:clrMapOvr>
-  <p:timing>
-    <p:tnLst>
-      <p:par>
-        <p:cTn id="1" dur="indefinite" restart="never" nodeType="tmRoot"/>
-      </p:par>
-    </p:tnLst>
-  </p:timing>
 </p:sld>
 </file>
 
@@ -14925,10 +14616,9 @@
           <a:lstStyle/>
           <a:p>
             <a:r>
-              <a:rPr lang="en-US" dirty="0" smtClean="0"/>
+              <a:rPr lang="en-US" dirty="0"/>
               <a:t>Web Platforms – Everyone’s got one</a:t>
             </a:r>
-            <a:endParaRPr lang="en-US" dirty="0"/>
           </a:p>
         </p:txBody>
       </p:sp>
@@ -14948,64 +14638,63 @@
           <a:lstStyle/>
           <a:p>
             <a:r>
-              <a:rPr lang="en-US" dirty="0" smtClean="0"/>
+              <a:rPr lang="en-US" dirty="0"/>
               <a:t>Java </a:t>
             </a:r>
           </a:p>
           <a:p>
             <a:pPr lvl="1"/>
             <a:r>
-              <a:rPr lang="en-US" dirty="0" smtClean="0"/>
+              <a:rPr lang="en-US" dirty="0"/>
               <a:t>Apache / Tomcat / JSP</a:t>
             </a:r>
           </a:p>
           <a:p>
             <a:r>
-              <a:rPr lang="en-US" dirty="0" smtClean="0"/>
+              <a:rPr lang="en-US" dirty="0"/>
               <a:t>Microsoft</a:t>
             </a:r>
           </a:p>
           <a:p>
             <a:pPr lvl="1"/>
             <a:r>
-              <a:rPr lang="en-US" dirty="0" smtClean="0"/>
+              <a:rPr lang="en-US" dirty="0"/>
               <a:t>IIS / ASP.NET </a:t>
             </a:r>
           </a:p>
           <a:p>
             <a:r>
-              <a:rPr lang="en-US" dirty="0" smtClean="0"/>
+              <a:rPr lang="en-US" dirty="0"/>
               <a:t>Linux</a:t>
             </a:r>
           </a:p>
           <a:p>
             <a:pPr lvl="1"/>
             <a:r>
-              <a:rPr lang="en-US" dirty="0" smtClean="0"/>
+              <a:rPr lang="en-US" dirty="0"/>
               <a:t>Apache / PHP</a:t>
             </a:r>
           </a:p>
           <a:p>
             <a:pPr lvl="1"/>
             <a:r>
-              <a:rPr lang="en-US" dirty="0" smtClean="0"/>
+              <a:rPr lang="en-US" dirty="0"/>
               <a:t>Ruby on Rails</a:t>
             </a:r>
           </a:p>
           <a:p>
             <a:pPr lvl="1"/>
             <a:r>
-              <a:rPr lang="en-US" dirty="0" smtClean="0"/>
+              <a:rPr lang="en-US" dirty="0"/>
               <a:t>Python</a:t>
             </a:r>
           </a:p>
           <a:p>
             <a:pPr lvl="1"/>
             <a:r>
-              <a:rPr lang="en-US" dirty="0" smtClean="0"/>
+              <a:rPr lang="en-US" dirty="0"/>
               <a:t>Classic Perl / CGI</a:t>
             </a:r>
-            <a:endParaRPr lang="en-US" dirty="0"/>
           </a:p>
         </p:txBody>
       </p:sp>
@@ -15026,7 +14715,7 @@
           <a:p>
             <a:fld id="{13091B15-50C0-4980-B358-9578FCB3D211}" type="datetime1">
               <a:rPr lang="en-US" smtClean="0"/>
-              <a:t>11/18/2014</a:t>
+              <a:t>11/6/2018</a:t>
             </a:fld>
             <a:endParaRPr lang="en-US" dirty="0"/>
           </a:p>
@@ -15048,7 +14737,7 @@
           <a:lstStyle/>
           <a:p>
             <a:r>
-              <a:rPr lang="en-US" smtClean="0"/>
+              <a:rPr lang="en-US"/>
               <a:t>IST346: Info Tech Management &amp; Administration</a:t>
             </a:r>
             <a:endParaRPr lang="en-US" dirty="0"/>
@@ -15089,13 +14778,6 @@
   <p:clrMapOvr>
     <a:masterClrMapping/>
   </p:clrMapOvr>
-  <p:timing>
-    <p:tnLst>
-      <p:par>
-        <p:cTn id="1" dur="indefinite" restart="never" nodeType="tmRoot"/>
-      </p:par>
-    </p:tnLst>
-  </p:timing>
 </p:sld>
 </file>
 
@@ -15132,10 +14814,9 @@
           <a:lstStyle/>
           <a:p>
             <a:r>
-              <a:rPr lang="en-US" dirty="0" smtClean="0"/>
+              <a:rPr lang="en-US" dirty="0"/>
               <a:t>Analytics (Website Analysis)</a:t>
             </a:r>
-            <a:endParaRPr lang="en-US" dirty="0"/>
           </a:p>
         </p:txBody>
       </p:sp>
@@ -15210,7 +14891,7 @@
           <a:p>
             <a:fld id="{9D3826CD-DF35-4771-9FC1-F1A3FFD490BF}" type="datetime1">
               <a:rPr lang="en-US" smtClean="0"/>
-              <a:t>11/18/2014</a:t>
+              <a:t>11/6/2018</a:t>
             </a:fld>
             <a:endParaRPr lang="en-US" dirty="0"/>
           </a:p>
@@ -15232,7 +14913,7 @@
           <a:lstStyle/>
           <a:p>
             <a:r>
-              <a:rPr lang="en-US" smtClean="0"/>
+              <a:rPr lang="en-US"/>
               <a:t>IST346: Info Tech Management &amp; Administration</a:t>
             </a:r>
             <a:endParaRPr lang="en-US" dirty="0"/>
@@ -15273,13 +14954,6 @@
   <p:clrMapOvr>
     <a:masterClrMapping/>
   </p:clrMapOvr>
-  <p:timing>
-    <p:tnLst>
-      <p:par>
-        <p:cTn id="1" dur="indefinite" restart="never" nodeType="tmRoot"/>
-      </p:par>
-    </p:tnLst>
-  </p:timing>
 </p:sld>
 </file>
 
@@ -15364,13 +15038,8 @@
           <a:p>
             <a:r>
               <a:rPr lang="en-US" dirty="0"/>
-              <a:t>All management is done via a series of forms</a:t>
-            </a:r>
-            <a:r>
-              <a:rPr lang="en-US" dirty="0" smtClean="0"/>
-              <a:t>.</a:t>
-            </a:r>
-            <a:endParaRPr lang="en-US" dirty="0"/>
+              <a:t>All management is done via a series of forms.</a:t>
+            </a:r>
           </a:p>
         </p:txBody>
       </p:sp>
@@ -15391,7 +15060,7 @@
           <a:p>
             <a:fld id="{34EFB7AC-D983-47BD-9B73-16AFCF2A28E7}" type="datetime1">
               <a:rPr lang="en-US" smtClean="0"/>
-              <a:t>11/18/2014</a:t>
+              <a:t>11/6/2018</a:t>
             </a:fld>
             <a:endParaRPr lang="en-US" dirty="0"/>
           </a:p>
@@ -15413,7 +15082,7 @@
           <a:lstStyle/>
           <a:p>
             <a:r>
-              <a:rPr lang="en-US" smtClean="0"/>
+              <a:rPr lang="en-US"/>
               <a:t>IST346: Info Tech Management &amp; Administration</a:t>
             </a:r>
             <a:endParaRPr lang="en-US" dirty="0"/>
@@ -15454,13 +15123,6 @@
   <p:clrMapOvr>
     <a:masterClrMapping/>
   </p:clrMapOvr>
-  <p:timing>
-    <p:tnLst>
-      <p:par>
-        <p:cTn id="1" dur="indefinite" restart="never" nodeType="tmRoot"/>
-      </p:par>
-    </p:tnLst>
-  </p:timing>
 </p:sld>
 </file>
 
@@ -15497,10 +15159,9 @@
           <a:lstStyle/>
           <a:p>
             <a:r>
-              <a:rPr lang="en-US" dirty="0" smtClean="0"/>
+              <a:rPr lang="en-US" dirty="0"/>
               <a:t>Websites and Security</a:t>
             </a:r>
-            <a:endParaRPr lang="en-US" dirty="0"/>
           </a:p>
         </p:txBody>
       </p:sp>
@@ -15540,7 +15201,7 @@
           <a:p>
             <a:fld id="{0D4EF859-6B6F-4135-A353-20BBCB5B7CA3}" type="datetime1">
               <a:rPr lang="en-US" smtClean="0"/>
-              <a:t>11/18/2014</a:t>
+              <a:t>11/6/2018</a:t>
             </a:fld>
             <a:endParaRPr lang="en-US"/>
           </a:p>
@@ -15562,7 +15223,7 @@
           <a:lstStyle/>
           <a:p>
             <a:r>
-              <a:rPr lang="en-US" smtClean="0"/>
+              <a:rPr lang="en-US"/>
               <a:t>IST346: Info Tech Management &amp; Administration</a:t>
             </a:r>
             <a:endParaRPr lang="en-US" dirty="0"/>
@@ -15603,13 +15264,6 @@
   <p:clrMapOvr>
     <a:masterClrMapping/>
   </p:clrMapOvr>
-  <p:timing>
-    <p:tnLst>
-      <p:par>
-        <p:cTn id="1" dur="indefinite" restart="never" nodeType="tmRoot"/>
-      </p:par>
-    </p:tnLst>
-  </p:timing>
 </p:sld>
 </file>
 
@@ -15646,10 +15300,9 @@
           <a:lstStyle/>
           <a:p>
             <a:r>
-              <a:rPr lang="en-US" dirty="0" smtClean="0"/>
+              <a:rPr lang="en-US" dirty="0"/>
               <a:t>Web Service Security</a:t>
             </a:r>
-            <a:endParaRPr lang="en-US" dirty="0"/>
           </a:p>
         </p:txBody>
       </p:sp>
@@ -15669,47 +15322,47 @@
           <a:lstStyle/>
           <a:p>
             <a:r>
-              <a:rPr lang="en-US" dirty="0" smtClean="0"/>
+              <a:rPr lang="en-US" dirty="0"/>
               <a:t>Since virtually everyone can access your service, security is important.</a:t>
             </a:r>
           </a:p>
           <a:p>
             <a:r>
-              <a:rPr lang="en-US" dirty="0" smtClean="0"/>
+              <a:rPr lang="en-US" dirty="0"/>
               <a:t>Rule #1 ALWAYS assume the worst.</a:t>
             </a:r>
           </a:p>
           <a:p>
             <a:r>
-              <a:rPr lang="en-US" dirty="0" smtClean="0"/>
+              <a:rPr lang="en-US" dirty="0"/>
               <a:t>There are many layers of security, use them all:</a:t>
             </a:r>
           </a:p>
           <a:p>
             <a:pPr lvl="1"/>
             <a:r>
-              <a:rPr lang="en-US" dirty="0" smtClean="0"/>
+              <a:rPr lang="en-US" dirty="0"/>
               <a:t>Secure communication with SSL (Secure Sockets Layer)</a:t>
             </a:r>
           </a:p>
           <a:p>
             <a:pPr lvl="1"/>
             <a:r>
-              <a:rPr lang="en-US" dirty="0" smtClean="0"/>
+              <a:rPr lang="en-US" dirty="0"/>
               <a:t>Protect the server by service Hardening on the Web server. Only run the services that are required – nothing more.</a:t>
             </a:r>
           </a:p>
           <a:p>
             <a:pPr lvl="1"/>
             <a:r>
-              <a:rPr lang="en-US" dirty="0" smtClean="0"/>
+              <a:rPr lang="en-US" dirty="0"/>
               <a:t>Protect the web service itself</a:t>
             </a:r>
           </a:p>
           <a:p>
             <a:pPr lvl="1"/>
             <a:r>
-              <a:rPr lang="en-US" dirty="0" smtClean="0"/>
+              <a:rPr lang="en-US" dirty="0"/>
               <a:t>Secure the application running over the web</a:t>
             </a:r>
           </a:p>
@@ -15736,7 +15389,7 @@
           <a:p>
             <a:fld id="{41F3E9E7-CF4D-4DB6-8238-F8A0D930EBBD}" type="datetime1">
               <a:rPr lang="en-US" smtClean="0"/>
-              <a:t>11/18/2014</a:t>
+              <a:t>11/6/2018</a:t>
             </a:fld>
             <a:endParaRPr lang="en-US" dirty="0"/>
           </a:p>
@@ -15758,7 +15411,7 @@
           <a:lstStyle/>
           <a:p>
             <a:r>
-              <a:rPr lang="en-US" smtClean="0"/>
+              <a:rPr lang="en-US"/>
               <a:t>IST346: Info Tech Management &amp; Administration</a:t>
             </a:r>
             <a:endParaRPr lang="en-US" dirty="0"/>
@@ -15835,53 +15488,52 @@
           <a:lstStyle/>
           <a:p>
             <a:r>
-              <a:rPr lang="en-US" dirty="0" smtClean="0"/>
+              <a:rPr lang="en-US" dirty="0"/>
               <a:t>Today’s Agenda</a:t>
             </a:r>
+          </a:p>
+        </p:txBody>
+      </p:sp>
+      <p:sp>
+        <p:nvSpPr>
+          <p:cNvPr id="4" name="Content Placeholder 3"/>
+          <p:cNvSpPr>
+            <a:spLocks noGrp="1"/>
+          </p:cNvSpPr>
+          <p:nvPr>
+            <p:ph sz="quarter" idx="1"/>
+          </p:nvPr>
+        </p:nvSpPr>
+        <p:spPr/>
+        <p:txBody>
+          <a:bodyPr/>
+          <a:lstStyle/>
+          <a:p>
+            <a:r>
+              <a:rPr lang="en-US" dirty="0"/>
+              <a:t>Learn the basics of how the Web works</a:t>
+            </a:r>
+          </a:p>
+          <a:p>
+            <a:r>
+              <a:rPr lang="en-US" dirty="0"/>
+              <a:t>Understand various web service architectures</a:t>
+            </a:r>
+          </a:p>
+          <a:p>
+            <a:r>
+              <a:rPr lang="en-US" dirty="0"/>
+              <a:t>Address scaling, security, and change management issues with web architectures</a:t>
+            </a:r>
+          </a:p>
+          <a:p>
             <a:endParaRPr lang="en-US" dirty="0"/>
-          </a:p>
-        </p:txBody>
-      </p:sp>
-      <p:sp>
-        <p:nvSpPr>
-          <p:cNvPr id="4" name="Content Placeholder 3"/>
-          <p:cNvSpPr>
-            <a:spLocks noGrp="1"/>
-          </p:cNvSpPr>
-          <p:nvPr>
-            <p:ph sz="quarter" idx="1"/>
-          </p:nvPr>
-        </p:nvSpPr>
-        <p:spPr/>
-        <p:txBody>
-          <a:bodyPr/>
-          <a:lstStyle/>
-          <a:p>
-            <a:r>
-              <a:rPr lang="en-US" dirty="0" smtClean="0"/>
-              <a:t>Learn the basics of how the Web works</a:t>
-            </a:r>
-          </a:p>
-          <a:p>
-            <a:r>
-              <a:rPr lang="en-US" dirty="0" smtClean="0"/>
-              <a:t>Understand various web service architectures</a:t>
-            </a:r>
-          </a:p>
-          <a:p>
-            <a:r>
-              <a:rPr lang="en-US" dirty="0" smtClean="0"/>
-              <a:t>Address scaling, security, and change management issues with web architectures</a:t>
-            </a:r>
-          </a:p>
-          <a:p>
-            <a:endParaRPr lang="en-US" dirty="0" smtClean="0"/>
           </a:p>
           <a:p>
             <a:pPr>
               <a:buNone/>
             </a:pPr>
-            <a:endParaRPr lang="en-US" dirty="0" smtClean="0"/>
+            <a:endParaRPr lang="en-US" dirty="0"/>
           </a:p>
           <a:p>
             <a:endParaRPr lang="en-US" dirty="0"/>
@@ -15905,7 +15557,7 @@
           <a:p>
             <a:fld id="{2FAB5197-57F7-4D75-8978-C47BCAEB70AA}" type="datetime1">
               <a:rPr lang="en-US" smtClean="0"/>
-              <a:t>11/18/2014</a:t>
+              <a:t>11/6/2018</a:t>
             </a:fld>
             <a:endParaRPr lang="en-US" dirty="0"/>
           </a:p>
@@ -15927,7 +15579,7 @@
           <a:lstStyle/>
           <a:p>
             <a:r>
-              <a:rPr lang="en-US" smtClean="0"/>
+              <a:rPr lang="en-US"/>
               <a:t>IST346: Info Tech Management &amp; Administration</a:t>
             </a:r>
             <a:endParaRPr lang="en-US" dirty="0"/>
@@ -16009,10 +15661,9 @@
           <a:lstStyle/>
           <a:p>
             <a:r>
-              <a:rPr lang="en-US" dirty="0" smtClean="0"/>
+              <a:rPr lang="en-US" dirty="0"/>
               <a:t>SSL – Secure Sockets Layer</a:t>
             </a:r>
-            <a:endParaRPr lang="en-US" dirty="0"/>
           </a:p>
         </p:txBody>
       </p:sp>
@@ -16037,58 +15688,58 @@
           <a:lstStyle/>
           <a:p>
             <a:r>
-              <a:rPr lang="en-US" dirty="0" smtClean="0"/>
+              <a:rPr lang="en-US" dirty="0"/>
               <a:t>Encrypts traffic over the wire</a:t>
             </a:r>
           </a:p>
           <a:p>
             <a:r>
-              <a:rPr lang="en-US" dirty="0" smtClean="0"/>
+              <a:rPr lang="en-US" dirty="0"/>
               <a:t>Protects against “Man in the Middle” </a:t>
             </a:r>
             <a:br>
-              <a:rPr lang="en-US" dirty="0" smtClean="0"/>
+              <a:rPr lang="en-US" dirty="0"/>
             </a:br>
             <a:r>
-              <a:rPr lang="en-US" dirty="0" smtClean="0"/>
+              <a:rPr lang="en-US" dirty="0"/>
               <a:t>attacks (sniffing data in transmission)</a:t>
             </a:r>
           </a:p>
           <a:p>
             <a:r>
-              <a:rPr lang="en-US" dirty="0" smtClean="0"/>
+              <a:rPr lang="en-US" dirty="0"/>
               <a:t>Orgs purchase the SSL</a:t>
             </a:r>
             <a:br>
-              <a:rPr lang="en-US" dirty="0" smtClean="0"/>
+              <a:rPr lang="en-US" dirty="0"/>
             </a:br>
             <a:r>
-              <a:rPr lang="en-US" dirty="0" smtClean="0"/>
+              <a:rPr lang="en-US" dirty="0"/>
               <a:t>certificate from an Authority</a:t>
             </a:r>
           </a:p>
           <a:p>
             <a:r>
-              <a:rPr lang="en-US" dirty="0" smtClean="0"/>
+              <a:rPr lang="en-US" dirty="0"/>
               <a:t>Browsers “Trust” the Authority and</a:t>
             </a:r>
             <a:br>
-              <a:rPr lang="en-US" dirty="0" smtClean="0"/>
+              <a:rPr lang="en-US" dirty="0"/>
             </a:br>
             <a:r>
-              <a:rPr lang="en-US" dirty="0" smtClean="0"/>
+              <a:rPr lang="en-US" dirty="0"/>
               <a:t>encrypt the traffic</a:t>
             </a:r>
           </a:p>
           <a:p>
             <a:r>
-              <a:rPr lang="en-US" b="1" dirty="0" smtClean="0"/>
+              <a:rPr lang="en-US" b="1" dirty="0"/>
               <a:t>Moral: </a:t>
             </a:r>
           </a:p>
           <a:p>
             <a:r>
-              <a:rPr lang="en-US" dirty="0" smtClean="0"/>
+              <a:rPr lang="en-US" dirty="0"/>
               <a:t>Just because a site uses SSL doesn’t mean its “secure” it only means the traffic between you and the server is encrypted!!!!</a:t>
             </a:r>
           </a:p>
@@ -16148,7 +15799,7 @@
           <a:p>
             <a:fld id="{9A799D9B-2FDB-4A34-AA58-6A5ED1D1EECA}" type="datetime1">
               <a:rPr lang="en-US" smtClean="0"/>
-              <a:t>11/18/2014</a:t>
+              <a:t>11/6/2018</a:t>
             </a:fld>
             <a:endParaRPr lang="en-US" dirty="0"/>
           </a:p>
@@ -16170,7 +15821,7 @@
           <a:lstStyle/>
           <a:p>
             <a:r>
-              <a:rPr lang="en-US" smtClean="0"/>
+              <a:rPr lang="en-US"/>
               <a:t>IST346: Info Tech Management &amp; Administration</a:t>
             </a:r>
             <a:endParaRPr lang="en-US" dirty="0"/>
@@ -16233,12 +15884,18 @@
       </p:grpSpPr>
       <p:sp>
         <p:nvSpPr>
-          <p:cNvPr id="2" name="Title 1"/>
-          <p:cNvSpPr>
-            <a:spLocks noGrp="1"/>
-          </p:cNvSpPr>
-          <p:nvPr>
-            <p:ph type="title"/>
+          <p:cNvPr id="2" name="Content Placeholder 1">
+            <a:extLst>
+              <a:ext uri="{FF2B5EF4-FFF2-40B4-BE49-F238E27FC236}">
+                <a16:creationId xmlns:a16="http://schemas.microsoft.com/office/drawing/2014/main" id="{A076D682-D5E7-4E1E-91BD-65D0E6FC90FB}"/>
+              </a:ext>
+            </a:extLst>
+          </p:cNvPr>
+          <p:cNvSpPr>
+            <a:spLocks noGrp="1"/>
+          </p:cNvSpPr>
+          <p:nvPr>
+            <p:ph idx="1"/>
           </p:nvPr>
         </p:nvSpPr>
         <p:spPr/>
@@ -16246,22 +15903,24 @@
           <a:bodyPr/>
           <a:lstStyle/>
           <a:p>
-            <a:r>
-              <a:rPr lang="en-US" dirty="0" smtClean="0"/>
-              <a:t>Protecting content</a:t>
-            </a:r>
-            <a:endParaRPr lang="en-US" dirty="0"/>
-          </a:p>
-        </p:txBody>
-      </p:sp>
-      <p:sp>
-        <p:nvSpPr>
-          <p:cNvPr id="3" name="Content Placeholder 2"/>
-          <p:cNvSpPr>
-            <a:spLocks noGrp="1"/>
-          </p:cNvSpPr>
-          <p:nvPr>
-            <p:ph sz="quarter" idx="1"/>
+            <a:endParaRPr lang="en-US"/>
+          </a:p>
+        </p:txBody>
+      </p:sp>
+      <p:sp>
+        <p:nvSpPr>
+          <p:cNvPr id="3" name="Date Placeholder 2">
+            <a:extLst>
+              <a:ext uri="{FF2B5EF4-FFF2-40B4-BE49-F238E27FC236}">
+                <a16:creationId xmlns:a16="http://schemas.microsoft.com/office/drawing/2014/main" id="{A8A0F3E2-2936-4B0A-8BB9-6AF62ACEA1DB}"/>
+              </a:ext>
+            </a:extLst>
+          </p:cNvPr>
+          <p:cNvSpPr>
+            <a:spLocks noGrp="1"/>
+          </p:cNvSpPr>
+          <p:nvPr>
+            <p:ph type="dt" sz="half" idx="10"/>
           </p:nvPr>
         </p:nvSpPr>
         <p:spPr/>
@@ -16269,86 +15928,9 @@
           <a:bodyPr/>
           <a:lstStyle/>
           <a:p>
-            <a:r>
-              <a:rPr lang="en-US" dirty="0" smtClean="0"/>
-              <a:t>We must </a:t>
-            </a:r>
-            <a:r>
-              <a:rPr lang="en-US" dirty="0"/>
-              <a:t>take many steps in protecting website</a:t>
-            </a:r>
-          </a:p>
-          <a:p>
-            <a:r>
-              <a:rPr lang="en-US" dirty="0"/>
-              <a:t>Common methods of attacks</a:t>
-            </a:r>
-          </a:p>
-          <a:p>
-            <a:pPr lvl="1"/>
-            <a:r>
-              <a:rPr lang="en-US" i="1" dirty="0"/>
-              <a:t>Directory Traversal</a:t>
-            </a:r>
-            <a:r>
-              <a:rPr lang="en-US" dirty="0"/>
-              <a:t>:  using ../../ to go up or down a directory structure.  Can obtain data that is otherwise unavailable</a:t>
-            </a:r>
-          </a:p>
-          <a:p>
-            <a:pPr lvl="1"/>
-            <a:r>
-              <a:rPr lang="en-US" i="1" dirty="0"/>
-              <a:t>Form field corruption</a:t>
-            </a:r>
-            <a:r>
-              <a:rPr lang="en-US" dirty="0"/>
-              <a:t>: using a websites forms to enter data or purchase items via hidden data fields. If you know what variables are being used to pass data, you can change the values.</a:t>
-            </a:r>
-          </a:p>
-          <a:p>
-            <a:pPr lvl="1"/>
-            <a:r>
-              <a:rPr lang="en-US" i="1" dirty="0"/>
-              <a:t>SQL injection: </a:t>
-            </a:r>
-            <a:r>
-              <a:rPr lang="en-US" dirty="0"/>
-              <a:t>inject SQL statements (select * from </a:t>
-            </a:r>
-            <a:r>
-              <a:rPr lang="en-US" dirty="0" err="1"/>
-              <a:t>lastnames</a:t>
-            </a:r>
-            <a:r>
-              <a:rPr lang="en-US" dirty="0"/>
-              <a:t>) to add, edit, or delete data in a database or even execute applications on the webserver.</a:t>
-            </a:r>
-            <a:endParaRPr lang="en-US" i="1" dirty="0"/>
-          </a:p>
-          <a:p>
-            <a:endParaRPr lang="en-US" dirty="0"/>
-          </a:p>
-        </p:txBody>
-      </p:sp>
-      <p:sp>
-        <p:nvSpPr>
-          <p:cNvPr id="4" name="Date Placeholder 3"/>
-          <p:cNvSpPr>
-            <a:spLocks noGrp="1"/>
-          </p:cNvSpPr>
-          <p:nvPr>
-            <p:ph type="dt" sz="half" idx="10"/>
-          </p:nvPr>
-        </p:nvSpPr>
-        <p:spPr/>
-        <p:txBody>
-          <a:bodyPr/>
-          <a:lstStyle/>
-          <a:p>
-            <a:fld id="{9CB3615C-749E-419A-948A-C80559776E1B}" type="datetime1">
+            <a:fld id="{6DAC6E6E-8E85-43A3-8EC5-FB8163E10294}" type="datetime1">
               <a:rPr lang="en-US" smtClean="0"/>
-              <a:t>11/18/2014</a:t>
+              <a:t>11/6/2018</a:t>
             </a:fld>
             <a:endParaRPr lang="en-US" dirty="0"/>
           </a:p>
@@ -16356,7 +15938,13 @@
       </p:sp>
       <p:sp>
         <p:nvSpPr>
-          <p:cNvPr id="5" name="Footer Placeholder 4"/>
+          <p:cNvPr id="4" name="Footer Placeholder 3">
+            <a:extLst>
+              <a:ext uri="{FF2B5EF4-FFF2-40B4-BE49-F238E27FC236}">
+                <a16:creationId xmlns:a16="http://schemas.microsoft.com/office/drawing/2014/main" id="{1DD3FA08-EF92-406B-AC2C-412F744D3241}"/>
+              </a:ext>
+            </a:extLst>
+          </p:cNvPr>
           <p:cNvSpPr>
             <a:spLocks noGrp="1"/>
           </p:cNvSpPr>
@@ -16370,7 +15958,7 @@
           <a:lstStyle/>
           <a:p>
             <a:r>
-              <a:rPr lang="en-US" smtClean="0"/>
+              <a:rPr lang="en-US"/>
               <a:t>IST346: Info Tech Management &amp; Administration</a:t>
             </a:r>
             <a:endParaRPr lang="en-US" dirty="0"/>
@@ -16379,7 +15967,13 @@
       </p:sp>
       <p:sp>
         <p:nvSpPr>
-          <p:cNvPr id="6" name="Slide Number Placeholder 5"/>
+          <p:cNvPr id="5" name="Slide Number Placeholder 4">
+            <a:extLst>
+              <a:ext uri="{FF2B5EF4-FFF2-40B4-BE49-F238E27FC236}">
+                <a16:creationId xmlns:a16="http://schemas.microsoft.com/office/drawing/2014/main" id="{B0C830B2-1B66-4A0A-9E5A-D10D567D8171}"/>
+              </a:ext>
+            </a:extLst>
+          </p:cNvPr>
           <p:cNvSpPr>
             <a:spLocks noGrp="1"/>
           </p:cNvSpPr>
@@ -16401,23 +15995,44 @@
           </a:p>
         </p:txBody>
       </p:sp>
+      <p:sp>
+        <p:nvSpPr>
+          <p:cNvPr id="6" name="Title 5">
+            <a:extLst>
+              <a:ext uri="{FF2B5EF4-FFF2-40B4-BE49-F238E27FC236}">
+                <a16:creationId xmlns:a16="http://schemas.microsoft.com/office/drawing/2014/main" id="{FAAFBE1C-C7C3-49B9-A2F0-21543426BC5F}"/>
+              </a:ext>
+            </a:extLst>
+          </p:cNvPr>
+          <p:cNvSpPr>
+            <a:spLocks noGrp="1"/>
+          </p:cNvSpPr>
+          <p:nvPr>
+            <p:ph type="title"/>
+          </p:nvPr>
+        </p:nvSpPr>
+        <p:spPr/>
+        <p:txBody>
+          <a:bodyPr/>
+          <a:lstStyle/>
+          <a:p>
+            <a:r>
+              <a:rPr lang="en-US" dirty="0"/>
+              <a:t>Add SSL slides from before</a:t>
+            </a:r>
+          </a:p>
+        </p:txBody>
+      </p:sp>
     </p:spTree>
     <p:extLst>
       <p:ext uri="{BB962C8B-B14F-4D97-AF65-F5344CB8AC3E}">
-        <p14:creationId xmlns:p14="http://schemas.microsoft.com/office/powerpoint/2010/main" val="2273404507"/>
+        <p14:creationId xmlns:p14="http://schemas.microsoft.com/office/powerpoint/2010/main" val="2105183636"/>
       </p:ext>
     </p:extLst>
   </p:cSld>
   <p:clrMapOvr>
     <a:masterClrMapping/>
   </p:clrMapOvr>
-  <p:timing>
-    <p:tnLst>
-      <p:par>
-        <p:cTn id="1" dur="indefinite" restart="never" nodeType="tmRoot"/>
-      </p:par>
-    </p:tnLst>
-  </p:timing>
 </p:sld>
 </file>
 
@@ -16450,16 +16065,210 @@
         </p:nvSpPr>
         <p:spPr/>
         <p:txBody>
+          <a:bodyPr/>
+          <a:lstStyle/>
+          <a:p>
+            <a:r>
+              <a:rPr lang="en-US" dirty="0"/>
+              <a:t>Protecting content</a:t>
+            </a:r>
+          </a:p>
+        </p:txBody>
+      </p:sp>
+      <p:sp>
+        <p:nvSpPr>
+          <p:cNvPr id="3" name="Content Placeholder 2"/>
+          <p:cNvSpPr>
+            <a:spLocks noGrp="1"/>
+          </p:cNvSpPr>
+          <p:nvPr>
+            <p:ph sz="quarter" idx="1"/>
+          </p:nvPr>
+        </p:nvSpPr>
+        <p:spPr/>
+        <p:txBody>
+          <a:bodyPr/>
+          <a:lstStyle/>
+          <a:p>
+            <a:r>
+              <a:rPr lang="en-US" dirty="0"/>
+              <a:t>We must take many steps in protecting website</a:t>
+            </a:r>
+          </a:p>
+          <a:p>
+            <a:r>
+              <a:rPr lang="en-US" dirty="0"/>
+              <a:t>Common methods of attacks</a:t>
+            </a:r>
+          </a:p>
+          <a:p>
+            <a:pPr lvl="1"/>
+            <a:r>
+              <a:rPr lang="en-US" i="1" dirty="0"/>
+              <a:t>Directory Traversal</a:t>
+            </a:r>
+            <a:r>
+              <a:rPr lang="en-US" dirty="0"/>
+              <a:t>:  using ../../ to go up or down a directory structure.  Can obtain data that is otherwise unavailable</a:t>
+            </a:r>
+          </a:p>
+          <a:p>
+            <a:pPr lvl="1"/>
+            <a:r>
+              <a:rPr lang="en-US" i="1" dirty="0"/>
+              <a:t>Form field corruption</a:t>
+            </a:r>
+            <a:r>
+              <a:rPr lang="en-US" dirty="0"/>
+              <a:t>: using a websites forms to enter data or purchase items via hidden data fields. If you know what variables are being used to pass data, you can change the values.</a:t>
+            </a:r>
+          </a:p>
+          <a:p>
+            <a:pPr lvl="1"/>
+            <a:r>
+              <a:rPr lang="en-US" i="1" dirty="0"/>
+              <a:t>SQL injection: </a:t>
+            </a:r>
+            <a:r>
+              <a:rPr lang="en-US" dirty="0"/>
+              <a:t>inject SQL statements (select * from </a:t>
+            </a:r>
+            <a:r>
+              <a:rPr lang="en-US" dirty="0" err="1"/>
+              <a:t>lastnames</a:t>
+            </a:r>
+            <a:r>
+              <a:rPr lang="en-US" dirty="0"/>
+              <a:t>) to add, edit, or delete data in a database or even execute applications on the webserver.</a:t>
+            </a:r>
+            <a:endParaRPr lang="en-US" i="1" dirty="0"/>
+          </a:p>
+          <a:p>
+            <a:endParaRPr lang="en-US" dirty="0"/>
+          </a:p>
+        </p:txBody>
+      </p:sp>
+      <p:sp>
+        <p:nvSpPr>
+          <p:cNvPr id="4" name="Date Placeholder 3"/>
+          <p:cNvSpPr>
+            <a:spLocks noGrp="1"/>
+          </p:cNvSpPr>
+          <p:nvPr>
+            <p:ph type="dt" sz="half" idx="10"/>
+          </p:nvPr>
+        </p:nvSpPr>
+        <p:spPr/>
+        <p:txBody>
+          <a:bodyPr/>
+          <a:lstStyle/>
+          <a:p>
+            <a:fld id="{9CB3615C-749E-419A-948A-C80559776E1B}" type="datetime1">
+              <a:rPr lang="en-US" smtClean="0"/>
+              <a:t>11/6/2018</a:t>
+            </a:fld>
+            <a:endParaRPr lang="en-US" dirty="0"/>
+          </a:p>
+        </p:txBody>
+      </p:sp>
+      <p:sp>
+        <p:nvSpPr>
+          <p:cNvPr id="5" name="Footer Placeholder 4"/>
+          <p:cNvSpPr>
+            <a:spLocks noGrp="1"/>
+          </p:cNvSpPr>
+          <p:nvPr>
+            <p:ph type="ftr" sz="quarter" idx="11"/>
+          </p:nvPr>
+        </p:nvSpPr>
+        <p:spPr/>
+        <p:txBody>
+          <a:bodyPr/>
+          <a:lstStyle/>
+          <a:p>
+            <a:r>
+              <a:rPr lang="en-US"/>
+              <a:t>IST346: Info Tech Management &amp; Administration</a:t>
+            </a:r>
+            <a:endParaRPr lang="en-US" dirty="0"/>
+          </a:p>
+        </p:txBody>
+      </p:sp>
+      <p:sp>
+        <p:nvSpPr>
+          <p:cNvPr id="6" name="Slide Number Placeholder 5"/>
+          <p:cNvSpPr>
+            <a:spLocks noGrp="1"/>
+          </p:cNvSpPr>
+          <p:nvPr>
+            <p:ph type="sldNum" sz="quarter" idx="12"/>
+          </p:nvPr>
+        </p:nvSpPr>
+        <p:spPr/>
+        <p:txBody>
+          <a:bodyPr/>
+          <a:lstStyle/>
+          <a:p>
+            <a:fld id="{DF6669D1-DB19-4C99-869C-C84252016461}" type="slidenum">
+              <a:rPr lang="en-US" smtClean="0"/>
+              <a:pPr/>
+              <a:t>22</a:t>
+            </a:fld>
+            <a:endParaRPr lang="en-US" dirty="0"/>
+          </a:p>
+        </p:txBody>
+      </p:sp>
+    </p:spTree>
+    <p:extLst>
+      <p:ext uri="{BB962C8B-B14F-4D97-AF65-F5344CB8AC3E}">
+        <p14:creationId xmlns:p14="http://schemas.microsoft.com/office/powerpoint/2010/main" val="2273404507"/>
+      </p:ext>
+    </p:extLst>
+  </p:cSld>
+  <p:clrMapOvr>
+    <a:masterClrMapping/>
+  </p:clrMapOvr>
+</p:sld>
+</file>
+
+<file path=ppt/slides/slide23.xml><?xml version="1.0" encoding="utf-8"?>
+<p:sld xmlns:a="http://schemas.openxmlformats.org/drawingml/2006/main" xmlns:r="http://schemas.openxmlformats.org/officeDocument/2006/relationships" xmlns:p="http://schemas.openxmlformats.org/presentationml/2006/main">
+  <p:cSld>
+    <p:spTree>
+      <p:nvGrpSpPr>
+        <p:cNvPr id="1" name=""/>
+        <p:cNvGrpSpPr/>
+        <p:nvPr/>
+      </p:nvGrpSpPr>
+      <p:grpSpPr>
+        <a:xfrm>
+          <a:off x="0" y="0"/>
+          <a:ext cx="0" cy="0"/>
+          <a:chOff x="0" y="0"/>
+          <a:chExt cx="0" cy="0"/>
+        </a:xfrm>
+      </p:grpSpPr>
+      <p:sp>
+        <p:nvSpPr>
+          <p:cNvPr id="2" name="Title 1"/>
+          <p:cNvSpPr>
+            <a:spLocks noGrp="1"/>
+          </p:cNvSpPr>
+          <p:nvPr>
+            <p:ph type="title"/>
+          </p:nvPr>
+        </p:nvSpPr>
+        <p:spPr/>
+        <p:txBody>
           <a:bodyPr>
             <a:normAutofit fontScale="90000"/>
           </a:bodyPr>
           <a:lstStyle/>
           <a:p>
             <a:r>
-              <a:rPr lang="en-US" dirty="0" smtClean="0"/>
+              <a:rPr lang="en-US" dirty="0"/>
               <a:t>Protecting data</a:t>
             </a:r>
-            <a:endParaRPr lang="en-US" dirty="0"/>
           </a:p>
         </p:txBody>
       </p:sp>
@@ -16505,31 +16314,22 @@
               <a:rPr lang="en-US" sz="2600" dirty="0"/>
               <a:t>Run web services with only the minimal level of permissions that is needed. </a:t>
             </a:r>
-            <a:endParaRPr lang="en-US" sz="2600" dirty="0" smtClean="0"/>
           </a:p>
           <a:p>
             <a:pPr lvl="1"/>
             <a:r>
-              <a:rPr lang="en-US" sz="2800" dirty="0" smtClean="0"/>
+              <a:rPr lang="en-US" sz="2800" dirty="0"/>
+              <a:t>Use logging so if something does happen.</a:t>
+            </a:r>
+          </a:p>
+          <a:p>
+            <a:pPr lvl="1"/>
+            <a:r>
+              <a:rPr lang="en-US" sz="2800" dirty="0"/>
               <a:t>Use </a:t>
             </a:r>
             <a:r>
-              <a:rPr lang="en-US" sz="2800" dirty="0"/>
-              <a:t>logging so if something does </a:t>
-            </a:r>
-            <a:r>
-              <a:rPr lang="en-US" sz="2800" dirty="0" smtClean="0"/>
-              <a:t>happen.</a:t>
-            </a:r>
-          </a:p>
-          <a:p>
-            <a:pPr lvl="1"/>
-            <a:r>
-              <a:rPr lang="en-US" sz="2800" dirty="0" smtClean="0"/>
-              <a:t>Use </a:t>
-            </a:r>
-            <a:r>
-              <a:rPr lang="en-US" sz="2800" smtClean="0"/>
+              <a:rPr lang="en-US" sz="2800"/>
               <a:t>change control</a:t>
             </a:r>
             <a:endParaRPr lang="en-US" sz="2600" dirty="0"/>
@@ -16590,7 +16390,7 @@
           <a:p>
             <a:fld id="{CC9A5BDD-E521-4F15-B732-CB7D2151DF48}" type="datetime1">
               <a:rPr lang="en-US" smtClean="0"/>
-              <a:t>11/18/2014</a:t>
+              <a:t>11/6/2018</a:t>
             </a:fld>
             <a:endParaRPr lang="en-US" dirty="0"/>
           </a:p>
@@ -16612,7 +16412,7 @@
           <a:lstStyle/>
           <a:p>
             <a:r>
-              <a:rPr lang="en-US" smtClean="0"/>
+              <a:rPr lang="en-US"/>
               <a:t>IST346: Info Tech Management &amp; Administration</a:t>
             </a:r>
             <a:endParaRPr lang="en-US" dirty="0"/>
@@ -16637,7 +16437,7 @@
             <a:fld id="{2505CAEE-CB22-4B3A-A2B0-7938B12DF57C}" type="slidenum">
               <a:rPr lang="en-US" smtClean="0"/>
               <a:pPr/>
-              <a:t>22</a:t>
+              <a:t>23</a:t>
             </a:fld>
             <a:endParaRPr lang="en-US" dirty="0"/>
           </a:p>
@@ -16653,214 +16453,6 @@
   <p:clrMapOvr>
     <a:masterClrMapping/>
   </p:clrMapOvr>
-  <p:timing>
-    <p:tnLst>
-      <p:par>
-        <p:cTn id="1" dur="indefinite" restart="never" nodeType="tmRoot"/>
-      </p:par>
-    </p:tnLst>
-  </p:timing>
-</p:sld>
-</file>
-
-<file path=ppt/slides/slide23.xml><?xml version="1.0" encoding="utf-8"?>
-<p:sld xmlns:a="http://schemas.openxmlformats.org/drawingml/2006/main" xmlns:r="http://schemas.openxmlformats.org/officeDocument/2006/relationships" xmlns:p="http://schemas.openxmlformats.org/presentationml/2006/main">
-  <p:cSld>
-    <p:spTree>
-      <p:nvGrpSpPr>
-        <p:cNvPr id="1" name=""/>
-        <p:cNvGrpSpPr/>
-        <p:nvPr/>
-      </p:nvGrpSpPr>
-      <p:grpSpPr>
-        <a:xfrm>
-          <a:off x="0" y="0"/>
-          <a:ext cx="0" cy="0"/>
-          <a:chOff x="0" y="0"/>
-          <a:chExt cx="0" cy="0"/>
-        </a:xfrm>
-      </p:grpSpPr>
-      <p:sp>
-        <p:nvSpPr>
-          <p:cNvPr id="2" name="Title 1"/>
-          <p:cNvSpPr>
-            <a:spLocks noGrp="1"/>
-          </p:cNvSpPr>
-          <p:nvPr>
-            <p:ph type="title"/>
-          </p:nvPr>
-        </p:nvSpPr>
-        <p:spPr/>
-        <p:txBody>
-          <a:bodyPr/>
-          <a:lstStyle/>
-          <a:p>
-            <a:r>
-              <a:rPr lang="en-US" dirty="0" smtClean="0"/>
-              <a:t>Web Content Management</a:t>
-            </a:r>
-            <a:endParaRPr lang="en-US" dirty="0"/>
-          </a:p>
-        </p:txBody>
-      </p:sp>
-      <p:sp>
-        <p:nvSpPr>
-          <p:cNvPr id="3" name="Content Placeholder 2"/>
-          <p:cNvSpPr>
-            <a:spLocks noGrp="1"/>
-          </p:cNvSpPr>
-          <p:nvPr>
-            <p:ph sz="quarter" idx="1"/>
-          </p:nvPr>
-        </p:nvSpPr>
-        <p:spPr/>
-        <p:txBody>
-          <a:bodyPr/>
-          <a:lstStyle/>
-          <a:p>
-            <a:r>
-              <a:rPr lang="en-US" dirty="0" smtClean="0"/>
-              <a:t>Change control</a:t>
-            </a:r>
-          </a:p>
-          <a:p>
-            <a:pPr lvl="1"/>
-            <a:r>
-              <a:rPr lang="en-US" dirty="0" smtClean="0"/>
-              <a:t>Update – new material</a:t>
-            </a:r>
-          </a:p>
-          <a:p>
-            <a:pPr lvl="1"/>
-            <a:r>
-              <a:rPr lang="en-US" dirty="0" smtClean="0"/>
-              <a:t>Change – alter existing material</a:t>
-            </a:r>
-          </a:p>
-          <a:p>
-            <a:pPr lvl="1"/>
-            <a:r>
-              <a:rPr lang="en-US" dirty="0" smtClean="0"/>
-              <a:t>Fix – correct existing material</a:t>
-            </a:r>
-          </a:p>
-          <a:p>
-            <a:r>
-              <a:rPr lang="en-US" dirty="0" smtClean="0"/>
-              <a:t>Production websites at least should have:</a:t>
-            </a:r>
-          </a:p>
-          <a:p>
-            <a:pPr lvl="1"/>
-            <a:r>
-              <a:rPr lang="en-US" dirty="0" smtClean="0"/>
-              <a:t>Prod - obvious</a:t>
-            </a:r>
-          </a:p>
-          <a:p>
-            <a:pPr lvl="1"/>
-            <a:r>
-              <a:rPr lang="en-US" dirty="0" smtClean="0"/>
-              <a:t>Dev/Draft – where new changes are first made</a:t>
-            </a:r>
-          </a:p>
-          <a:p>
-            <a:pPr lvl="1"/>
-            <a:r>
-              <a:rPr lang="en-US" dirty="0" smtClean="0"/>
-              <a:t>Test/QA – final proofing before the rollout to prod</a:t>
-            </a:r>
-            <a:endParaRPr lang="en-US" dirty="0"/>
-          </a:p>
-        </p:txBody>
-      </p:sp>
-      <p:sp>
-        <p:nvSpPr>
-          <p:cNvPr id="4" name="Date Placeholder 3"/>
-          <p:cNvSpPr>
-            <a:spLocks noGrp="1"/>
-          </p:cNvSpPr>
-          <p:nvPr>
-            <p:ph type="dt" sz="half" idx="10"/>
-          </p:nvPr>
-        </p:nvSpPr>
-        <p:spPr/>
-        <p:txBody>
-          <a:bodyPr/>
-          <a:lstStyle/>
-          <a:p>
-            <a:fld id="{2FAC4F67-34D3-4140-A33B-833E3D45A6FC}" type="datetime1">
-              <a:rPr lang="en-US" smtClean="0"/>
-              <a:t>11/18/2014</a:t>
-            </a:fld>
-            <a:endParaRPr lang="en-US" dirty="0"/>
-          </a:p>
-        </p:txBody>
-      </p:sp>
-      <p:sp>
-        <p:nvSpPr>
-          <p:cNvPr id="5" name="Footer Placeholder 4"/>
-          <p:cNvSpPr>
-            <a:spLocks noGrp="1"/>
-          </p:cNvSpPr>
-          <p:nvPr>
-            <p:ph type="ftr" sz="quarter" idx="11"/>
-          </p:nvPr>
-        </p:nvSpPr>
-        <p:spPr/>
-        <p:txBody>
-          <a:bodyPr/>
-          <a:lstStyle/>
-          <a:p>
-            <a:r>
-              <a:rPr lang="en-US" smtClean="0"/>
-              <a:t>IST346: Info Tech Management &amp; Administration</a:t>
-            </a:r>
-            <a:endParaRPr lang="en-US" dirty="0"/>
-          </a:p>
-        </p:txBody>
-      </p:sp>
-      <p:sp>
-        <p:nvSpPr>
-          <p:cNvPr id="6" name="Slide Number Placeholder 5"/>
-          <p:cNvSpPr>
-            <a:spLocks noGrp="1"/>
-          </p:cNvSpPr>
-          <p:nvPr>
-            <p:ph type="sldNum" sz="quarter" idx="12"/>
-          </p:nvPr>
-        </p:nvSpPr>
-        <p:spPr/>
-        <p:txBody>
-          <a:bodyPr/>
-          <a:lstStyle/>
-          <a:p>
-            <a:fld id="{DF6669D1-DB19-4C99-869C-C84252016461}" type="slidenum">
-              <a:rPr lang="en-US" smtClean="0"/>
-              <a:pPr/>
-              <a:t>23</a:t>
-            </a:fld>
-            <a:endParaRPr lang="en-US" dirty="0"/>
-          </a:p>
-        </p:txBody>
-      </p:sp>
-    </p:spTree>
-    <p:extLst>
-      <p:ext uri="{BB962C8B-B14F-4D97-AF65-F5344CB8AC3E}">
-        <p14:creationId xmlns:p14="http://schemas.microsoft.com/office/powerpoint/2010/main" val="482928366"/>
-      </p:ext>
-    </p:extLst>
-  </p:cSld>
-  <p:clrMapOvr>
-    <a:masterClrMapping/>
-  </p:clrMapOvr>
-  <p:timing>
-    <p:tnLst>
-      <p:par>
-        <p:cTn id="1" dur="indefinite" restart="never" nodeType="tmRoot"/>
-      </p:par>
-    </p:tnLst>
-  </p:timing>
 </p:sld>
 </file>
 
@@ -16883,7 +16475,7 @@
       </p:grpSpPr>
       <p:sp>
         <p:nvSpPr>
-          <p:cNvPr id="4" name="Title 3"/>
+          <p:cNvPr id="2" name="Title 1"/>
           <p:cNvSpPr>
             <a:spLocks noGrp="1"/>
           </p:cNvSpPr>
@@ -16897,21 +16489,113 @@
           <a:lstStyle/>
           <a:p>
             <a:r>
-              <a:rPr lang="en-US" dirty="0" smtClean="0"/>
-              <a:t>Questions?</a:t>
-            </a:r>
+              <a:rPr lang="en-US" dirty="0"/>
+              <a:t>Web Content Management</a:t>
+            </a:r>
+          </a:p>
+        </p:txBody>
+      </p:sp>
+      <p:sp>
+        <p:nvSpPr>
+          <p:cNvPr id="3" name="Content Placeholder 2"/>
+          <p:cNvSpPr>
+            <a:spLocks noGrp="1"/>
+          </p:cNvSpPr>
+          <p:nvPr>
+            <p:ph sz="quarter" idx="1"/>
+          </p:nvPr>
+        </p:nvSpPr>
+        <p:spPr/>
+        <p:txBody>
+          <a:bodyPr/>
+          <a:lstStyle/>
+          <a:p>
+            <a:r>
+              <a:rPr lang="en-US" dirty="0"/>
+              <a:t>Change control</a:t>
+            </a:r>
+          </a:p>
+          <a:p>
+            <a:pPr lvl="1"/>
+            <a:r>
+              <a:rPr lang="en-US" dirty="0"/>
+              <a:t>Update – new material</a:t>
+            </a:r>
+          </a:p>
+          <a:p>
+            <a:pPr lvl="1"/>
+            <a:r>
+              <a:rPr lang="en-US" dirty="0"/>
+              <a:t>Change – alter existing material</a:t>
+            </a:r>
+          </a:p>
+          <a:p>
+            <a:pPr lvl="1"/>
+            <a:r>
+              <a:rPr lang="en-US" dirty="0"/>
+              <a:t>Fix – correct existing material</a:t>
+            </a:r>
+          </a:p>
+          <a:p>
+            <a:r>
+              <a:rPr lang="en-US" dirty="0"/>
+              <a:t>Production websites at least should have:</a:t>
+            </a:r>
+          </a:p>
+          <a:p>
+            <a:pPr lvl="1"/>
+            <a:r>
+              <a:rPr lang="en-US" dirty="0"/>
+              <a:t>Prod - obvious</a:t>
+            </a:r>
+          </a:p>
+          <a:p>
+            <a:pPr lvl="1"/>
+            <a:r>
+              <a:rPr lang="en-US" dirty="0"/>
+              <a:t>Dev/Draft – where new changes are first made</a:t>
+            </a:r>
+          </a:p>
+          <a:p>
+            <a:pPr lvl="1"/>
+            <a:r>
+              <a:rPr lang="en-US" dirty="0"/>
+              <a:t>Test/QA – final proofing before the rollout to prod</a:t>
+            </a:r>
+          </a:p>
+        </p:txBody>
+      </p:sp>
+      <p:sp>
+        <p:nvSpPr>
+          <p:cNvPr id="4" name="Date Placeholder 3"/>
+          <p:cNvSpPr>
+            <a:spLocks noGrp="1"/>
+          </p:cNvSpPr>
+          <p:nvPr>
+            <p:ph type="dt" sz="half" idx="10"/>
+          </p:nvPr>
+        </p:nvSpPr>
+        <p:spPr/>
+        <p:txBody>
+          <a:bodyPr/>
+          <a:lstStyle/>
+          <a:p>
+            <a:fld id="{2FAC4F67-34D3-4140-A33B-833E3D45A6FC}" type="datetime1">
+              <a:rPr lang="en-US" smtClean="0"/>
+              <a:t>11/6/2018</a:t>
+            </a:fld>
             <a:endParaRPr lang="en-US" dirty="0"/>
           </a:p>
         </p:txBody>
       </p:sp>
       <p:sp>
         <p:nvSpPr>
-          <p:cNvPr id="5" name="Text Placeholder 4"/>
-          <p:cNvSpPr>
-            <a:spLocks noGrp="1"/>
-          </p:cNvSpPr>
-          <p:nvPr>
-            <p:ph type="body" idx="1"/>
+          <p:cNvPr id="5" name="Footer Placeholder 4"/>
+          <p:cNvSpPr>
+            <a:spLocks noGrp="1"/>
+          </p:cNvSpPr>
+          <p:nvPr>
+            <p:ph type="ftr" sz="quarter" idx="11"/>
           </p:nvPr>
         </p:nvSpPr>
         <p:spPr/>
@@ -16920,55 +16604,7 @@
           <a:lstStyle/>
           <a:p>
             <a:r>
-              <a:rPr lang="en-US" dirty="0"/>
-              <a:t>Can atheists get insurance for acts of God?</a:t>
-            </a:r>
-          </a:p>
-          <a:p>
-            <a:endParaRPr lang="en-US" dirty="0"/>
-          </a:p>
-        </p:txBody>
-      </p:sp>
-      <p:sp>
-        <p:nvSpPr>
-          <p:cNvPr id="2" name="Date Placeholder 1"/>
-          <p:cNvSpPr>
-            <a:spLocks noGrp="1"/>
-          </p:cNvSpPr>
-          <p:nvPr>
-            <p:ph type="dt" sz="half" idx="10"/>
-          </p:nvPr>
-        </p:nvSpPr>
-        <p:spPr/>
-        <p:txBody>
-          <a:bodyPr/>
-          <a:lstStyle/>
-          <a:p>
-            <a:fld id="{7705017F-90B5-4C7F-BA9D-6953BD742F4A}" type="datetime1">
-              <a:rPr lang="en-US" smtClean="0"/>
-              <a:t>11/18/2014</a:t>
-            </a:fld>
-            <a:endParaRPr lang="en-US"/>
-          </a:p>
-        </p:txBody>
-      </p:sp>
-      <p:sp>
-        <p:nvSpPr>
-          <p:cNvPr id="3" name="Footer Placeholder 2"/>
-          <p:cNvSpPr>
-            <a:spLocks noGrp="1"/>
-          </p:cNvSpPr>
-          <p:nvPr>
-            <p:ph type="ftr" sz="quarter" idx="11"/>
-          </p:nvPr>
-        </p:nvSpPr>
-        <p:spPr/>
-        <p:txBody>
-          <a:bodyPr/>
-          <a:lstStyle/>
-          <a:p>
-            <a:r>
-              <a:rPr lang="en-US" smtClean="0"/>
+              <a:rPr lang="en-US"/>
               <a:t>IST346: Info Tech Management &amp; Administration</a:t>
             </a:r>
             <a:endParaRPr lang="en-US" dirty="0"/>
@@ -16995,27 +16631,235 @@
               <a:pPr/>
               <a:t>24</a:t>
             </a:fld>
-            <a:endParaRPr lang="en-US"/>
+            <a:endParaRPr lang="en-US" dirty="0"/>
           </a:p>
         </p:txBody>
       </p:sp>
     </p:spTree>
     <p:extLst>
       <p:ext uri="{BB962C8B-B14F-4D97-AF65-F5344CB8AC3E}">
-        <p14:creationId xmlns:p14="http://schemas.microsoft.com/office/powerpoint/2010/main" val="3768621203"/>
+        <p14:creationId xmlns:p14="http://schemas.microsoft.com/office/powerpoint/2010/main" val="482928366"/>
       </p:ext>
     </p:extLst>
   </p:cSld>
   <p:clrMapOvr>
     <a:masterClrMapping/>
   </p:clrMapOvr>
-  <p:timing>
-    <p:tnLst>
-      <p:par>
-        <p:cTn id="1" dur="indefinite" restart="never" nodeType="tmRoot"/>
-      </p:par>
-    </p:tnLst>
-  </p:timing>
+</p:sld>
+</file>
+
+<file path=ppt/slides/slide25.xml><?xml version="1.0" encoding="utf-8"?>
+<p:sld xmlns:a="http://schemas.openxmlformats.org/drawingml/2006/main" xmlns:r="http://schemas.openxmlformats.org/officeDocument/2006/relationships" xmlns:p="http://schemas.openxmlformats.org/presentationml/2006/main">
+  <p:cSld>
+    <p:spTree>
+      <p:nvGrpSpPr>
+        <p:cNvPr id="1" name=""/>
+        <p:cNvGrpSpPr/>
+        <p:nvPr/>
+      </p:nvGrpSpPr>
+      <p:grpSpPr>
+        <a:xfrm>
+          <a:off x="0" y="0"/>
+          <a:ext cx="0" cy="0"/>
+          <a:chOff x="0" y="0"/>
+          <a:chExt cx="0" cy="0"/>
+        </a:xfrm>
+      </p:grpSpPr>
+      <p:sp>
+        <p:nvSpPr>
+          <p:cNvPr id="2" name="Content Placeholder 1">
+            <a:extLst>
+              <a:ext uri="{FF2B5EF4-FFF2-40B4-BE49-F238E27FC236}">
+                <a16:creationId xmlns:a16="http://schemas.microsoft.com/office/drawing/2014/main" id="{F49AAFFC-5AEF-4B95-A335-5C65AAD5E11D}"/>
+              </a:ext>
+            </a:extLst>
+          </p:cNvPr>
+          <p:cNvSpPr>
+            <a:spLocks noGrp="1"/>
+          </p:cNvSpPr>
+          <p:nvPr>
+            <p:ph idx="1"/>
+          </p:nvPr>
+        </p:nvSpPr>
+        <p:spPr/>
+        <p:txBody>
+          <a:bodyPr/>
+          <a:lstStyle/>
+          <a:p>
+            <a:r>
+              <a:rPr lang="en-US" dirty="0"/>
+              <a:t>What is an API</a:t>
+            </a:r>
+          </a:p>
+          <a:p>
+            <a:r>
+              <a:rPr lang="en-US" dirty="0"/>
+              <a:t>What is a web API</a:t>
+            </a:r>
+          </a:p>
+          <a:p>
+            <a:r>
+              <a:rPr lang="en-US" dirty="0"/>
+              <a:t>XML</a:t>
+            </a:r>
+          </a:p>
+          <a:p>
+            <a:r>
+              <a:rPr lang="en-US" dirty="0"/>
+              <a:t>JSON</a:t>
+            </a:r>
+          </a:p>
+          <a:p>
+            <a:r>
+              <a:rPr lang="en-US" dirty="0"/>
+              <a:t>REST / </a:t>
+            </a:r>
+            <a:r>
+              <a:rPr lang="en-US" dirty="0" err="1"/>
+              <a:t>RESTFul</a:t>
+            </a:r>
+            <a:endParaRPr lang="en-US" dirty="0"/>
+          </a:p>
+          <a:p>
+            <a:r>
+              <a:rPr lang="en-US" dirty="0"/>
+              <a:t>Back End Services</a:t>
+            </a:r>
+          </a:p>
+          <a:p>
+            <a:r>
+              <a:rPr lang="en-US" dirty="0"/>
+              <a:t>Microservices and Web</a:t>
+            </a:r>
+          </a:p>
+        </p:txBody>
+      </p:sp>
+      <p:sp>
+        <p:nvSpPr>
+          <p:cNvPr id="3" name="Date Placeholder 2">
+            <a:extLst>
+              <a:ext uri="{FF2B5EF4-FFF2-40B4-BE49-F238E27FC236}">
+                <a16:creationId xmlns:a16="http://schemas.microsoft.com/office/drawing/2014/main" id="{D93246B0-F76F-4083-887E-EB420B548C19}"/>
+              </a:ext>
+            </a:extLst>
+          </p:cNvPr>
+          <p:cNvSpPr>
+            <a:spLocks noGrp="1"/>
+          </p:cNvSpPr>
+          <p:nvPr>
+            <p:ph type="dt" sz="half" idx="10"/>
+          </p:nvPr>
+        </p:nvSpPr>
+        <p:spPr/>
+        <p:txBody>
+          <a:bodyPr/>
+          <a:lstStyle/>
+          <a:p>
+            <a:fld id="{6DAC6E6E-8E85-43A3-8EC5-FB8163E10294}" type="datetime1">
+              <a:rPr lang="en-US" smtClean="0"/>
+              <a:t>11/6/2018</a:t>
+            </a:fld>
+            <a:endParaRPr lang="en-US" dirty="0"/>
+          </a:p>
+        </p:txBody>
+      </p:sp>
+      <p:sp>
+        <p:nvSpPr>
+          <p:cNvPr id="4" name="Footer Placeholder 3">
+            <a:extLst>
+              <a:ext uri="{FF2B5EF4-FFF2-40B4-BE49-F238E27FC236}">
+                <a16:creationId xmlns:a16="http://schemas.microsoft.com/office/drawing/2014/main" id="{88A818DB-DF2D-4D1C-A80B-A5B1B3588FA1}"/>
+              </a:ext>
+            </a:extLst>
+          </p:cNvPr>
+          <p:cNvSpPr>
+            <a:spLocks noGrp="1"/>
+          </p:cNvSpPr>
+          <p:nvPr>
+            <p:ph type="ftr" sz="quarter" idx="11"/>
+          </p:nvPr>
+        </p:nvSpPr>
+        <p:spPr/>
+        <p:txBody>
+          <a:bodyPr/>
+          <a:lstStyle/>
+          <a:p>
+            <a:r>
+              <a:rPr lang="en-US"/>
+              <a:t>IST346: Info Tech Management &amp; Administration</a:t>
+            </a:r>
+            <a:endParaRPr lang="en-US" dirty="0"/>
+          </a:p>
+        </p:txBody>
+      </p:sp>
+      <p:sp>
+        <p:nvSpPr>
+          <p:cNvPr id="5" name="Slide Number Placeholder 4">
+            <a:extLst>
+              <a:ext uri="{FF2B5EF4-FFF2-40B4-BE49-F238E27FC236}">
+                <a16:creationId xmlns:a16="http://schemas.microsoft.com/office/drawing/2014/main" id="{CCF17D30-A059-48CF-B360-33DC2630C3E0}"/>
+              </a:ext>
+            </a:extLst>
+          </p:cNvPr>
+          <p:cNvSpPr>
+            <a:spLocks noGrp="1"/>
+          </p:cNvSpPr>
+          <p:nvPr>
+            <p:ph type="sldNum" sz="quarter" idx="12"/>
+          </p:nvPr>
+        </p:nvSpPr>
+        <p:spPr/>
+        <p:txBody>
+          <a:bodyPr/>
+          <a:lstStyle/>
+          <a:p>
+            <a:fld id="{DF6669D1-DB19-4C99-869C-C84252016461}" type="slidenum">
+              <a:rPr lang="en-US" smtClean="0"/>
+              <a:pPr/>
+              <a:t>25</a:t>
+            </a:fld>
+            <a:endParaRPr lang="en-US" dirty="0"/>
+          </a:p>
+        </p:txBody>
+      </p:sp>
+      <p:sp>
+        <p:nvSpPr>
+          <p:cNvPr id="6" name="Title 5">
+            <a:extLst>
+              <a:ext uri="{FF2B5EF4-FFF2-40B4-BE49-F238E27FC236}">
+                <a16:creationId xmlns:a16="http://schemas.microsoft.com/office/drawing/2014/main" id="{AA4CA3E1-1F67-49E0-BE50-93FFD5DDE66E}"/>
+              </a:ext>
+            </a:extLst>
+          </p:cNvPr>
+          <p:cNvSpPr>
+            <a:spLocks noGrp="1"/>
+          </p:cNvSpPr>
+          <p:nvPr>
+            <p:ph type="title"/>
+          </p:nvPr>
+        </p:nvSpPr>
+        <p:spPr/>
+        <p:txBody>
+          <a:bodyPr/>
+          <a:lstStyle/>
+          <a:p>
+            <a:r>
+              <a:rPr lang="en-US" dirty="0"/>
+              <a:t>TODO Web APIs</a:t>
+            </a:r>
+          </a:p>
+        </p:txBody>
+      </p:sp>
+    </p:spTree>
+    <p:extLst>
+      <p:ext uri="{BB962C8B-B14F-4D97-AF65-F5344CB8AC3E}">
+        <p14:creationId xmlns:p14="http://schemas.microsoft.com/office/powerpoint/2010/main" val="2848930132"/>
+      </p:ext>
+    </p:extLst>
+  </p:cSld>
+  <p:clrMapOvr>
+    <a:masterClrMapping/>
+  </p:clrMapOvr>
 </p:sld>
 </file>
 
@@ -17052,10 +16896,9 @@
           <a:lstStyle/>
           <a:p>
             <a:r>
-              <a:rPr lang="en-US" dirty="0" smtClean="0"/>
+              <a:rPr lang="en-US" dirty="0"/>
               <a:t>What is a website?</a:t>
             </a:r>
-            <a:endParaRPr lang="en-US" dirty="0"/>
           </a:p>
         </p:txBody>
       </p:sp>
@@ -17077,76 +16920,63 @@
           <a:lstStyle/>
           <a:p>
             <a:r>
-              <a:rPr lang="en-US" dirty="0" smtClean="0"/>
+              <a:rPr lang="en-US" dirty="0"/>
               <a:t>“A way of presenting information to users using a client/server model.”</a:t>
             </a:r>
           </a:p>
           <a:p>
             <a:r>
-              <a:rPr lang="en-US" dirty="0" smtClean="0"/>
+              <a:rPr lang="en-US" dirty="0"/>
               <a:t>Built upon open standards, the successes of websites on the internet are hinged upon this</a:t>
             </a:r>
           </a:p>
           <a:p>
             <a:r>
-              <a:rPr lang="en-US" dirty="0" smtClean="0"/>
+              <a:rPr lang="en-US" dirty="0"/>
               <a:t>Data can be accessed by any client that speaks http</a:t>
             </a:r>
           </a:p>
           <a:p>
             <a:r>
-              <a:rPr lang="en-US" dirty="0" smtClean="0"/>
+              <a:rPr lang="en-US" dirty="0"/>
               <a:t>Website can consist of static content (html, images, etc..) or dynamic content through interpreted code (</a:t>
             </a:r>
             <a:r>
-              <a:rPr lang="en-US" dirty="0" err="1" smtClean="0"/>
+              <a:rPr lang="en-US" dirty="0" err="1"/>
               <a:t>asp,php,jsp</a:t>
             </a:r>
             <a:r>
               <a:rPr lang="en-US" dirty="0"/>
               <a:t>)</a:t>
             </a:r>
-            <a:endParaRPr lang="en-US" dirty="0" smtClean="0"/>
-          </a:p>
-          <a:p>
-            <a:r>
-              <a:rPr lang="en-US" dirty="0" smtClean="0"/>
+          </a:p>
+          <a:p>
+            <a:r>
+              <a:rPr lang="en-US" dirty="0"/>
               <a:t>Code and applications can be run on the web server and delivered to the client in the form of html, or can be shipped to the client browser for processing</a:t>
             </a:r>
           </a:p>
           <a:p>
-            <a:endParaRPr lang="en-US" sz="2800" i="1" dirty="0" smtClean="0"/>
-          </a:p>
-          <a:p>
-            <a:r>
-              <a:rPr lang="en-US" sz="2800" i="1" dirty="0" smtClean="0"/>
-              <a:t>INTERESTING </a:t>
-            </a:r>
+            <a:endParaRPr lang="en-US" sz="2800" i="1" dirty="0"/>
+          </a:p>
+          <a:p>
             <a:r>
               <a:rPr lang="en-US" sz="2800" i="1" dirty="0"/>
-              <a:t>STAT</a:t>
+              <a:t>INTERESTING STAT</a:t>
             </a:r>
             <a:r>
               <a:rPr lang="en-US" sz="2800" dirty="0"/>
-              <a:t>: Half a billion people accessed the internet via their mobile device in </a:t>
-            </a:r>
-            <a:r>
-              <a:rPr lang="en-US" sz="2800" dirty="0" smtClean="0"/>
-              <a:t>2009</a:t>
-            </a:r>
-          </a:p>
-          <a:p>
-            <a:r>
-              <a:rPr lang="en-US" sz="2800" i="1" dirty="0" smtClean="0"/>
+              <a:t>: Half a billion people accessed the internet via their mobile device in 2009</a:t>
+            </a:r>
+          </a:p>
+          <a:p>
+            <a:r>
+              <a:rPr lang="en-US" sz="2800" i="1" dirty="0"/>
               <a:t>MORE INTERESTING:  </a:t>
             </a:r>
             <a:r>
-              <a:rPr lang="en-US" sz="2800" dirty="0" smtClean="0"/>
+              <a:rPr lang="en-US" sz="2800" dirty="0"/>
               <a:t>1.2 billion mobile web users in 2011…roughly 17% of the world population!</a:t>
-            </a:r>
-            <a:r>
-              <a:rPr lang="en-US" sz="2800" dirty="0"/>
-              <a:t/>
             </a:r>
             <a:br>
               <a:rPr lang="en-US" sz="2800" dirty="0"/>
@@ -17178,7 +17008,7 @@
           <a:p>
             <a:fld id="{4F06DFEA-87D8-40DB-8D74-BB286E5D186C}" type="datetime1">
               <a:rPr lang="en-US" smtClean="0"/>
-              <a:t>11/18/2014</a:t>
+              <a:t>11/6/2018</a:t>
             </a:fld>
             <a:endParaRPr lang="en-US" dirty="0"/>
           </a:p>
@@ -17200,7 +17030,7 @@
           <a:lstStyle/>
           <a:p>
             <a:r>
-              <a:rPr lang="en-US" smtClean="0"/>
+              <a:rPr lang="en-US"/>
               <a:t>IST346: Info Tech Management &amp; Administration</a:t>
             </a:r>
             <a:endParaRPr lang="en-US" dirty="0"/>
@@ -17277,10 +17107,9 @@
           <a:lstStyle/>
           <a:p>
             <a:r>
-              <a:rPr lang="en-US" dirty="0" smtClean="0"/>
+              <a:rPr lang="en-US" dirty="0"/>
               <a:t>Terms and Ports</a:t>
             </a:r>
-            <a:endParaRPr lang="en-US" dirty="0"/>
           </a:p>
         </p:txBody>
       </p:sp>
@@ -17312,27 +17141,15 @@
           </a:p>
           <a:p>
             <a:r>
-              <a:rPr lang="en-US" dirty="0" smtClean="0"/>
-              <a:t>Has </a:t>
-            </a:r>
-            <a:r>
-              <a:rPr lang="en-US" dirty="0"/>
-              <a:t>anyone ever seen an address that looks like the </a:t>
-            </a:r>
-            <a:r>
-              <a:rPr lang="en-US" dirty="0" smtClean="0"/>
-              <a:t>following</a:t>
+              <a:rPr lang="en-US" dirty="0"/>
+              <a:t>Has anyone ever seen an address that looks like the following</a:t>
             </a:r>
           </a:p>
           <a:p>
             <a:pPr lvl="1"/>
             <a:r>
-              <a:rPr lang="en-US" dirty="0" smtClean="0"/>
-              <a:t>http</a:t>
-            </a:r>
-            <a:r>
-              <a:rPr lang="en-US" dirty="0"/>
-              <a:t>://www.somewebsite.com:8080</a:t>
+              <a:rPr lang="en-US" dirty="0"/>
+              <a:t>http://www.somewebsite.com:8080</a:t>
             </a:r>
           </a:p>
           <a:p>
@@ -17345,13 +17162,8 @@
           <a:p>
             <a:r>
               <a:rPr lang="en-US" dirty="0"/>
-              <a:t>Can also start with https (hyper text transport protocol secured, typically port 443 but can </a:t>
-            </a:r>
-            <a:r>
-              <a:rPr lang="en-US" dirty="0" smtClean="0"/>
-              <a:t>differ)</a:t>
-            </a:r>
-            <a:endParaRPr lang="en-US" dirty="0"/>
+              <a:t>Can also start with https (hyper text transport protocol secured, typically port 443 but can differ)</a:t>
+            </a:r>
           </a:p>
           <a:p>
             <a:endParaRPr lang="en-US" dirty="0"/>
@@ -17375,7 +17187,7 @@
           <a:p>
             <a:fld id="{123F455E-610A-419D-AC3B-D7B17B7347F9}" type="datetime1">
               <a:rPr lang="en-US" smtClean="0"/>
-              <a:t>11/18/2014</a:t>
+              <a:t>11/6/2018</a:t>
             </a:fld>
             <a:endParaRPr lang="en-US" dirty="0"/>
           </a:p>
@@ -17397,7 +17209,7 @@
           <a:lstStyle/>
           <a:p>
             <a:r>
-              <a:rPr lang="en-US" smtClean="0"/>
+              <a:rPr lang="en-US"/>
               <a:t>IST346: Info Tech Management &amp; Administration</a:t>
             </a:r>
             <a:endParaRPr lang="en-US" dirty="0"/>
@@ -17506,13 +17318,8 @@
             <a:pPr lvl="1"/>
             <a:r>
               <a:rPr lang="en-US" dirty="0"/>
-              <a:t>Webmaster </a:t>
-            </a:r>
-            <a:r>
-              <a:rPr lang="en-US" dirty="0" smtClean="0"/>
-              <a:t>(a very outdated term)</a:t>
-            </a:r>
-            <a:endParaRPr lang="en-US" dirty="0"/>
+              <a:t>Webmaster (a very outdated term)</a:t>
+            </a:r>
           </a:p>
           <a:p>
             <a:pPr lvl="2"/>
@@ -17530,15 +17337,7 @@
             <a:pPr lvl="2"/>
             <a:r>
               <a:rPr lang="en-US" dirty="0"/>
-              <a:t>What is classically </a:t>
-            </a:r>
-            <a:r>
-              <a:rPr lang="en-US" dirty="0" smtClean="0"/>
-              <a:t>thought </a:t>
-            </a:r>
-            <a:r>
-              <a:rPr lang="en-US" dirty="0"/>
-              <a:t>of when creating websites / webpages.</a:t>
+              <a:t>What is classically thought of when creating websites / webpages.</a:t>
             </a:r>
           </a:p>
           <a:p>
@@ -17552,15 +17351,7 @@
             <a:pPr lvl="2"/>
             <a:r>
               <a:rPr lang="en-US" dirty="0"/>
-              <a:t>Person responsible for administering webserver </a:t>
-            </a:r>
-            <a:r>
-              <a:rPr lang="en-US" dirty="0" smtClean="0"/>
-              <a:t>(machine or </a:t>
-            </a:r>
-            <a:r>
-              <a:rPr lang="en-US" dirty="0"/>
-              <a:t>VM), create virtual directories, virtual sites, patching, backups, etc.</a:t>
+              <a:t>Person responsible for administering webserver (machine or VM), create virtual directories, virtual sites, patching, backups, etc.</a:t>
             </a:r>
           </a:p>
           <a:p>
@@ -17580,12 +17371,8 @@
           <a:p>
             <a:pPr lvl="2"/>
             <a:r>
-              <a:rPr lang="en-US" dirty="0" smtClean="0"/>
-              <a:t>But </a:t>
-            </a:r>
-            <a:r>
-              <a:rPr lang="en-US" dirty="0"/>
-              <a:t>NOT the same person for midsized or larger companies.</a:t>
+              <a:rPr lang="en-US" dirty="0"/>
+              <a:t>But NOT the same person for midsized or larger companies.</a:t>
             </a:r>
           </a:p>
           <a:p>
@@ -17610,7 +17397,7 @@
           <a:p>
             <a:fld id="{6DC41948-E2FB-4735-A482-F06819F9DFC6}" type="datetime1">
               <a:rPr lang="en-US" smtClean="0"/>
-              <a:t>11/18/2014</a:t>
+              <a:t>11/6/2018</a:t>
             </a:fld>
             <a:endParaRPr lang="en-US" dirty="0"/>
           </a:p>
@@ -17632,7 +17419,7 @@
           <a:lstStyle/>
           <a:p>
             <a:r>
-              <a:rPr lang="en-US" smtClean="0"/>
+              <a:rPr lang="en-US"/>
               <a:t>IST346: Info Tech Management &amp; Administration</a:t>
             </a:r>
             <a:endParaRPr lang="en-US" dirty="0"/>
@@ -17709,10 +17496,9 @@
           <a:lstStyle/>
           <a:p>
             <a:r>
-              <a:rPr lang="en-US" dirty="0" smtClean="0"/>
+              <a:rPr lang="en-US" dirty="0"/>
               <a:t>Website basic dependencies</a:t>
             </a:r>
-            <a:endParaRPr lang="en-US" dirty="0"/>
           </a:p>
         </p:txBody>
       </p:sp>
@@ -17732,7 +17518,7 @@
           <a:lstStyle/>
           <a:p>
             <a:r>
-              <a:rPr lang="en-US" dirty="0" smtClean="0"/>
+              <a:rPr lang="en-US" dirty="0"/>
               <a:t>Web server(s)</a:t>
             </a:r>
           </a:p>
@@ -17745,48 +17531,44 @@
           <a:p>
             <a:r>
               <a:rPr lang="en-US" dirty="0"/>
-              <a:t>DNS (internal and root DNS servers</a:t>
-            </a:r>
-            <a:r>
-              <a:rPr lang="en-US" dirty="0" smtClean="0"/>
-              <a:t>)</a:t>
-            </a:r>
-          </a:p>
-          <a:p>
-            <a:r>
-              <a:rPr lang="en-US" dirty="0" smtClean="0"/>
+              <a:t>DNS (internal and root DNS servers)</a:t>
+            </a:r>
+          </a:p>
+          <a:p>
+            <a:r>
+              <a:rPr lang="en-US" dirty="0"/>
               <a:t>Client (browsers)</a:t>
             </a:r>
           </a:p>
           <a:p>
             <a:r>
-              <a:rPr lang="en-US" dirty="0" smtClean="0"/>
+              <a:rPr lang="en-US" dirty="0"/>
               <a:t>Code interpreter (for applications)</a:t>
             </a:r>
           </a:p>
           <a:p>
             <a:pPr lvl="1"/>
             <a:r>
-              <a:rPr lang="en-US" dirty="0" smtClean="0"/>
+              <a:rPr lang="en-US" dirty="0"/>
               <a:t>On the web server (server-side apps)</a:t>
             </a:r>
           </a:p>
           <a:p>
             <a:pPr lvl="1"/>
             <a:r>
-              <a:rPr lang="en-US" dirty="0" smtClean="0"/>
+              <a:rPr lang="en-US" dirty="0"/>
               <a:t>On the client (web plugins or native interpreter)</a:t>
             </a:r>
           </a:p>
           <a:p>
             <a:r>
-              <a:rPr lang="en-US" dirty="0" smtClean="0"/>
+              <a:rPr lang="en-US" dirty="0"/>
               <a:t>Content store/database (may not be local to the webserver)</a:t>
             </a:r>
           </a:p>
           <a:p>
             <a:r>
-              <a:rPr lang="en-US" dirty="0" smtClean="0"/>
+              <a:rPr lang="en-US" dirty="0"/>
               <a:t>Other web servers?</a:t>
             </a:r>
           </a:p>
@@ -17809,7 +17591,7 @@
           <a:p>
             <a:fld id="{943D0930-CFC5-4D5B-B637-1816AAC98265}" type="datetime1">
               <a:rPr lang="en-US" smtClean="0"/>
-              <a:t>11/18/2014</a:t>
+              <a:t>11/6/2018</a:t>
             </a:fld>
             <a:endParaRPr lang="en-US" dirty="0"/>
           </a:p>
@@ -17831,7 +17613,7 @@
           <a:lstStyle/>
           <a:p>
             <a:r>
-              <a:rPr lang="en-US" smtClean="0"/>
+              <a:rPr lang="en-US"/>
               <a:t>IST346: Info Tech Management &amp; Administration</a:t>
             </a:r>
             <a:endParaRPr lang="en-US" dirty="0"/>
@@ -17908,10 +17690,9 @@
           <a:lstStyle/>
           <a:p>
             <a:r>
-              <a:rPr lang="en-US" dirty="0" smtClean="0"/>
+              <a:rPr lang="en-US" dirty="0"/>
               <a:t>Web servers</a:t>
             </a:r>
-            <a:endParaRPr lang="en-US" dirty="0"/>
           </a:p>
         </p:txBody>
       </p:sp>
@@ -17931,73 +17712,72 @@
           <a:lstStyle/>
           <a:p>
             <a:r>
-              <a:rPr lang="en-US" dirty="0" smtClean="0"/>
+              <a:rPr lang="en-US" dirty="0"/>
               <a:t>Commonly used examples are LAMP (</a:t>
             </a:r>
             <a:r>
-              <a:rPr lang="en-US" dirty="0" err="1" smtClean="0"/>
+              <a:rPr lang="en-US" dirty="0" err="1"/>
               <a:t>linux,apache,mysql,php</a:t>
             </a:r>
             <a:r>
-              <a:rPr lang="en-US" dirty="0" smtClean="0"/>
+              <a:rPr lang="en-US" dirty="0"/>
               <a:t>), IIS (internet information server)</a:t>
             </a:r>
           </a:p>
           <a:p>
             <a:r>
-              <a:rPr lang="en-US" dirty="0" smtClean="0"/>
+              <a:rPr lang="en-US" dirty="0"/>
               <a:t>Can be architected in different ways:</a:t>
             </a:r>
           </a:p>
           <a:p>
             <a:pPr lvl="1"/>
             <a:r>
-              <a:rPr lang="en-US" dirty="0" smtClean="0"/>
+              <a:rPr lang="en-US" dirty="0"/>
               <a:t>Single web server, single website</a:t>
             </a:r>
           </a:p>
           <a:p>
             <a:pPr lvl="1"/>
             <a:r>
-              <a:rPr lang="en-US" dirty="0" smtClean="0"/>
+              <a:rPr lang="en-US" dirty="0"/>
               <a:t>Single web server, multiple websites</a:t>
             </a:r>
           </a:p>
           <a:p>
             <a:pPr lvl="2"/>
             <a:r>
-              <a:rPr lang="en-US" dirty="0" smtClean="0"/>
+              <a:rPr lang="en-US" dirty="0"/>
               <a:t>Multiple TCP ports (80, 81, 8080, 85, etc..)</a:t>
             </a:r>
           </a:p>
           <a:p>
             <a:pPr lvl="2"/>
             <a:r>
-              <a:rPr lang="en-US" dirty="0" smtClean="0"/>
+              <a:rPr lang="en-US" dirty="0"/>
               <a:t>Multiple network interfaces/IP addresses</a:t>
             </a:r>
           </a:p>
           <a:p>
             <a:pPr lvl="2"/>
             <a:r>
-              <a:rPr lang="en-US" dirty="0" smtClean="0"/>
+              <a:rPr lang="en-US" dirty="0"/>
               <a:t>Host header values (multiple IP addresses and DNS records pointing to the same server)</a:t>
             </a:r>
           </a:p>
           <a:p>
             <a:pPr lvl="1"/>
             <a:r>
-              <a:rPr lang="en-US" dirty="0" smtClean="0"/>
+              <a:rPr lang="en-US" dirty="0"/>
               <a:t>Multiple web servers, single website</a:t>
             </a:r>
           </a:p>
           <a:p>
             <a:pPr lvl="2"/>
             <a:r>
-              <a:rPr lang="en-US" dirty="0" smtClean="0"/>
+              <a:rPr lang="en-US" dirty="0"/>
               <a:t>Or better known from previous topics as “horizontal scaling”</a:t>
             </a:r>
-            <a:endParaRPr lang="en-US" dirty="0"/>
           </a:p>
         </p:txBody>
       </p:sp>
@@ -18018,7 +17798,7 @@
           <a:p>
             <a:fld id="{D6156113-1191-4DA3-9D3F-CABD44CC01C7}" type="datetime1">
               <a:rPr lang="en-US" smtClean="0"/>
-              <a:t>11/18/2014</a:t>
+              <a:t>11/6/2018</a:t>
             </a:fld>
             <a:endParaRPr lang="en-US" dirty="0"/>
           </a:p>
@@ -18040,7 +17820,7 @@
           <a:lstStyle/>
           <a:p>
             <a:r>
-              <a:rPr lang="en-US" smtClean="0"/>
+              <a:rPr lang="en-US"/>
               <a:t>IST346: Info Tech Management &amp; Administration</a:t>
             </a:r>
             <a:endParaRPr lang="en-US" dirty="0"/>
@@ -18162,7 +17942,7 @@
           <a:p>
             <a:fld id="{3263B943-1321-401C-B340-46D050E89F9B}" type="datetime1">
               <a:rPr lang="en-US" smtClean="0"/>
-              <a:t>11/18/2014</a:t>
+              <a:t>11/6/2018</a:t>
             </a:fld>
             <a:endParaRPr lang="en-US" dirty="0"/>
           </a:p>
@@ -18184,7 +17964,7 @@
           <a:lstStyle/>
           <a:p>
             <a:r>
-              <a:rPr lang="en-US" smtClean="0"/>
+              <a:rPr lang="en-US"/>
               <a:t>IST346: Info Tech Management &amp; Administration</a:t>
             </a:r>
             <a:endParaRPr lang="en-US" dirty="0"/>
@@ -18263,10 +18043,9 @@
           <a:lstStyle/>
           <a:p>
             <a:r>
-              <a:rPr lang="en-US" dirty="0" smtClean="0"/>
+              <a:rPr lang="en-US" dirty="0"/>
               <a:t>The Web at work</a:t>
             </a:r>
-            <a:endParaRPr lang="en-US" dirty="0"/>
           </a:p>
         </p:txBody>
       </p:sp>
@@ -18307,109 +18086,57 @@
           <a:p>
             <a:pPr algn="ctr"/>
             <a:r>
-              <a:rPr lang="en-US" dirty="0" smtClean="0"/>
+              <a:rPr lang="en-US" dirty="0"/>
               <a:t>Your computer</a:t>
             </a:r>
             <a:br>
-              <a:rPr lang="en-US" dirty="0" smtClean="0"/>
+              <a:rPr lang="en-US" dirty="0"/>
             </a:br>
             <a:r>
-              <a:rPr lang="en-US" dirty="0" smtClean="0"/>
+              <a:rPr lang="en-US" dirty="0"/>
               <a:t>IP: 192.168.0.55</a:t>
             </a:r>
             <a:br>
-              <a:rPr lang="en-US" dirty="0" smtClean="0"/>
+              <a:rPr lang="en-US" dirty="0"/>
             </a:br>
-            <a:r>
-              <a:rPr lang="en-US" dirty="0" smtClean="0"/>
-              <a:t/>
-            </a:r>
             <a:br>
-              <a:rPr lang="en-US" dirty="0" smtClean="0"/>
+              <a:rPr lang="en-US" dirty="0"/>
             </a:br>
-            <a:r>
-              <a:rPr lang="en-US" dirty="0" smtClean="0"/>
-              <a:t/>
-            </a:r>
             <a:br>
-              <a:rPr lang="en-US" dirty="0" smtClean="0"/>
+              <a:rPr lang="en-US" dirty="0"/>
             </a:br>
-            <a:r>
-              <a:rPr lang="en-US" dirty="0" smtClean="0"/>
-              <a:t/>
-            </a:r>
             <a:br>
-              <a:rPr lang="en-US" dirty="0" smtClean="0"/>
+              <a:rPr lang="en-US" dirty="0"/>
             </a:br>
-            <a:r>
-              <a:rPr lang="en-US" dirty="0" smtClean="0"/>
-              <a:t/>
-            </a:r>
             <a:br>
-              <a:rPr lang="en-US" dirty="0" smtClean="0"/>
+              <a:rPr lang="en-US" dirty="0"/>
             </a:br>
-            <a:r>
-              <a:rPr lang="en-US" dirty="0" smtClean="0"/>
-              <a:t/>
-            </a:r>
             <a:br>
-              <a:rPr lang="en-US" dirty="0" smtClean="0"/>
+              <a:rPr lang="en-US" dirty="0"/>
             </a:br>
-            <a:r>
-              <a:rPr lang="en-US" dirty="0" smtClean="0"/>
-              <a:t/>
-            </a:r>
             <a:br>
-              <a:rPr lang="en-US" dirty="0" smtClean="0"/>
+              <a:rPr lang="en-US" dirty="0"/>
             </a:br>
-            <a:r>
-              <a:rPr lang="en-US" dirty="0" smtClean="0"/>
-              <a:t/>
-            </a:r>
             <a:br>
-              <a:rPr lang="en-US" dirty="0" smtClean="0"/>
+              <a:rPr lang="en-US" dirty="0"/>
             </a:br>
-            <a:r>
-              <a:rPr lang="en-US" dirty="0" smtClean="0"/>
-              <a:t/>
-            </a:r>
             <a:br>
-              <a:rPr lang="en-US" dirty="0" smtClean="0"/>
+              <a:rPr lang="en-US" dirty="0"/>
             </a:br>
-            <a:r>
-              <a:rPr lang="en-US" dirty="0" smtClean="0"/>
-              <a:t/>
-            </a:r>
             <a:br>
-              <a:rPr lang="en-US" dirty="0" smtClean="0"/>
+              <a:rPr lang="en-US" dirty="0"/>
             </a:br>
-            <a:r>
-              <a:rPr lang="en-US" dirty="0" smtClean="0"/>
-              <a:t/>
-            </a:r>
             <a:br>
-              <a:rPr lang="en-US" dirty="0" smtClean="0"/>
+              <a:rPr lang="en-US" dirty="0"/>
             </a:br>
-            <a:r>
-              <a:rPr lang="en-US" dirty="0" smtClean="0"/>
-              <a:t/>
-            </a:r>
             <a:br>
-              <a:rPr lang="en-US" dirty="0" smtClean="0"/>
+              <a:rPr lang="en-US" dirty="0"/>
             </a:br>
-            <a:r>
-              <a:rPr lang="en-US" dirty="0" smtClean="0"/>
-              <a:t/>
-            </a:r>
             <a:br>
-              <a:rPr lang="en-US" dirty="0" smtClean="0"/>
+              <a:rPr lang="en-US" dirty="0"/>
             </a:br>
-            <a:r>
-              <a:rPr lang="en-US" dirty="0" smtClean="0"/>
-              <a:t/>
-            </a:r>
             <a:br>
-              <a:rPr lang="en-US" dirty="0" smtClean="0"/>
+              <a:rPr lang="en-US" dirty="0"/>
             </a:br>
             <a:endParaRPr lang="en-US" dirty="0"/>
           </a:p>
@@ -18452,109 +18179,57 @@
           <a:p>
             <a:pPr algn="ctr"/>
             <a:r>
-              <a:rPr lang="en-US" dirty="0" smtClean="0"/>
+              <a:rPr lang="en-US" dirty="0"/>
               <a:t>Web Server</a:t>
             </a:r>
             <a:br>
-              <a:rPr lang="en-US" dirty="0" smtClean="0"/>
+              <a:rPr lang="en-US" dirty="0"/>
             </a:br>
             <a:r>
-              <a:rPr lang="en-US" dirty="0" smtClean="0"/>
+              <a:rPr lang="en-US" dirty="0"/>
               <a:t>IP: 128.230.182.251</a:t>
             </a:r>
             <a:br>
-              <a:rPr lang="en-US" dirty="0" smtClean="0"/>
+              <a:rPr lang="en-US" dirty="0"/>
             </a:br>
-            <a:r>
-              <a:rPr lang="en-US" dirty="0" smtClean="0"/>
-              <a:t/>
-            </a:r>
             <a:br>
-              <a:rPr lang="en-US" dirty="0" smtClean="0"/>
+              <a:rPr lang="en-US" dirty="0"/>
             </a:br>
-            <a:r>
-              <a:rPr lang="en-US" dirty="0" smtClean="0"/>
-              <a:t/>
-            </a:r>
             <a:br>
-              <a:rPr lang="en-US" dirty="0" smtClean="0"/>
+              <a:rPr lang="en-US" dirty="0"/>
             </a:br>
-            <a:r>
-              <a:rPr lang="en-US" dirty="0" smtClean="0"/>
-              <a:t/>
-            </a:r>
             <a:br>
-              <a:rPr lang="en-US" dirty="0" smtClean="0"/>
+              <a:rPr lang="en-US" dirty="0"/>
             </a:br>
-            <a:r>
-              <a:rPr lang="en-US" dirty="0" smtClean="0"/>
-              <a:t/>
-            </a:r>
             <a:br>
-              <a:rPr lang="en-US" dirty="0" smtClean="0"/>
+              <a:rPr lang="en-US" dirty="0"/>
             </a:br>
-            <a:r>
-              <a:rPr lang="en-US" dirty="0" smtClean="0"/>
-              <a:t/>
-            </a:r>
             <a:br>
-              <a:rPr lang="en-US" dirty="0" smtClean="0"/>
+              <a:rPr lang="en-US" dirty="0"/>
             </a:br>
-            <a:r>
-              <a:rPr lang="en-US" dirty="0" smtClean="0"/>
-              <a:t/>
-            </a:r>
             <a:br>
-              <a:rPr lang="en-US" dirty="0" smtClean="0"/>
+              <a:rPr lang="en-US" dirty="0"/>
             </a:br>
-            <a:r>
-              <a:rPr lang="en-US" dirty="0" smtClean="0"/>
-              <a:t/>
-            </a:r>
             <a:br>
-              <a:rPr lang="en-US" dirty="0" smtClean="0"/>
+              <a:rPr lang="en-US" dirty="0"/>
             </a:br>
-            <a:r>
-              <a:rPr lang="en-US" dirty="0" smtClean="0"/>
-              <a:t/>
-            </a:r>
             <a:br>
-              <a:rPr lang="en-US" dirty="0" smtClean="0"/>
+              <a:rPr lang="en-US" dirty="0"/>
             </a:br>
-            <a:r>
-              <a:rPr lang="en-US" dirty="0" smtClean="0"/>
-              <a:t/>
-            </a:r>
             <a:br>
-              <a:rPr lang="en-US" dirty="0" smtClean="0"/>
+              <a:rPr lang="en-US" dirty="0"/>
             </a:br>
-            <a:r>
-              <a:rPr lang="en-US" dirty="0" smtClean="0"/>
-              <a:t/>
-            </a:r>
             <a:br>
-              <a:rPr lang="en-US" dirty="0" smtClean="0"/>
+              <a:rPr lang="en-US" dirty="0"/>
             </a:br>
-            <a:r>
-              <a:rPr lang="en-US" dirty="0" smtClean="0"/>
-              <a:t/>
-            </a:r>
             <a:br>
-              <a:rPr lang="en-US" dirty="0" smtClean="0"/>
+              <a:rPr lang="en-US" dirty="0"/>
             </a:br>
-            <a:r>
-              <a:rPr lang="en-US" dirty="0" smtClean="0"/>
-              <a:t/>
-            </a:r>
             <a:br>
-              <a:rPr lang="en-US" dirty="0" smtClean="0"/>
+              <a:rPr lang="en-US" dirty="0"/>
             </a:br>
-            <a:r>
-              <a:rPr lang="en-US" dirty="0" smtClean="0"/>
-              <a:t/>
-            </a:r>
             <a:br>
-              <a:rPr lang="en-US" dirty="0" smtClean="0"/>
+              <a:rPr lang="en-US" dirty="0"/>
             </a:br>
             <a:endParaRPr lang="en-US" dirty="0"/>
           </a:p>
@@ -18790,14 +18465,14 @@
           <a:lstStyle/>
           <a:p>
             <a:r>
-              <a:rPr lang="en-US" dirty="0" smtClean="0"/>
+              <a:rPr lang="en-US" dirty="0"/>
               <a:t>Browser: </a:t>
             </a:r>
             <a:br>
-              <a:rPr lang="en-US" dirty="0" smtClean="0"/>
+              <a:rPr lang="en-US" dirty="0"/>
             </a:br>
             <a:r>
-              <a:rPr lang="en-US" dirty="0" smtClean="0"/>
+              <a:rPr lang="en-US" dirty="0"/>
               <a:t>Connect</a:t>
             </a:r>
           </a:p>
@@ -18833,10 +18508,9 @@
           <a:lstStyle/>
           <a:p>
             <a:r>
-              <a:rPr lang="en-US" dirty="0" smtClean="0"/>
+              <a:rPr lang="en-US" dirty="0"/>
               <a:t>Server</a:t>
             </a:r>
-            <a:endParaRPr lang="en-US" dirty="0"/>
           </a:p>
         </p:txBody>
       </p:sp>
@@ -18870,7 +18544,7 @@
           <a:lstStyle/>
           <a:p>
             <a:r>
-              <a:rPr lang="en-US" dirty="0" smtClean="0"/>
+              <a:rPr lang="en-US" dirty="0"/>
               <a:t>File containing HTML</a:t>
             </a:r>
           </a:p>
@@ -18938,7 +18612,7 @@
           <a:lstStyle/>
           <a:p>
             <a:r>
-              <a:rPr lang="en-US" dirty="0" smtClean="0"/>
+              <a:rPr lang="en-US" dirty="0"/>
               <a:t>Rendered HTML</a:t>
             </a:r>
           </a:p>
@@ -19106,7 +18780,7 @@
           <a:lstStyle/>
           <a:p>
             <a:r>
-              <a:rPr lang="en-US" dirty="0" smtClean="0"/>
+              <a:rPr lang="en-US" dirty="0"/>
               <a:t>Send: HTTP GET /ist346/</a:t>
             </a:r>
           </a:p>
@@ -19142,11 +18816,11 @@
           <a:lstStyle/>
           <a:p>
             <a:r>
-              <a:rPr lang="en-US" dirty="0" err="1" smtClean="0"/>
+              <a:rPr lang="en-US" dirty="0" err="1"/>
               <a:t>Recv</a:t>
             </a:r>
             <a:r>
-              <a:rPr lang="en-US" dirty="0" smtClean="0"/>
+              <a:rPr lang="en-US" dirty="0"/>
               <a:t>: HTTP Response Stream</a:t>
             </a:r>
           </a:p>
@@ -19231,7 +18905,7 @@
           <a:lstStyle/>
           <a:p>
             <a:r>
-              <a:rPr lang="en-US" dirty="0" smtClean="0"/>
+              <a:rPr lang="en-US" dirty="0"/>
               <a:t>URL</a:t>
             </a:r>
           </a:p>
@@ -19337,7 +19011,7 @@
           <a:p>
             <a:fld id="{F89BDE60-2A98-490E-90FD-6AF686AFFDD7}" type="datetime1">
               <a:rPr lang="en-US" smtClean="0"/>
-              <a:t>11/18/2014</a:t>
+              <a:t>11/6/2018</a:t>
             </a:fld>
             <a:endParaRPr lang="en-US"/>
           </a:p>
@@ -19360,7 +19034,7 @@
           <a:p>
             <a:pPr algn="ctr"/>
             <a:r>
-              <a:rPr lang="en-US" smtClean="0"/>
+              <a:rPr lang="en-US"/>
               <a:t>IST346: Info Tech Management &amp; Administration</a:t>
             </a:r>
             <a:endParaRPr lang="en-US" dirty="0"/>
@@ -19981,6 +19655,15 @@
 </file>
 
 <file path=customXml/item1.xml><?xml version="1.0" encoding="utf-8"?>
+<?mso-contentType ?>
+<FormTemplates xmlns="http://schemas.microsoft.com/sharepoint/v3/contenttype/forms">
+  <Display>DocumentLibraryForm</Display>
+  <Edit>DocumentLibraryForm</Edit>
+  <New>DocumentLibraryForm</New>
+</FormTemplates>
+</file>
+
+<file path=customXml/item2.xml><?xml version="1.0" encoding="utf-8"?>
 <p:properties xmlns:p="http://schemas.microsoft.com/office/2006/metadata/properties" xmlns:xsi="http://www.w3.org/2001/XMLSchema-instance" xmlns:pc="http://schemas.microsoft.com/office/infopath/2007/PartnerControls">
   <documentManagement>
     <_dlc_DocId xmlns="bcb7aec3-7c55-4f53-b860-67c1306cd9a6">3CA6T5SJM37K-4-1631</_dlc_DocId>
@@ -19992,16 +19675,57 @@
 </p:properties>
 </file>
 
-<file path=customXml/item2.xml><?xml version="1.0" encoding="utf-8"?>
+<file path=customXml/item3.xml><?xml version="1.0" encoding="utf-8"?>
 <?mso-contentType ?>
-<FormTemplates xmlns="http://schemas.microsoft.com/sharepoint/v3/contenttype/forms">
-  <Display>DocumentLibraryForm</Display>
-  <Edit>DocumentLibraryForm</Edit>
-  <New>DocumentLibraryForm</New>
-</FormTemplates>
+<spe:Receivers xmlns:spe="http://schemas.microsoft.com/sharepoint/events">
+  <Receiver>
+    <Name>Document ID Generator</Name>
+    <Synchronization>Synchronous</Synchronization>
+    <Type>10001</Type>
+    <SequenceNumber>1000</SequenceNumber>
+    <Url/>
+    <Assembly>Microsoft.Office.DocumentManagement, Version=15.0.0.0, Culture=neutral, PublicKeyToken=71e9bce111e9429c</Assembly>
+    <Class>Microsoft.Office.DocumentManagement.Internal.DocIdHandler</Class>
+    <Data/>
+    <Filter/>
+  </Receiver>
+  <Receiver>
+    <Name>Document ID Generator</Name>
+    <Synchronization>Synchronous</Synchronization>
+    <Type>10002</Type>
+    <SequenceNumber>1001</SequenceNumber>
+    <Url/>
+    <Assembly>Microsoft.Office.DocumentManagement, Version=15.0.0.0, Culture=neutral, PublicKeyToken=71e9bce111e9429c</Assembly>
+    <Class>Microsoft.Office.DocumentManagement.Internal.DocIdHandler</Class>
+    <Data/>
+    <Filter/>
+  </Receiver>
+  <Receiver>
+    <Name>Document ID Generator</Name>
+    <Synchronization>Synchronous</Synchronization>
+    <Type>10004</Type>
+    <SequenceNumber>1002</SequenceNumber>
+    <Url/>
+    <Assembly>Microsoft.Office.DocumentManagement, Version=15.0.0.0, Culture=neutral, PublicKeyToken=71e9bce111e9429c</Assembly>
+    <Class>Microsoft.Office.DocumentManagement.Internal.DocIdHandler</Class>
+    <Data/>
+    <Filter/>
+  </Receiver>
+  <Receiver>
+    <Name>Document ID Generator</Name>
+    <Synchronization>Synchronous</Synchronization>
+    <Type>10006</Type>
+    <SequenceNumber>1003</SequenceNumber>
+    <Url/>
+    <Assembly>Microsoft.Office.DocumentManagement, Version=15.0.0.0, Culture=neutral, PublicKeyToken=71e9bce111e9429c</Assembly>
+    <Class>Microsoft.Office.DocumentManagement.Internal.DocIdHandler</Class>
+    <Data/>
+    <Filter/>
+  </Receiver>
+</spe:Receivers>
 </file>
 
-<file path=customXml/item3.xml><?xml version="1.0" encoding="utf-8"?>
+<file path=customXml/item4.xml><?xml version="1.0" encoding="utf-8"?>
 <ct:contentTypeSchema xmlns:ct="http://schemas.microsoft.com/office/2006/metadata/contentType" xmlns:ma="http://schemas.microsoft.com/office/2006/metadata/properties/metaAttributes" ct:_="" ma:_="" ma:contentTypeName="Document" ma:contentTypeID="0x010100D32F2469DCFE734DBCA1B1466A16627D" ma:contentTypeVersion="1" ma:contentTypeDescription="Create a new document." ma:contentTypeScope="" ma:versionID="7d33a985a1ecc405ec3b9b4cf37c61a4">
   <xsd:schema xmlns:xsd="http://www.w3.org/2001/XMLSchema" xmlns:xs="http://www.w3.org/2001/XMLSchema" xmlns:p="http://schemas.microsoft.com/office/2006/metadata/properties" xmlns:ns3="bcb7aec3-7c55-4f53-b860-67c1306cd9a6" targetNamespace="http://schemas.microsoft.com/office/2006/metadata/properties" ma:root="true" ma:fieldsID="9f141cc4080445993cb98ee36efff932" ns3:_="">
     <xsd:import namespace="bcb7aec3-7c55-4f53-b860-67c1306cd9a6"/>
@@ -20146,57 +19870,15 @@
 </ct:contentTypeSchema>
 </file>
 
-<file path=customXml/item4.xml><?xml version="1.0" encoding="utf-8"?>
-<?mso-contentType ?>
-<spe:Receivers xmlns:spe="http://schemas.microsoft.com/sharepoint/events">
-  <Receiver>
-    <Name>Document ID Generator</Name>
-    <Synchronization>Synchronous</Synchronization>
-    <Type>10001</Type>
-    <SequenceNumber>1000</SequenceNumber>
-    <Url/>
-    <Assembly>Microsoft.Office.DocumentManagement, Version=15.0.0.0, Culture=neutral, PublicKeyToken=71e9bce111e9429c</Assembly>
-    <Class>Microsoft.Office.DocumentManagement.Internal.DocIdHandler</Class>
-    <Data/>
-    <Filter/>
-  </Receiver>
-  <Receiver>
-    <Name>Document ID Generator</Name>
-    <Synchronization>Synchronous</Synchronization>
-    <Type>10002</Type>
-    <SequenceNumber>1001</SequenceNumber>
-    <Url/>
-    <Assembly>Microsoft.Office.DocumentManagement, Version=15.0.0.0, Culture=neutral, PublicKeyToken=71e9bce111e9429c</Assembly>
-    <Class>Microsoft.Office.DocumentManagement.Internal.DocIdHandler</Class>
-    <Data/>
-    <Filter/>
-  </Receiver>
-  <Receiver>
-    <Name>Document ID Generator</Name>
-    <Synchronization>Synchronous</Synchronization>
-    <Type>10004</Type>
-    <SequenceNumber>1002</SequenceNumber>
-    <Url/>
-    <Assembly>Microsoft.Office.DocumentManagement, Version=15.0.0.0, Culture=neutral, PublicKeyToken=71e9bce111e9429c</Assembly>
-    <Class>Microsoft.Office.DocumentManagement.Internal.DocIdHandler</Class>
-    <Data/>
-    <Filter/>
-  </Receiver>
-  <Receiver>
-    <Name>Document ID Generator</Name>
-    <Synchronization>Synchronous</Synchronization>
-    <Type>10006</Type>
-    <SequenceNumber>1003</SequenceNumber>
-    <Url/>
-    <Assembly>Microsoft.Office.DocumentManagement, Version=15.0.0.0, Culture=neutral, PublicKeyToken=71e9bce111e9429c</Assembly>
-    <Class>Microsoft.Office.DocumentManagement.Internal.DocIdHandler</Class>
-    <Data/>
-    <Filter/>
-  </Receiver>
-</spe:Receivers>
+<file path=customXml/itemProps1.xml><?xml version="1.0" encoding="utf-8"?>
+<ds:datastoreItem xmlns:ds="http://schemas.openxmlformats.org/officeDocument/2006/customXml" ds:itemID="{A462B18B-7D1D-4C4C-9C4C-809564863381}">
+  <ds:schemaRefs>
+    <ds:schemaRef ds:uri="http://schemas.microsoft.com/sharepoint/v3/contenttype/forms"/>
+  </ds:schemaRefs>
+</ds:datastoreItem>
 </file>
 
-<file path=customXml/itemProps1.xml><?xml version="1.0" encoding="utf-8"?>
+<file path=customXml/itemProps2.xml><?xml version="1.0" encoding="utf-8"?>
 <ds:datastoreItem xmlns:ds="http://schemas.openxmlformats.org/officeDocument/2006/customXml" ds:itemID="{441A16B5-BA8D-446F-998C-FCAC637BEF0F}">
   <ds:schemaRefs>
     <ds:schemaRef ds:uri="http://schemas.microsoft.com/office/2006/metadata/properties"/>
@@ -20206,15 +19888,15 @@
 </ds:datastoreItem>
 </file>
 
-<file path=customXml/itemProps2.xml><?xml version="1.0" encoding="utf-8"?>
-<ds:datastoreItem xmlns:ds="http://schemas.openxmlformats.org/officeDocument/2006/customXml" ds:itemID="{A462B18B-7D1D-4C4C-9C4C-809564863381}">
+<file path=customXml/itemProps3.xml><?xml version="1.0" encoding="utf-8"?>
+<ds:datastoreItem xmlns:ds="http://schemas.openxmlformats.org/officeDocument/2006/customXml" ds:itemID="{75D47B59-3BB9-4980-9776-36D21DF81051}">
   <ds:schemaRefs>
-    <ds:schemaRef ds:uri="http://schemas.microsoft.com/sharepoint/v3/contenttype/forms"/>
+    <ds:schemaRef ds:uri="http://schemas.microsoft.com/sharepoint/events"/>
   </ds:schemaRefs>
 </ds:datastoreItem>
 </file>
 
-<file path=customXml/itemProps3.xml><?xml version="1.0" encoding="utf-8"?>
+<file path=customXml/itemProps4.xml><?xml version="1.0" encoding="utf-8"?>
 <ds:datastoreItem xmlns:ds="http://schemas.openxmlformats.org/officeDocument/2006/customXml" ds:itemID="{6AA00CAC-1E3A-4466-B620-CEB57BFBAF3F}">
   <ds:schemaRefs>
     <ds:schemaRef ds:uri="http://schemas.microsoft.com/office/2006/metadata/contentType"/>
@@ -20230,12 +19912,4 @@
     <ds:schemaRef ds:uri="http://schemas.microsoft.com/internal/obd"/>
   </ds:schemaRefs>
 </ds:datastoreItem>
-</file>
-
-<file path=customXml/itemProps4.xml><?xml version="1.0" encoding="utf-8"?>
-<ds:datastoreItem xmlns:ds="http://schemas.openxmlformats.org/officeDocument/2006/customXml" ds:itemID="{75D47B59-3BB9-4980-9776-36D21DF81051}">
-  <ds:schemaRefs>
-    <ds:schemaRef ds:uri="http://schemas.microsoft.com/sharepoint/events"/>
-  </ds:schemaRefs>
-</ds:datastoreItem>
 </file>